--- a/ETC/프로젝트 제안서 7조.pptx
+++ b/ETC/프로젝트 제안서 7조.pptx
@@ -4,21 +4,23 @@
   <p:sldMasterIdLst>
     <p:sldMasterId id="2147483648" r:id="rId1"/>
   </p:sldMasterIdLst>
+  <p:notesMasterIdLst>
+    <p:notesMasterId r:id="rId15"/>
+  </p:notesMasterIdLst>
   <p:sldIdLst>
     <p:sldId id="256" r:id="rId2"/>
-    <p:sldId id="257" r:id="rId3"/>
-    <p:sldId id="258" r:id="rId4"/>
-    <p:sldId id="259" r:id="rId5"/>
-    <p:sldId id="260" r:id="rId6"/>
-    <p:sldId id="271" r:id="rId7"/>
-    <p:sldId id="272" r:id="rId8"/>
-    <p:sldId id="273" r:id="rId9"/>
-    <p:sldId id="270" r:id="rId10"/>
-    <p:sldId id="261" r:id="rId11"/>
-    <p:sldId id="267" r:id="rId12"/>
-    <p:sldId id="262" r:id="rId13"/>
-    <p:sldId id="263" r:id="rId14"/>
-    <p:sldId id="268" r:id="rId15"/>
+    <p:sldId id="274" r:id="rId3"/>
+    <p:sldId id="257" r:id="rId4"/>
+    <p:sldId id="258" r:id="rId5"/>
+    <p:sldId id="259" r:id="rId6"/>
+    <p:sldId id="260" r:id="rId7"/>
+    <p:sldId id="271" r:id="rId8"/>
+    <p:sldId id="272" r:id="rId9"/>
+    <p:sldId id="261" r:id="rId10"/>
+    <p:sldId id="267" r:id="rId11"/>
+    <p:sldId id="262" r:id="rId12"/>
+    <p:sldId id="263" r:id="rId13"/>
+    <p:sldId id="268" r:id="rId14"/>
   </p:sldIdLst>
   <p:sldSz cx="12192000" cy="6858000"/>
   <p:notesSz cx="6858000" cy="9144000"/>
@@ -125,6 +127,782 @@
 </p:presentation>
 </file>
 
+<file path=ppt/notesMasters/notesMaster1.xml><?xml version="1.0" encoding="utf-8"?>
+<p:notesMaster xmlns:a="http://schemas.openxmlformats.org/drawingml/2006/main" xmlns:r="http://schemas.openxmlformats.org/officeDocument/2006/relationships" xmlns:p="http://schemas.openxmlformats.org/presentationml/2006/main">
+  <p:cSld>
+    <p:bg>
+      <p:bgRef idx="1001">
+        <a:schemeClr val="bg1"/>
+      </p:bgRef>
+    </p:bg>
+    <p:spTree>
+      <p:nvGrpSpPr>
+        <p:cNvPr id="1" name=""/>
+        <p:cNvGrpSpPr/>
+        <p:nvPr/>
+      </p:nvGrpSpPr>
+      <p:grpSpPr>
+        <a:xfrm>
+          <a:off x="0" y="0"/>
+          <a:ext cx="0" cy="0"/>
+          <a:chOff x="0" y="0"/>
+          <a:chExt cx="0" cy="0"/>
+        </a:xfrm>
+      </p:grpSpPr>
+      <p:sp>
+        <p:nvSpPr>
+          <p:cNvPr id="2" name="머리글 개체 틀 1"/>
+          <p:cNvSpPr>
+            <a:spLocks noGrp="1"/>
+          </p:cNvSpPr>
+          <p:nvPr>
+            <p:ph type="hdr" sz="quarter"/>
+          </p:nvPr>
+        </p:nvSpPr>
+        <p:spPr>
+          <a:xfrm>
+            <a:off x="0" y="0"/>
+            <a:ext cx="2971800" cy="458788"/>
+          </a:xfrm>
+          <a:prstGeom prst="rect">
+            <a:avLst/>
+          </a:prstGeom>
+        </p:spPr>
+        <p:txBody>
+          <a:bodyPr vert="horz" lIns="91440" tIns="45720" rIns="91440" bIns="45720" rtlCol="0"/>
+          <a:lstStyle>
+            <a:lvl1pPr algn="l">
+              <a:defRPr sz="1200"/>
+            </a:lvl1pPr>
+          </a:lstStyle>
+          <a:p>
+            <a:endParaRPr lang="ko-KR" altLang="en-US"/>
+          </a:p>
+        </p:txBody>
+      </p:sp>
+      <p:sp>
+        <p:nvSpPr>
+          <p:cNvPr id="3" name="날짜 개체 틀 2"/>
+          <p:cNvSpPr>
+            <a:spLocks noGrp="1"/>
+          </p:cNvSpPr>
+          <p:nvPr>
+            <p:ph type="dt" idx="1"/>
+          </p:nvPr>
+        </p:nvSpPr>
+        <p:spPr>
+          <a:xfrm>
+            <a:off x="3884613" y="0"/>
+            <a:ext cx="2971800" cy="458788"/>
+          </a:xfrm>
+          <a:prstGeom prst="rect">
+            <a:avLst/>
+          </a:prstGeom>
+        </p:spPr>
+        <p:txBody>
+          <a:bodyPr vert="horz" lIns="91440" tIns="45720" rIns="91440" bIns="45720" rtlCol="0"/>
+          <a:lstStyle>
+            <a:lvl1pPr algn="r">
+              <a:defRPr sz="1200"/>
+            </a:lvl1pPr>
+          </a:lstStyle>
+          <a:p>
+            <a:fld id="{09B75D47-7581-4EC6-9DBA-51A73CFF6B9C}" type="datetimeFigureOut">
+              <a:rPr lang="ko-KR" altLang="en-US" smtClean="0"/>
+              <a:t>2021-10-01</a:t>
+            </a:fld>
+            <a:endParaRPr lang="ko-KR" altLang="en-US"/>
+          </a:p>
+        </p:txBody>
+      </p:sp>
+      <p:sp>
+        <p:nvSpPr>
+          <p:cNvPr id="4" name="슬라이드 이미지 개체 틀 3"/>
+          <p:cNvSpPr>
+            <a:spLocks noGrp="1" noRot="1" noChangeAspect="1"/>
+          </p:cNvSpPr>
+          <p:nvPr>
+            <p:ph type="sldImg" idx="2"/>
+          </p:nvPr>
+        </p:nvSpPr>
+        <p:spPr>
+          <a:xfrm>
+            <a:off x="685800" y="1143000"/>
+            <a:ext cx="5486400" cy="3086100"/>
+          </a:xfrm>
+          <a:prstGeom prst="rect">
+            <a:avLst/>
+          </a:prstGeom>
+          <a:noFill/>
+          <a:ln w="12700">
+            <a:solidFill>
+              <a:prstClr val="black"/>
+            </a:solidFill>
+          </a:ln>
+        </p:spPr>
+        <p:txBody>
+          <a:bodyPr vert="horz" lIns="91440" tIns="45720" rIns="91440" bIns="45720" rtlCol="0" anchor="ctr"/>
+          <a:lstStyle/>
+          <a:p>
+            <a:endParaRPr lang="ko-KR" altLang="en-US"/>
+          </a:p>
+        </p:txBody>
+      </p:sp>
+      <p:sp>
+        <p:nvSpPr>
+          <p:cNvPr id="5" name="슬라이드 노트 개체 틀 4"/>
+          <p:cNvSpPr>
+            <a:spLocks noGrp="1"/>
+          </p:cNvSpPr>
+          <p:nvPr>
+            <p:ph type="body" sz="quarter" idx="3"/>
+          </p:nvPr>
+        </p:nvSpPr>
+        <p:spPr>
+          <a:xfrm>
+            <a:off x="685800" y="4400550"/>
+            <a:ext cx="5486400" cy="3600450"/>
+          </a:xfrm>
+          <a:prstGeom prst="rect">
+            <a:avLst/>
+          </a:prstGeom>
+        </p:spPr>
+        <p:txBody>
+          <a:bodyPr vert="horz" lIns="91440" tIns="45720" rIns="91440" bIns="45720" rtlCol="0"/>
+          <a:lstStyle/>
+          <a:p>
+            <a:pPr lvl="0"/>
+            <a:r>
+              <a:rPr lang="ko-KR" altLang="en-US"/>
+              <a:t>마스터 텍스트 스타일을 편집하려면 클릭</a:t>
+            </a:r>
+          </a:p>
+          <a:p>
+            <a:pPr lvl="1"/>
+            <a:r>
+              <a:rPr lang="ko-KR" altLang="en-US"/>
+              <a:t>두 번째 수준</a:t>
+            </a:r>
+          </a:p>
+          <a:p>
+            <a:pPr lvl="2"/>
+            <a:r>
+              <a:rPr lang="ko-KR" altLang="en-US"/>
+              <a:t>세 번째 수준</a:t>
+            </a:r>
+          </a:p>
+          <a:p>
+            <a:pPr lvl="3"/>
+            <a:r>
+              <a:rPr lang="ko-KR" altLang="en-US"/>
+              <a:t>네 번째 수준</a:t>
+            </a:r>
+          </a:p>
+          <a:p>
+            <a:pPr lvl="4"/>
+            <a:r>
+              <a:rPr lang="ko-KR" altLang="en-US"/>
+              <a:t>다섯 번째 수준</a:t>
+            </a:r>
+          </a:p>
+        </p:txBody>
+      </p:sp>
+      <p:sp>
+        <p:nvSpPr>
+          <p:cNvPr id="6" name="바닥글 개체 틀 5"/>
+          <p:cNvSpPr>
+            <a:spLocks noGrp="1"/>
+          </p:cNvSpPr>
+          <p:nvPr>
+            <p:ph type="ftr" sz="quarter" idx="4"/>
+          </p:nvPr>
+        </p:nvSpPr>
+        <p:spPr>
+          <a:xfrm>
+            <a:off x="0" y="8685213"/>
+            <a:ext cx="2971800" cy="458787"/>
+          </a:xfrm>
+          <a:prstGeom prst="rect">
+            <a:avLst/>
+          </a:prstGeom>
+        </p:spPr>
+        <p:txBody>
+          <a:bodyPr vert="horz" lIns="91440" tIns="45720" rIns="91440" bIns="45720" rtlCol="0" anchor="b"/>
+          <a:lstStyle>
+            <a:lvl1pPr algn="l">
+              <a:defRPr sz="1200"/>
+            </a:lvl1pPr>
+          </a:lstStyle>
+          <a:p>
+            <a:endParaRPr lang="ko-KR" altLang="en-US"/>
+          </a:p>
+        </p:txBody>
+      </p:sp>
+      <p:sp>
+        <p:nvSpPr>
+          <p:cNvPr id="7" name="슬라이드 번호 개체 틀 6"/>
+          <p:cNvSpPr>
+            <a:spLocks noGrp="1"/>
+          </p:cNvSpPr>
+          <p:nvPr>
+            <p:ph type="sldNum" sz="quarter" idx="5"/>
+          </p:nvPr>
+        </p:nvSpPr>
+        <p:spPr>
+          <a:xfrm>
+            <a:off x="3884613" y="8685213"/>
+            <a:ext cx="2971800" cy="458787"/>
+          </a:xfrm>
+          <a:prstGeom prst="rect">
+            <a:avLst/>
+          </a:prstGeom>
+        </p:spPr>
+        <p:txBody>
+          <a:bodyPr vert="horz" lIns="91440" tIns="45720" rIns="91440" bIns="45720" rtlCol="0" anchor="b"/>
+          <a:lstStyle>
+            <a:lvl1pPr algn="r">
+              <a:defRPr sz="1200"/>
+            </a:lvl1pPr>
+          </a:lstStyle>
+          <a:p>
+            <a:fld id="{62AE3B0C-D74A-45B0-AB75-3151BAD62F15}" type="slidenum">
+              <a:rPr lang="ko-KR" altLang="en-US" smtClean="0"/>
+              <a:t>‹#›</a:t>
+            </a:fld>
+            <a:endParaRPr lang="ko-KR" altLang="en-US"/>
+          </a:p>
+        </p:txBody>
+      </p:sp>
+    </p:spTree>
+    <p:extLst>
+      <p:ext uri="{BB962C8B-B14F-4D97-AF65-F5344CB8AC3E}">
+        <p14:creationId xmlns:p14="http://schemas.microsoft.com/office/powerpoint/2010/main" val="1687464215"/>
+      </p:ext>
+    </p:extLst>
+  </p:cSld>
+  <p:clrMap bg1="lt1" tx1="dk1" bg2="lt2" tx2="dk2" accent1="accent1" accent2="accent2" accent3="accent3" accent4="accent4" accent5="accent5" accent6="accent6" hlink="hlink" folHlink="folHlink"/>
+  <p:notesStyle>
+    <a:lvl1pPr marL="0" algn="l" defTabSz="914400" rtl="0" eaLnBrk="1" latinLnBrk="1" hangingPunct="1">
+      <a:defRPr sz="1200" kern="1200">
+        <a:solidFill>
+          <a:schemeClr val="tx1"/>
+        </a:solidFill>
+        <a:latin typeface="+mn-lt"/>
+        <a:ea typeface="+mn-ea"/>
+        <a:cs typeface="+mn-cs"/>
+      </a:defRPr>
+    </a:lvl1pPr>
+    <a:lvl2pPr marL="457200" algn="l" defTabSz="914400" rtl="0" eaLnBrk="1" latinLnBrk="1" hangingPunct="1">
+      <a:defRPr sz="1200" kern="1200">
+        <a:solidFill>
+          <a:schemeClr val="tx1"/>
+        </a:solidFill>
+        <a:latin typeface="+mn-lt"/>
+        <a:ea typeface="+mn-ea"/>
+        <a:cs typeface="+mn-cs"/>
+      </a:defRPr>
+    </a:lvl2pPr>
+    <a:lvl3pPr marL="914400" algn="l" defTabSz="914400" rtl="0" eaLnBrk="1" latinLnBrk="1" hangingPunct="1">
+      <a:defRPr sz="1200" kern="1200">
+        <a:solidFill>
+          <a:schemeClr val="tx1"/>
+        </a:solidFill>
+        <a:latin typeface="+mn-lt"/>
+        <a:ea typeface="+mn-ea"/>
+        <a:cs typeface="+mn-cs"/>
+      </a:defRPr>
+    </a:lvl3pPr>
+    <a:lvl4pPr marL="1371600" algn="l" defTabSz="914400" rtl="0" eaLnBrk="1" latinLnBrk="1" hangingPunct="1">
+      <a:defRPr sz="1200" kern="1200">
+        <a:solidFill>
+          <a:schemeClr val="tx1"/>
+        </a:solidFill>
+        <a:latin typeface="+mn-lt"/>
+        <a:ea typeface="+mn-ea"/>
+        <a:cs typeface="+mn-cs"/>
+      </a:defRPr>
+    </a:lvl4pPr>
+    <a:lvl5pPr marL="1828800" algn="l" defTabSz="914400" rtl="0" eaLnBrk="1" latinLnBrk="1" hangingPunct="1">
+      <a:defRPr sz="1200" kern="1200">
+        <a:solidFill>
+          <a:schemeClr val="tx1"/>
+        </a:solidFill>
+        <a:latin typeface="+mn-lt"/>
+        <a:ea typeface="+mn-ea"/>
+        <a:cs typeface="+mn-cs"/>
+      </a:defRPr>
+    </a:lvl5pPr>
+    <a:lvl6pPr marL="2286000" algn="l" defTabSz="914400" rtl="0" eaLnBrk="1" latinLnBrk="1" hangingPunct="1">
+      <a:defRPr sz="1200" kern="1200">
+        <a:solidFill>
+          <a:schemeClr val="tx1"/>
+        </a:solidFill>
+        <a:latin typeface="+mn-lt"/>
+        <a:ea typeface="+mn-ea"/>
+        <a:cs typeface="+mn-cs"/>
+      </a:defRPr>
+    </a:lvl6pPr>
+    <a:lvl7pPr marL="2743200" algn="l" defTabSz="914400" rtl="0" eaLnBrk="1" latinLnBrk="1" hangingPunct="1">
+      <a:defRPr sz="1200" kern="1200">
+        <a:solidFill>
+          <a:schemeClr val="tx1"/>
+        </a:solidFill>
+        <a:latin typeface="+mn-lt"/>
+        <a:ea typeface="+mn-ea"/>
+        <a:cs typeface="+mn-cs"/>
+      </a:defRPr>
+    </a:lvl7pPr>
+    <a:lvl8pPr marL="3200400" algn="l" defTabSz="914400" rtl="0" eaLnBrk="1" latinLnBrk="1" hangingPunct="1">
+      <a:defRPr sz="1200" kern="1200">
+        <a:solidFill>
+          <a:schemeClr val="tx1"/>
+        </a:solidFill>
+        <a:latin typeface="+mn-lt"/>
+        <a:ea typeface="+mn-ea"/>
+        <a:cs typeface="+mn-cs"/>
+      </a:defRPr>
+    </a:lvl8pPr>
+    <a:lvl9pPr marL="3657600" algn="l" defTabSz="914400" rtl="0" eaLnBrk="1" latinLnBrk="1" hangingPunct="1">
+      <a:defRPr sz="1200" kern="1200">
+        <a:solidFill>
+          <a:schemeClr val="tx1"/>
+        </a:solidFill>
+        <a:latin typeface="+mn-lt"/>
+        <a:ea typeface="+mn-ea"/>
+        <a:cs typeface="+mn-cs"/>
+      </a:defRPr>
+    </a:lvl9pPr>
+  </p:notesStyle>
+</p:notesMaster>
+</file>
+
+<file path=ppt/notesSlides/notesSlide1.xml><?xml version="1.0" encoding="utf-8"?>
+<p:notes xmlns:a="http://schemas.openxmlformats.org/drawingml/2006/main" xmlns:r="http://schemas.openxmlformats.org/officeDocument/2006/relationships" xmlns:p="http://schemas.openxmlformats.org/presentationml/2006/main">
+  <p:cSld>
+    <p:spTree>
+      <p:nvGrpSpPr>
+        <p:cNvPr id="1" name=""/>
+        <p:cNvGrpSpPr/>
+        <p:nvPr/>
+      </p:nvGrpSpPr>
+      <p:grpSpPr>
+        <a:xfrm>
+          <a:off x="0" y="0"/>
+          <a:ext cx="0" cy="0"/>
+          <a:chOff x="0" y="0"/>
+          <a:chExt cx="0" cy="0"/>
+        </a:xfrm>
+      </p:grpSpPr>
+      <p:sp>
+        <p:nvSpPr>
+          <p:cNvPr id="2" name="슬라이드 이미지 개체 틀 1"/>
+          <p:cNvSpPr>
+            <a:spLocks noGrp="1" noRot="1" noChangeAspect="1"/>
+          </p:cNvSpPr>
+          <p:nvPr>
+            <p:ph type="sldImg"/>
+          </p:nvPr>
+        </p:nvSpPr>
+        <p:spPr/>
+      </p:sp>
+      <p:sp>
+        <p:nvSpPr>
+          <p:cNvPr id="3" name="슬라이드 노트 개체 틀 2"/>
+          <p:cNvSpPr>
+            <a:spLocks noGrp="1"/>
+          </p:cNvSpPr>
+          <p:nvPr>
+            <p:ph type="body" idx="1"/>
+          </p:nvPr>
+        </p:nvSpPr>
+        <p:spPr/>
+        <p:txBody>
+          <a:bodyPr/>
+          <a:lstStyle/>
+          <a:p>
+            <a:pPr marL="0" marR="0" lvl="0" indent="0" algn="l" defTabSz="914400" rtl="0" eaLnBrk="1" fontAlgn="auto" latinLnBrk="1" hangingPunct="1">
+              <a:lnSpc>
+                <a:spcPct val="100000"/>
+              </a:lnSpc>
+              <a:spcBef>
+                <a:spcPts val="0"/>
+              </a:spcBef>
+              <a:spcAft>
+                <a:spcPts val="0"/>
+              </a:spcAft>
+              <a:buClrTx/>
+              <a:buSzTx/>
+              <a:buFontTx/>
+              <a:buNone/>
+              <a:tabLst/>
+              <a:defRPr/>
+            </a:pPr>
+            <a:r>
+              <a:rPr lang="ko-KR" altLang="en-US" dirty="0">
+                <a:latin typeface="a천생연분" panose="02020600000000000000" pitchFamily="18" charset="-127"/>
+                <a:ea typeface="a천생연분" panose="02020600000000000000" pitchFamily="18" charset="-127"/>
+              </a:rPr>
+              <a:t>자취생과 주부 등을 위해</a:t>
+            </a:r>
+            <a:endParaRPr lang="en-US" altLang="ko-KR" dirty="0">
+              <a:latin typeface="a천생연분" panose="02020600000000000000" pitchFamily="18" charset="-127"/>
+              <a:ea typeface="a천생연분" panose="02020600000000000000" pitchFamily="18" charset="-127"/>
+            </a:endParaRPr>
+          </a:p>
+          <a:p>
+            <a:pPr marL="0" marR="0" lvl="0" indent="0" algn="l" defTabSz="914400" rtl="0" eaLnBrk="1" fontAlgn="auto" latinLnBrk="1" hangingPunct="1">
+              <a:lnSpc>
+                <a:spcPct val="100000"/>
+              </a:lnSpc>
+              <a:spcBef>
+                <a:spcPts val="0"/>
+              </a:spcBef>
+              <a:spcAft>
+                <a:spcPts val="0"/>
+              </a:spcAft>
+              <a:buClrTx/>
+              <a:buSzTx/>
+              <a:buFontTx/>
+              <a:buNone/>
+              <a:tabLst/>
+              <a:defRPr/>
+            </a:pPr>
+            <a:r>
+              <a:rPr lang="en-US" altLang="ko-KR" dirty="0">
+                <a:latin typeface="a천생연분" panose="02020600000000000000" pitchFamily="18" charset="-127"/>
+                <a:ea typeface="a천생연분" panose="02020600000000000000" pitchFamily="18" charset="-127"/>
+              </a:rPr>
+              <a:t>OCR </a:t>
+            </a:r>
+            <a:r>
+              <a:rPr lang="ko-KR" altLang="en-US" dirty="0">
+                <a:latin typeface="a천생연분" panose="02020600000000000000" pitchFamily="18" charset="-127"/>
+                <a:ea typeface="a천생연분" panose="02020600000000000000" pitchFamily="18" charset="-127"/>
+              </a:rPr>
+              <a:t>기능을 이용하여 영수증을 인식하고 보유한 식품의 보관 방법에 따른 권장기한을 제공해준다</a:t>
+            </a:r>
+            <a:r>
+              <a:rPr lang="en-US" altLang="ko-KR" dirty="0">
+                <a:latin typeface="a천생연분" panose="02020600000000000000" pitchFamily="18" charset="-127"/>
+                <a:ea typeface="a천생연분" panose="02020600000000000000" pitchFamily="18" charset="-127"/>
+              </a:rPr>
+              <a:t>.</a:t>
+            </a:r>
+          </a:p>
+          <a:p>
+            <a:pPr marL="0" marR="0" lvl="0" indent="0" algn="l" defTabSz="914400" rtl="0" eaLnBrk="1" fontAlgn="auto" latinLnBrk="1" hangingPunct="1">
+              <a:lnSpc>
+                <a:spcPct val="100000"/>
+              </a:lnSpc>
+              <a:spcBef>
+                <a:spcPts val="0"/>
+              </a:spcBef>
+              <a:spcAft>
+                <a:spcPts val="0"/>
+              </a:spcAft>
+              <a:buClrTx/>
+              <a:buSzTx/>
+              <a:buFontTx/>
+              <a:buNone/>
+              <a:tabLst/>
+              <a:defRPr/>
+            </a:pPr>
+            <a:r>
+              <a:rPr lang="ko-KR" altLang="en-US" dirty="0">
+                <a:latin typeface="a천생연분" panose="02020600000000000000" pitchFamily="18" charset="-127"/>
+                <a:ea typeface="a천생연분" panose="02020600000000000000" pitchFamily="18" charset="-127"/>
+              </a:rPr>
+              <a:t>다른 앱과 달리 유통기한이 아닌 권장기한을 제공해줌으로 불필요한 쓰레기와 지출을 최소화하며 냉장고 관리에 도움을 줄 수 있다</a:t>
+            </a:r>
+            <a:r>
+              <a:rPr lang="en-US" altLang="ko-KR" dirty="0">
+                <a:latin typeface="a천생연분" panose="02020600000000000000" pitchFamily="18" charset="-127"/>
+                <a:ea typeface="a천생연분" panose="02020600000000000000" pitchFamily="18" charset="-127"/>
+              </a:rPr>
+              <a:t>.</a:t>
+            </a:r>
+            <a:endParaRPr lang="ko-KR" altLang="en-US" dirty="0">
+              <a:latin typeface="a천생연분" panose="02020600000000000000" pitchFamily="18" charset="-127"/>
+              <a:ea typeface="a천생연분" panose="02020600000000000000" pitchFamily="18" charset="-127"/>
+            </a:endParaRPr>
+          </a:p>
+          <a:p>
+            <a:endParaRPr lang="ko-KR" altLang="en-US" dirty="0"/>
+          </a:p>
+        </p:txBody>
+      </p:sp>
+      <p:sp>
+        <p:nvSpPr>
+          <p:cNvPr id="4" name="슬라이드 번호 개체 틀 3"/>
+          <p:cNvSpPr>
+            <a:spLocks noGrp="1"/>
+          </p:cNvSpPr>
+          <p:nvPr>
+            <p:ph type="sldNum" sz="quarter" idx="5"/>
+          </p:nvPr>
+        </p:nvSpPr>
+        <p:spPr/>
+        <p:txBody>
+          <a:bodyPr/>
+          <a:lstStyle/>
+          <a:p>
+            <a:fld id="{62AE3B0C-D74A-45B0-AB75-3151BAD62F15}" type="slidenum">
+              <a:rPr lang="ko-KR" altLang="en-US" smtClean="0"/>
+              <a:t>3</a:t>
+            </a:fld>
+            <a:endParaRPr lang="ko-KR" altLang="en-US"/>
+          </a:p>
+        </p:txBody>
+      </p:sp>
+    </p:spTree>
+    <p:extLst>
+      <p:ext uri="{BB962C8B-B14F-4D97-AF65-F5344CB8AC3E}">
+        <p14:creationId xmlns:p14="http://schemas.microsoft.com/office/powerpoint/2010/main" val="1404923952"/>
+      </p:ext>
+    </p:extLst>
+  </p:cSld>
+  <p:clrMapOvr>
+    <a:masterClrMapping/>
+  </p:clrMapOvr>
+</p:notes>
+</file>
+
+<file path=ppt/notesSlides/notesSlide2.xml><?xml version="1.0" encoding="utf-8"?>
+<p:notes xmlns:a="http://schemas.openxmlformats.org/drawingml/2006/main" xmlns:r="http://schemas.openxmlformats.org/officeDocument/2006/relationships" xmlns:p="http://schemas.openxmlformats.org/presentationml/2006/main">
+  <p:cSld>
+    <p:spTree>
+      <p:nvGrpSpPr>
+        <p:cNvPr id="1" name=""/>
+        <p:cNvGrpSpPr/>
+        <p:nvPr/>
+      </p:nvGrpSpPr>
+      <p:grpSpPr>
+        <a:xfrm>
+          <a:off x="0" y="0"/>
+          <a:ext cx="0" cy="0"/>
+          <a:chOff x="0" y="0"/>
+          <a:chExt cx="0" cy="0"/>
+        </a:xfrm>
+      </p:grpSpPr>
+      <p:sp>
+        <p:nvSpPr>
+          <p:cNvPr id="2" name="슬라이드 이미지 개체 틀 1"/>
+          <p:cNvSpPr>
+            <a:spLocks noGrp="1" noRot="1" noChangeAspect="1"/>
+          </p:cNvSpPr>
+          <p:nvPr>
+            <p:ph type="sldImg"/>
+          </p:nvPr>
+        </p:nvSpPr>
+        <p:spPr/>
+      </p:sp>
+      <p:sp>
+        <p:nvSpPr>
+          <p:cNvPr id="3" name="슬라이드 노트 개체 틀 2"/>
+          <p:cNvSpPr>
+            <a:spLocks noGrp="1"/>
+          </p:cNvSpPr>
+          <p:nvPr>
+            <p:ph type="body" idx="1"/>
+          </p:nvPr>
+        </p:nvSpPr>
+        <p:spPr/>
+        <p:txBody>
+          <a:bodyPr/>
+          <a:lstStyle/>
+          <a:p>
+            <a:pPr marL="0" indent="0">
+              <a:buNone/>
+            </a:pPr>
+            <a:r>
+              <a:rPr lang="ko-KR" altLang="en-US" dirty="0">
+                <a:latin typeface="a천생연분" panose="02020600000000000000" pitchFamily="18" charset="-127"/>
+                <a:ea typeface="a천생연분" panose="02020600000000000000" pitchFamily="18" charset="-127"/>
+              </a:rPr>
+              <a:t>자취생과 주부</a:t>
+            </a:r>
+            <a:r>
+              <a:rPr lang="en-US" altLang="ko-KR" dirty="0">
+                <a:latin typeface="a천생연분" panose="02020600000000000000" pitchFamily="18" charset="-127"/>
+                <a:ea typeface="a천생연분" panose="02020600000000000000" pitchFamily="18" charset="-127"/>
+              </a:rPr>
+              <a:t> </a:t>
+            </a:r>
+            <a:r>
+              <a:rPr lang="ko-KR" altLang="en-US" dirty="0">
+                <a:latin typeface="a천생연분" panose="02020600000000000000" pitchFamily="18" charset="-127"/>
+                <a:ea typeface="a천생연분" panose="02020600000000000000" pitchFamily="18" charset="-127"/>
+              </a:rPr>
+              <a:t>등 냉장고 관리를 필요로 하는 사람들이</a:t>
+            </a:r>
+            <a:endParaRPr lang="en-US" altLang="ko-KR" dirty="0">
+              <a:latin typeface="a천생연분" panose="02020600000000000000" pitchFamily="18" charset="-127"/>
+              <a:ea typeface="a천생연분" panose="02020600000000000000" pitchFamily="18" charset="-127"/>
+            </a:endParaRPr>
+          </a:p>
+          <a:p>
+            <a:pPr marL="0" indent="0">
+              <a:buNone/>
+            </a:pPr>
+            <a:r>
+              <a:rPr lang="ko-KR" altLang="en-US" dirty="0">
+                <a:latin typeface="a천생연분" panose="02020600000000000000" pitchFamily="18" charset="-127"/>
+                <a:ea typeface="a천생연분" panose="02020600000000000000" pitchFamily="18" charset="-127"/>
+              </a:rPr>
+              <a:t>음식물쓰레기와 불필요한 지출을 감소시키기 위해</a:t>
+            </a:r>
+            <a:endParaRPr lang="en-US" altLang="ko-KR" dirty="0">
+              <a:latin typeface="a천생연분" panose="02020600000000000000" pitchFamily="18" charset="-127"/>
+              <a:ea typeface="a천생연분" panose="02020600000000000000" pitchFamily="18" charset="-127"/>
+            </a:endParaRPr>
+          </a:p>
+          <a:p>
+            <a:pPr marL="0" indent="0">
+              <a:buNone/>
+            </a:pPr>
+            <a:r>
+              <a:rPr lang="ko-KR" altLang="en-US" dirty="0">
+                <a:latin typeface="a천생연분" panose="02020600000000000000" pitchFamily="18" charset="-127"/>
+                <a:ea typeface="a천생연분" panose="02020600000000000000" pitchFamily="18" charset="-127"/>
+              </a:rPr>
+              <a:t>보관 방법에 따른 권장기한을 추천 받아 식품 관리를 효율적으로 하길 원함</a:t>
+            </a:r>
+            <a:endParaRPr lang="en-US" altLang="ko-KR" dirty="0">
+              <a:latin typeface="a천생연분" panose="02020600000000000000" pitchFamily="18" charset="-127"/>
+              <a:ea typeface="a천생연분" panose="02020600000000000000" pitchFamily="18" charset="-127"/>
+            </a:endParaRPr>
+          </a:p>
+          <a:p>
+            <a:endParaRPr lang="ko-KR" altLang="en-US" dirty="0">
+              <a:latin typeface="a천생연분" panose="02020600000000000000" pitchFamily="18" charset="-127"/>
+              <a:ea typeface="a천생연분" panose="02020600000000000000" pitchFamily="18" charset="-127"/>
+            </a:endParaRPr>
+          </a:p>
+          <a:p>
+            <a:endParaRPr lang="ko-KR" altLang="en-US" dirty="0"/>
+          </a:p>
+        </p:txBody>
+      </p:sp>
+      <p:sp>
+        <p:nvSpPr>
+          <p:cNvPr id="4" name="슬라이드 번호 개체 틀 3"/>
+          <p:cNvSpPr>
+            <a:spLocks noGrp="1"/>
+          </p:cNvSpPr>
+          <p:nvPr>
+            <p:ph type="sldNum" sz="quarter" idx="5"/>
+          </p:nvPr>
+        </p:nvSpPr>
+        <p:spPr/>
+        <p:txBody>
+          <a:bodyPr/>
+          <a:lstStyle/>
+          <a:p>
+            <a:fld id="{62AE3B0C-D74A-45B0-AB75-3151BAD62F15}" type="slidenum">
+              <a:rPr lang="ko-KR" altLang="en-US" smtClean="0"/>
+              <a:t>5</a:t>
+            </a:fld>
+            <a:endParaRPr lang="ko-KR" altLang="en-US"/>
+          </a:p>
+        </p:txBody>
+      </p:sp>
+    </p:spTree>
+    <p:extLst>
+      <p:ext uri="{BB962C8B-B14F-4D97-AF65-F5344CB8AC3E}">
+        <p14:creationId xmlns:p14="http://schemas.microsoft.com/office/powerpoint/2010/main" val="3807574989"/>
+      </p:ext>
+    </p:extLst>
+  </p:cSld>
+  <p:clrMapOvr>
+    <a:masterClrMapping/>
+  </p:clrMapOvr>
+</p:notes>
+</file>
+
+<file path=ppt/notesSlides/notesSlide3.xml><?xml version="1.0" encoding="utf-8"?>
+<p:notes xmlns:a="http://schemas.openxmlformats.org/drawingml/2006/main" xmlns:r="http://schemas.openxmlformats.org/officeDocument/2006/relationships" xmlns:p="http://schemas.openxmlformats.org/presentationml/2006/main">
+  <p:cSld>
+    <p:spTree>
+      <p:nvGrpSpPr>
+        <p:cNvPr id="1" name=""/>
+        <p:cNvGrpSpPr/>
+        <p:nvPr/>
+      </p:nvGrpSpPr>
+      <p:grpSpPr>
+        <a:xfrm>
+          <a:off x="0" y="0"/>
+          <a:ext cx="0" cy="0"/>
+          <a:chOff x="0" y="0"/>
+          <a:chExt cx="0" cy="0"/>
+        </a:xfrm>
+      </p:grpSpPr>
+      <p:sp>
+        <p:nvSpPr>
+          <p:cNvPr id="2" name="슬라이드 이미지 개체 틀 1"/>
+          <p:cNvSpPr>
+            <a:spLocks noGrp="1" noRot="1" noChangeAspect="1"/>
+          </p:cNvSpPr>
+          <p:nvPr>
+            <p:ph type="sldImg"/>
+          </p:nvPr>
+        </p:nvSpPr>
+        <p:spPr/>
+      </p:sp>
+      <p:sp>
+        <p:nvSpPr>
+          <p:cNvPr id="3" name="슬라이드 노트 개체 틀 2"/>
+          <p:cNvSpPr>
+            <a:spLocks noGrp="1"/>
+          </p:cNvSpPr>
+          <p:nvPr>
+            <p:ph type="body" idx="1"/>
+          </p:nvPr>
+        </p:nvSpPr>
+        <p:spPr/>
+        <p:txBody>
+          <a:bodyPr/>
+          <a:lstStyle/>
+          <a:p>
+            <a:endParaRPr lang="ko-KR" altLang="en-US" dirty="0"/>
+          </a:p>
+        </p:txBody>
+      </p:sp>
+      <p:sp>
+        <p:nvSpPr>
+          <p:cNvPr id="4" name="슬라이드 번호 개체 틀 3"/>
+          <p:cNvSpPr>
+            <a:spLocks noGrp="1"/>
+          </p:cNvSpPr>
+          <p:nvPr>
+            <p:ph type="sldNum" sz="quarter" idx="5"/>
+          </p:nvPr>
+        </p:nvSpPr>
+        <p:spPr/>
+        <p:txBody>
+          <a:bodyPr/>
+          <a:lstStyle/>
+          <a:p>
+            <a:fld id="{62AE3B0C-D74A-45B0-AB75-3151BAD62F15}" type="slidenum">
+              <a:rPr lang="ko-KR" altLang="en-US" smtClean="0"/>
+              <a:t>10</a:t>
+            </a:fld>
+            <a:endParaRPr lang="ko-KR" altLang="en-US"/>
+          </a:p>
+        </p:txBody>
+      </p:sp>
+    </p:spTree>
+    <p:extLst>
+      <p:ext uri="{BB962C8B-B14F-4D97-AF65-F5344CB8AC3E}">
+        <p14:creationId xmlns:p14="http://schemas.microsoft.com/office/powerpoint/2010/main" val="3186404305"/>
+      </p:ext>
+    </p:extLst>
+  </p:cSld>
+  <p:clrMapOvr>
+    <a:masterClrMapping/>
+  </p:clrMapOvr>
+</p:notes>
+</file>
+
 <file path=ppt/slideLayouts/slideLayout1.xml><?xml version="1.0" encoding="utf-8"?>
 <p:sldLayout xmlns:a="http://schemas.openxmlformats.org/drawingml/2006/main" xmlns:r="http://schemas.openxmlformats.org/officeDocument/2006/relationships" xmlns:p="http://schemas.openxmlformats.org/presentationml/2006/main" type="title" preserve="1">
   <p:cSld name="제목 슬라이드">
@@ -272,7 +1050,7 @@
           <a:p>
             <a:fld id="{0C227048-AD30-4EB8-BFA5-CE5E90F25390}" type="datetimeFigureOut">
               <a:rPr lang="ko-KR" altLang="en-US" smtClean="0"/>
-              <a:t>2021-09-30</a:t>
+              <a:t>2021-10-01</a:t>
             </a:fld>
             <a:endParaRPr lang="ko-KR" altLang="en-US"/>
           </a:p>
@@ -470,7 +1248,7 @@
           <a:p>
             <a:fld id="{0C227048-AD30-4EB8-BFA5-CE5E90F25390}" type="datetimeFigureOut">
               <a:rPr lang="ko-KR" altLang="en-US" smtClean="0"/>
-              <a:t>2021-09-30</a:t>
+              <a:t>2021-10-01</a:t>
             </a:fld>
             <a:endParaRPr lang="ko-KR" altLang="en-US"/>
           </a:p>
@@ -678,7 +1456,7 @@
           <a:p>
             <a:fld id="{0C227048-AD30-4EB8-BFA5-CE5E90F25390}" type="datetimeFigureOut">
               <a:rPr lang="ko-KR" altLang="en-US" smtClean="0"/>
-              <a:t>2021-09-30</a:t>
+              <a:t>2021-10-01</a:t>
             </a:fld>
             <a:endParaRPr lang="ko-KR" altLang="en-US"/>
           </a:p>
@@ -876,7 +1654,7 @@
           <a:p>
             <a:fld id="{0C227048-AD30-4EB8-BFA5-CE5E90F25390}" type="datetimeFigureOut">
               <a:rPr lang="ko-KR" altLang="en-US" smtClean="0"/>
-              <a:t>2021-09-30</a:t>
+              <a:t>2021-10-01</a:t>
             </a:fld>
             <a:endParaRPr lang="ko-KR" altLang="en-US"/>
           </a:p>
@@ -1151,7 +1929,7 @@
           <a:p>
             <a:fld id="{0C227048-AD30-4EB8-BFA5-CE5E90F25390}" type="datetimeFigureOut">
               <a:rPr lang="ko-KR" altLang="en-US" smtClean="0"/>
-              <a:t>2021-09-30</a:t>
+              <a:t>2021-10-01</a:t>
             </a:fld>
             <a:endParaRPr lang="ko-KR" altLang="en-US"/>
           </a:p>
@@ -1416,7 +2194,7 @@
           <a:p>
             <a:fld id="{0C227048-AD30-4EB8-BFA5-CE5E90F25390}" type="datetimeFigureOut">
               <a:rPr lang="ko-KR" altLang="en-US" smtClean="0"/>
-              <a:t>2021-09-30</a:t>
+              <a:t>2021-10-01</a:t>
             </a:fld>
             <a:endParaRPr lang="ko-KR" altLang="en-US"/>
           </a:p>
@@ -1828,7 +2606,7 @@
           <a:p>
             <a:fld id="{0C227048-AD30-4EB8-BFA5-CE5E90F25390}" type="datetimeFigureOut">
               <a:rPr lang="ko-KR" altLang="en-US" smtClean="0"/>
-              <a:t>2021-09-30</a:t>
+              <a:t>2021-10-01</a:t>
             </a:fld>
             <a:endParaRPr lang="ko-KR" altLang="en-US"/>
           </a:p>
@@ -1969,7 +2747,7 @@
           <a:p>
             <a:fld id="{0C227048-AD30-4EB8-BFA5-CE5E90F25390}" type="datetimeFigureOut">
               <a:rPr lang="ko-KR" altLang="en-US" smtClean="0"/>
-              <a:t>2021-09-30</a:t>
+              <a:t>2021-10-01</a:t>
             </a:fld>
             <a:endParaRPr lang="ko-KR" altLang="en-US"/>
           </a:p>
@@ -2082,7 +2860,7 @@
           <a:p>
             <a:fld id="{0C227048-AD30-4EB8-BFA5-CE5E90F25390}" type="datetimeFigureOut">
               <a:rPr lang="ko-KR" altLang="en-US" smtClean="0"/>
-              <a:t>2021-09-30</a:t>
+              <a:t>2021-10-01</a:t>
             </a:fld>
             <a:endParaRPr lang="ko-KR" altLang="en-US"/>
           </a:p>
@@ -2393,7 +3171,7 @@
           <a:p>
             <a:fld id="{0C227048-AD30-4EB8-BFA5-CE5E90F25390}" type="datetimeFigureOut">
               <a:rPr lang="ko-KR" altLang="en-US" smtClean="0"/>
-              <a:t>2021-09-30</a:t>
+              <a:t>2021-10-01</a:t>
             </a:fld>
             <a:endParaRPr lang="ko-KR" altLang="en-US"/>
           </a:p>
@@ -2681,7 +3459,7 @@
           <a:p>
             <a:fld id="{0C227048-AD30-4EB8-BFA5-CE5E90F25390}" type="datetimeFigureOut">
               <a:rPr lang="ko-KR" altLang="en-US" smtClean="0"/>
-              <a:t>2021-09-30</a:t>
+              <a:t>2021-10-01</a:t>
             </a:fld>
             <a:endParaRPr lang="ko-KR" altLang="en-US"/>
           </a:p>
@@ -2922,7 +3700,7 @@
           <a:p>
             <a:fld id="{0C227048-AD30-4EB8-BFA5-CE5E90F25390}" type="datetimeFigureOut">
               <a:rPr lang="ko-KR" altLang="en-US" smtClean="0"/>
-              <a:t>2021-09-30</a:t>
+              <a:t>2021-10-01</a:t>
             </a:fld>
             <a:endParaRPr lang="ko-KR" altLang="en-US"/>
           </a:p>
@@ -3565,186 +4343,1457 @@
               <a:t>진행계획</a:t>
             </a:r>
             <a:r>
-              <a:rPr lang="en-US" altLang="ko-KR" sz="2800" dirty="0">
+              <a:rPr kumimoji="0" lang="en-US" altLang="ko-KR" sz="2800" b="0" i="0" u="none" strike="noStrike" kern="1200" cap="none" spc="0" normalizeH="0" baseline="0" noProof="0" dirty="0">
+                <a:ln>
+                  <a:noFill/>
+                </a:ln>
+                <a:solidFill>
+                  <a:prstClr val="black"/>
+                </a:solidFill>
+                <a:effectLst/>
+                <a:uLnTx/>
+                <a:uFillTx/>
                 <a:latin typeface="a솜사탕" panose="02020600000000000000" pitchFamily="18" charset="-127"/>
                 <a:ea typeface="a솜사탕" panose="02020600000000000000" pitchFamily="18" charset="-127"/>
-              </a:rPr>
-              <a:t>(1</a:t>
-            </a:r>
-            <a:r>
-              <a:rPr lang="ko-KR" altLang="en-US" sz="2800" dirty="0">
+                <a:cs typeface="+mj-cs"/>
+              </a:rPr>
+              <a:t> (</a:t>
+            </a:r>
+            <a:r>
+              <a:rPr lang="en-US" altLang="ko-KR" sz="2800" dirty="0">
+                <a:solidFill>
+                  <a:prstClr val="black"/>
+                </a:solidFill>
                 <a:latin typeface="a솜사탕" panose="02020600000000000000" pitchFamily="18" charset="-127"/>
                 <a:ea typeface="a솜사탕" panose="02020600000000000000" pitchFamily="18" charset="-127"/>
               </a:rPr>
-              <a:t>주차</a:t>
-            </a:r>
-            <a:r>
-              <a:rPr lang="en-US" altLang="ko-KR" sz="2800" dirty="0">
+              <a:t>8</a:t>
+            </a:r>
+            <a:r>
+              <a:rPr lang="ko-KR" altLang="en-US" sz="2800" dirty="0">
+                <a:solidFill>
+                  <a:prstClr val="black"/>
+                </a:solidFill>
                 <a:latin typeface="a솜사탕" panose="02020600000000000000" pitchFamily="18" charset="-127"/>
                 <a:ea typeface="a솜사탕" panose="02020600000000000000" pitchFamily="18" charset="-127"/>
               </a:rPr>
-              <a:t>~</a:t>
-            </a:r>
-            <a:r>
-              <a:rPr lang="ko-KR" altLang="en-US" sz="2800" dirty="0">
+              <a:t>주차</a:t>
+            </a:r>
+            <a:r>
+              <a:rPr kumimoji="0" lang="en-US" altLang="ko-KR" sz="2800" b="0" i="0" u="none" strike="noStrike" kern="1200" cap="none" spc="0" normalizeH="0" baseline="0" noProof="0" dirty="0">
+                <a:ln>
+                  <a:noFill/>
+                </a:ln>
+                <a:solidFill>
+                  <a:prstClr val="black"/>
+                </a:solidFill>
+                <a:effectLst/>
+                <a:uLnTx/>
+                <a:uFillTx/>
                 <a:latin typeface="a솜사탕" panose="02020600000000000000" pitchFamily="18" charset="-127"/>
                 <a:ea typeface="a솜사탕" panose="02020600000000000000" pitchFamily="18" charset="-127"/>
-              </a:rPr>
-              <a:t>중간발표</a:t>
-            </a:r>
-            <a:r>
-              <a:rPr lang="en-US" altLang="ko-KR" sz="2800" dirty="0">
+                <a:cs typeface="+mj-cs"/>
+              </a:rPr>
+              <a:t>~</a:t>
+            </a:r>
+            <a:r>
+              <a:rPr kumimoji="0" lang="ko-KR" altLang="en-US" sz="2800" b="0" i="0" u="none" strike="noStrike" kern="1200" cap="none" spc="0" normalizeH="0" baseline="0" noProof="0" dirty="0">
+                <a:ln>
+                  <a:noFill/>
+                </a:ln>
+                <a:solidFill>
+                  <a:prstClr val="black"/>
+                </a:solidFill>
+                <a:effectLst/>
+                <a:uLnTx/>
+                <a:uFillTx/>
                 <a:latin typeface="a솜사탕" panose="02020600000000000000" pitchFamily="18" charset="-127"/>
                 <a:ea typeface="a솜사탕" panose="02020600000000000000" pitchFamily="18" charset="-127"/>
+                <a:cs typeface="+mj-cs"/>
+              </a:rPr>
+              <a:t>기말발표</a:t>
+            </a:r>
+            <a:r>
+              <a:rPr kumimoji="0" lang="en-US" altLang="ko-KR" sz="2800" b="0" i="0" u="none" strike="noStrike" kern="1200" cap="none" spc="0" normalizeH="0" baseline="0" noProof="0" dirty="0">
+                <a:ln>
+                  <a:noFill/>
+                </a:ln>
+                <a:solidFill>
+                  <a:prstClr val="black"/>
+                </a:solidFill>
+                <a:effectLst/>
+                <a:uLnTx/>
+                <a:uFillTx/>
+                <a:latin typeface="a솜사탕" panose="02020600000000000000" pitchFamily="18" charset="-127"/>
+                <a:ea typeface="a솜사탕" panose="02020600000000000000" pitchFamily="18" charset="-127"/>
+                <a:cs typeface="+mj-cs"/>
               </a:rPr>
               <a:t>)</a:t>
             </a:r>
-            <a:endParaRPr lang="ko-KR" altLang="en-US" sz="2800" dirty="0">
+            <a:endParaRPr lang="ko-KR" altLang="en-US" dirty="0">
               <a:latin typeface="a솜사탕" panose="02020600000000000000" pitchFamily="18" charset="-127"/>
               <a:ea typeface="a솜사탕" panose="02020600000000000000" pitchFamily="18" charset="-127"/>
             </a:endParaRPr>
           </a:p>
         </p:txBody>
       </p:sp>
-      <p:pic>
-        <p:nvPicPr>
-          <p:cNvPr id="5" name="그림 4">
-            <a:extLst>
-              <a:ext uri="{FF2B5EF4-FFF2-40B4-BE49-F238E27FC236}">
-                <a16:creationId xmlns:a16="http://schemas.microsoft.com/office/drawing/2014/main" id="{DFA99D3F-7C34-468C-A643-08CCEBB95D4F}"/>
-              </a:ext>
-            </a:extLst>
-          </p:cNvPr>
-          <p:cNvPicPr>
-            <a:picLocks noChangeAspect="1"/>
-          </p:cNvPicPr>
+      <p:sp>
+        <p:nvSpPr>
+          <p:cNvPr id="12" name="사각형: 둥근 모서리 11">
+            <a:extLst>
+              <a:ext uri="{FF2B5EF4-FFF2-40B4-BE49-F238E27FC236}">
+                <a16:creationId xmlns:a16="http://schemas.microsoft.com/office/drawing/2014/main" id="{3581F5BC-25ED-4974-964D-114D460DD38E}"/>
+              </a:ext>
+            </a:extLst>
+          </p:cNvPr>
+          <p:cNvSpPr/>
           <p:nvPr/>
-        </p:nvPicPr>
-        <p:blipFill>
-          <a:blip r:embed="rId2"/>
-          <a:stretch>
-            <a:fillRect/>
-          </a:stretch>
-        </p:blipFill>
+        </p:nvSpPr>
         <p:spPr>
           <a:xfrm>
-            <a:off x="1878965" y="1690688"/>
-            <a:ext cx="8434069" cy="4994550"/>
+            <a:off x="612011" y="1963950"/>
+            <a:ext cx="1568704" cy="729591"/>
           </a:xfrm>
-          <a:prstGeom prst="rect">
+          <a:prstGeom prst="roundRect">
             <a:avLst/>
           </a:prstGeom>
+          <a:solidFill>
+            <a:srgbClr val="EAE2B4"/>
+          </a:solidFill>
+          <a:ln>
+            <a:solidFill>
+              <a:schemeClr val="tx1"/>
+            </a:solidFill>
+          </a:ln>
         </p:spPr>
-      </p:pic>
-      <p:sp>
-        <p:nvSpPr>
-          <p:cNvPr id="6" name="TextBox 5">
-            <a:extLst>
-              <a:ext uri="{FF2B5EF4-FFF2-40B4-BE49-F238E27FC236}">
-                <a16:creationId xmlns:a16="http://schemas.microsoft.com/office/drawing/2014/main" id="{A4596EAA-2B63-41F2-A532-CE44AA4DCED4}"/>
-              </a:ext>
-            </a:extLst>
-          </p:cNvPr>
-          <p:cNvSpPr txBox="1"/>
+        <p:style>
+          <a:lnRef idx="2">
+            <a:schemeClr val="accent1">
+              <a:shade val="50000"/>
+            </a:schemeClr>
+          </a:lnRef>
+          <a:fillRef idx="1">
+            <a:schemeClr val="accent1"/>
+          </a:fillRef>
+          <a:effectRef idx="0">
+            <a:schemeClr val="accent1"/>
+          </a:effectRef>
+          <a:fontRef idx="minor">
+            <a:schemeClr val="lt1"/>
+          </a:fontRef>
+        </p:style>
+        <p:txBody>
+          <a:bodyPr rtlCol="0" anchor="ctr"/>
+          <a:lstStyle/>
+          <a:p>
+            <a:pPr algn="ctr"/>
+            <a:r>
+              <a:rPr lang="en-US" altLang="ko-KR" sz="1600" dirty="0">
+                <a:solidFill>
+                  <a:schemeClr val="tx1"/>
+                </a:solidFill>
+              </a:rPr>
+              <a:t>8</a:t>
+            </a:r>
+            <a:r>
+              <a:rPr lang="ko-KR" altLang="en-US" sz="1600" dirty="0">
+                <a:solidFill>
+                  <a:schemeClr val="tx1"/>
+                </a:solidFill>
+              </a:rPr>
+              <a:t>주차</a:t>
+            </a:r>
+            <a:endParaRPr lang="en-US" altLang="ko-KR" sz="1600" dirty="0">
+              <a:solidFill>
+                <a:schemeClr val="tx1"/>
+              </a:solidFill>
+            </a:endParaRPr>
+          </a:p>
+          <a:p>
+            <a:pPr algn="ctr"/>
+            <a:r>
+              <a:rPr lang="en-US" altLang="ko-KR" sz="1600" dirty="0">
+                <a:solidFill>
+                  <a:schemeClr val="tx1"/>
+                </a:solidFill>
+              </a:rPr>
+              <a:t>(11.02-11.08)</a:t>
+            </a:r>
+            <a:endParaRPr lang="ko-KR" altLang="en-US" sz="1600" dirty="0">
+              <a:solidFill>
+                <a:schemeClr val="tx1"/>
+              </a:solidFill>
+            </a:endParaRPr>
+          </a:p>
+        </p:txBody>
+      </p:sp>
+      <p:sp>
+        <p:nvSpPr>
+          <p:cNvPr id="13" name="사각형: 둥근 모서리 12">
+            <a:extLst>
+              <a:ext uri="{FF2B5EF4-FFF2-40B4-BE49-F238E27FC236}">
+                <a16:creationId xmlns:a16="http://schemas.microsoft.com/office/drawing/2014/main" id="{A1769EE1-D499-4FDB-A3CC-6B949F40BF2C}"/>
+              </a:ext>
+            </a:extLst>
+          </p:cNvPr>
+          <p:cNvSpPr/>
           <p:nvPr/>
         </p:nvSpPr>
         <p:spPr>
           <a:xfrm>
-            <a:off x="3309677" y="4719869"/>
-            <a:ext cx="646331" cy="369332"/>
+            <a:off x="2180714" y="1963950"/>
+            <a:ext cx="1568704" cy="729591"/>
           </a:xfrm>
-          <a:prstGeom prst="rect">
+          <a:prstGeom prst="roundRect">
             <a:avLst/>
           </a:prstGeom>
-          <a:noFill/>
+          <a:solidFill>
+            <a:srgbClr val="8FE5D8"/>
+          </a:solidFill>
+          <a:ln>
+            <a:solidFill>
+              <a:schemeClr val="tx1"/>
+            </a:solidFill>
+          </a:ln>
         </p:spPr>
-        <p:txBody>
-          <a:bodyPr wrap="none" rtlCol="0">
-            <a:spAutoFit/>
-          </a:bodyPr>
-          <a:lstStyle/>
-          <a:p>
-            <a:r>
-              <a:rPr lang="ko-KR" altLang="en-US" dirty="0"/>
-              <a:t>민진</a:t>
-            </a:r>
-          </a:p>
-        </p:txBody>
-      </p:sp>
-      <p:sp>
-        <p:nvSpPr>
-          <p:cNvPr id="7" name="TextBox 6">
-            <a:extLst>
-              <a:ext uri="{FF2B5EF4-FFF2-40B4-BE49-F238E27FC236}">
-                <a16:creationId xmlns:a16="http://schemas.microsoft.com/office/drawing/2014/main" id="{CBBECC38-BEC2-4EE8-9812-4EEB482CB94A}"/>
-              </a:ext>
-            </a:extLst>
-          </p:cNvPr>
-          <p:cNvSpPr txBox="1"/>
+        <p:style>
+          <a:lnRef idx="2">
+            <a:schemeClr val="accent1">
+              <a:shade val="50000"/>
+            </a:schemeClr>
+          </a:lnRef>
+          <a:fillRef idx="1">
+            <a:schemeClr val="accent1"/>
+          </a:fillRef>
+          <a:effectRef idx="0">
+            <a:schemeClr val="accent1"/>
+          </a:effectRef>
+          <a:fontRef idx="minor">
+            <a:schemeClr val="lt1"/>
+          </a:fontRef>
+        </p:style>
+        <p:txBody>
+          <a:bodyPr rtlCol="0" anchor="ctr"/>
+          <a:lstStyle/>
+          <a:p>
+            <a:pPr algn="ctr"/>
+            <a:r>
+              <a:rPr lang="en-US" altLang="ko-KR" sz="1600" dirty="0">
+                <a:solidFill>
+                  <a:schemeClr val="tx1"/>
+                </a:solidFill>
+              </a:rPr>
+              <a:t>9</a:t>
+            </a:r>
+            <a:r>
+              <a:rPr lang="ko-KR" altLang="en-US" sz="1600" dirty="0">
+                <a:solidFill>
+                  <a:schemeClr val="tx1"/>
+                </a:solidFill>
+              </a:rPr>
+              <a:t>주차</a:t>
+            </a:r>
+            <a:endParaRPr lang="en-US" altLang="ko-KR" sz="1600" dirty="0">
+              <a:solidFill>
+                <a:schemeClr val="tx1"/>
+              </a:solidFill>
+            </a:endParaRPr>
+          </a:p>
+          <a:p>
+            <a:pPr algn="ctr"/>
+            <a:r>
+              <a:rPr lang="en-US" altLang="ko-KR" sz="1600" dirty="0">
+                <a:solidFill>
+                  <a:schemeClr val="tx1"/>
+                </a:solidFill>
+              </a:rPr>
+              <a:t>(11.09-11.15)</a:t>
+            </a:r>
+            <a:endParaRPr lang="ko-KR" altLang="en-US" sz="1600" dirty="0">
+              <a:solidFill>
+                <a:schemeClr val="tx1"/>
+              </a:solidFill>
+            </a:endParaRPr>
+          </a:p>
+        </p:txBody>
+      </p:sp>
+      <p:sp>
+        <p:nvSpPr>
+          <p:cNvPr id="14" name="사각형: 둥근 모서리 13">
+            <a:extLst>
+              <a:ext uri="{FF2B5EF4-FFF2-40B4-BE49-F238E27FC236}">
+                <a16:creationId xmlns:a16="http://schemas.microsoft.com/office/drawing/2014/main" id="{C4F8E087-DF3E-4EF4-A22F-8F4FB2D3A29A}"/>
+              </a:ext>
+            </a:extLst>
+          </p:cNvPr>
+          <p:cNvSpPr/>
           <p:nvPr/>
         </p:nvSpPr>
         <p:spPr>
           <a:xfrm>
-            <a:off x="3309678" y="5497985"/>
-            <a:ext cx="646331" cy="369332"/>
+            <a:off x="3742944" y="1963951"/>
+            <a:ext cx="1568704" cy="729591"/>
           </a:xfrm>
-          <a:prstGeom prst="rect">
+          <a:prstGeom prst="roundRect">
             <a:avLst/>
           </a:prstGeom>
-          <a:noFill/>
+          <a:solidFill>
+            <a:srgbClr val="A9D88A"/>
+          </a:solidFill>
+          <a:ln>
+            <a:solidFill>
+              <a:schemeClr val="tx1"/>
+            </a:solidFill>
+          </a:ln>
         </p:spPr>
-        <p:txBody>
-          <a:bodyPr wrap="none" rtlCol="0">
-            <a:spAutoFit/>
-          </a:bodyPr>
-          <a:lstStyle/>
-          <a:p>
-            <a:r>
-              <a:rPr lang="ko-KR" altLang="en-US" dirty="0"/>
-              <a:t>한빛</a:t>
-            </a:r>
-          </a:p>
-        </p:txBody>
-      </p:sp>
-      <p:sp>
-        <p:nvSpPr>
-          <p:cNvPr id="8" name="TextBox 7">
-            <a:extLst>
-              <a:ext uri="{FF2B5EF4-FFF2-40B4-BE49-F238E27FC236}">
-                <a16:creationId xmlns:a16="http://schemas.microsoft.com/office/drawing/2014/main" id="{2CEBB579-A2A7-4BB4-94F9-EAFB1A846B00}"/>
-              </a:ext>
-            </a:extLst>
-          </p:cNvPr>
-          <p:cNvSpPr txBox="1"/>
+        <p:style>
+          <a:lnRef idx="2">
+            <a:schemeClr val="accent1">
+              <a:shade val="50000"/>
+            </a:schemeClr>
+          </a:lnRef>
+          <a:fillRef idx="1">
+            <a:schemeClr val="accent1"/>
+          </a:fillRef>
+          <a:effectRef idx="0">
+            <a:schemeClr val="accent1"/>
+          </a:effectRef>
+          <a:fontRef idx="minor">
+            <a:schemeClr val="lt1"/>
+          </a:fontRef>
+        </p:style>
+        <p:txBody>
+          <a:bodyPr rtlCol="0" anchor="ctr"/>
+          <a:lstStyle/>
+          <a:p>
+            <a:pPr algn="ctr"/>
+            <a:r>
+              <a:rPr lang="en-US" altLang="ko-KR" sz="1600" dirty="0">
+                <a:solidFill>
+                  <a:schemeClr val="tx1"/>
+                </a:solidFill>
+              </a:rPr>
+              <a:t>10</a:t>
+            </a:r>
+            <a:r>
+              <a:rPr lang="ko-KR" altLang="en-US" sz="1600" dirty="0">
+                <a:solidFill>
+                  <a:schemeClr val="tx1"/>
+                </a:solidFill>
+              </a:rPr>
+              <a:t>주차</a:t>
+            </a:r>
+            <a:endParaRPr lang="en-US" altLang="ko-KR" sz="1600" dirty="0">
+              <a:solidFill>
+                <a:schemeClr val="tx1"/>
+              </a:solidFill>
+            </a:endParaRPr>
+          </a:p>
+          <a:p>
+            <a:pPr algn="ctr"/>
+            <a:r>
+              <a:rPr lang="en-US" altLang="ko-KR" sz="1600" dirty="0">
+                <a:solidFill>
+                  <a:schemeClr val="tx1"/>
+                </a:solidFill>
+              </a:rPr>
+              <a:t>(11.16-11.22)</a:t>
+            </a:r>
+            <a:endParaRPr lang="ko-KR" altLang="en-US" sz="1600" dirty="0">
+              <a:solidFill>
+                <a:schemeClr val="tx1"/>
+              </a:solidFill>
+            </a:endParaRPr>
+          </a:p>
+        </p:txBody>
+      </p:sp>
+      <p:sp>
+        <p:nvSpPr>
+          <p:cNvPr id="15" name="사각형: 둥근 모서리 14">
+            <a:extLst>
+              <a:ext uri="{FF2B5EF4-FFF2-40B4-BE49-F238E27FC236}">
+                <a16:creationId xmlns:a16="http://schemas.microsoft.com/office/drawing/2014/main" id="{3CB1653A-544A-4785-919A-6F6C9DF9C9C6}"/>
+              </a:ext>
+            </a:extLst>
+          </p:cNvPr>
+          <p:cNvSpPr/>
           <p:nvPr/>
         </p:nvSpPr>
         <p:spPr>
           <a:xfrm>
-            <a:off x="3053198" y="6254888"/>
-            <a:ext cx="1159292" cy="369332"/>
+            <a:off x="5311647" y="1963951"/>
+            <a:ext cx="1568704" cy="729591"/>
           </a:xfrm>
-          <a:prstGeom prst="rect">
+          <a:prstGeom prst="roundRect">
             <a:avLst/>
           </a:prstGeom>
-          <a:noFill/>
+          <a:solidFill>
+            <a:srgbClr val="D7F792"/>
+          </a:solidFill>
+          <a:ln>
+            <a:solidFill>
+              <a:schemeClr val="tx1"/>
+            </a:solidFill>
+          </a:ln>
         </p:spPr>
-        <p:txBody>
-          <a:bodyPr wrap="none" rtlCol="0">
-            <a:spAutoFit/>
-          </a:bodyPr>
-          <a:lstStyle/>
-          <a:p>
-            <a:r>
-              <a:rPr lang="ko-KR" altLang="en-US"/>
-              <a:t>혜미</a:t>
-            </a:r>
-            <a:r>
-              <a:rPr lang="en-US" altLang="ko-KR" dirty="0"/>
-              <a:t>,</a:t>
-            </a:r>
-            <a:r>
-              <a:rPr lang="ko-KR" altLang="en-US" dirty="0"/>
-              <a:t>현석</a:t>
+        <p:style>
+          <a:lnRef idx="2">
+            <a:schemeClr val="accent1">
+              <a:shade val="50000"/>
+            </a:schemeClr>
+          </a:lnRef>
+          <a:fillRef idx="1">
+            <a:schemeClr val="accent1"/>
+          </a:fillRef>
+          <a:effectRef idx="0">
+            <a:schemeClr val="accent1"/>
+          </a:effectRef>
+          <a:fontRef idx="minor">
+            <a:schemeClr val="lt1"/>
+          </a:fontRef>
+        </p:style>
+        <p:txBody>
+          <a:bodyPr rtlCol="0" anchor="ctr"/>
+          <a:lstStyle/>
+          <a:p>
+            <a:pPr algn="ctr"/>
+            <a:r>
+              <a:rPr lang="en-US" altLang="ko-KR" sz="1600" dirty="0">
+                <a:solidFill>
+                  <a:schemeClr val="tx1"/>
+                </a:solidFill>
+              </a:rPr>
+              <a:t>11</a:t>
+            </a:r>
+            <a:r>
+              <a:rPr lang="ko-KR" altLang="en-US" sz="1600" dirty="0">
+                <a:solidFill>
+                  <a:schemeClr val="tx1"/>
+                </a:solidFill>
+              </a:rPr>
+              <a:t>주차</a:t>
+            </a:r>
+            <a:endParaRPr lang="en-US" altLang="ko-KR" sz="1600" dirty="0">
+              <a:solidFill>
+                <a:schemeClr val="tx1"/>
+              </a:solidFill>
+            </a:endParaRPr>
+          </a:p>
+          <a:p>
+            <a:pPr algn="ctr"/>
+            <a:r>
+              <a:rPr lang="en-US" altLang="ko-KR" sz="1600" dirty="0">
+                <a:solidFill>
+                  <a:schemeClr val="tx1"/>
+                </a:solidFill>
+              </a:rPr>
+              <a:t>(11.23-11.29)</a:t>
+            </a:r>
+            <a:endParaRPr lang="ko-KR" altLang="en-US" sz="1600" dirty="0">
+              <a:solidFill>
+                <a:schemeClr val="tx1"/>
+              </a:solidFill>
+            </a:endParaRPr>
+          </a:p>
+        </p:txBody>
+      </p:sp>
+      <p:sp>
+        <p:nvSpPr>
+          <p:cNvPr id="16" name="사각형: 둥근 모서리 15">
+            <a:extLst>
+              <a:ext uri="{FF2B5EF4-FFF2-40B4-BE49-F238E27FC236}">
+                <a16:creationId xmlns:a16="http://schemas.microsoft.com/office/drawing/2014/main" id="{18460520-9B17-4CC0-804C-6E28BDF2362A}"/>
+              </a:ext>
+            </a:extLst>
+          </p:cNvPr>
+          <p:cNvSpPr/>
+          <p:nvPr/>
+        </p:nvSpPr>
+        <p:spPr>
+          <a:xfrm>
+            <a:off x="6880351" y="1963951"/>
+            <a:ext cx="1568704" cy="729591"/>
+          </a:xfrm>
+          <a:prstGeom prst="roundRect">
+            <a:avLst/>
+          </a:prstGeom>
+          <a:solidFill>
+            <a:srgbClr val="A5D7E9"/>
+          </a:solidFill>
+          <a:ln>
+            <a:solidFill>
+              <a:schemeClr val="tx1"/>
+            </a:solidFill>
+          </a:ln>
+        </p:spPr>
+        <p:style>
+          <a:lnRef idx="2">
+            <a:schemeClr val="accent1">
+              <a:shade val="50000"/>
+            </a:schemeClr>
+          </a:lnRef>
+          <a:fillRef idx="1">
+            <a:schemeClr val="accent1"/>
+          </a:fillRef>
+          <a:effectRef idx="0">
+            <a:schemeClr val="accent1"/>
+          </a:effectRef>
+          <a:fontRef idx="minor">
+            <a:schemeClr val="lt1"/>
+          </a:fontRef>
+        </p:style>
+        <p:txBody>
+          <a:bodyPr rtlCol="0" anchor="ctr"/>
+          <a:lstStyle/>
+          <a:p>
+            <a:pPr algn="ctr"/>
+            <a:r>
+              <a:rPr lang="en-US" altLang="ko-KR" sz="1600" dirty="0">
+                <a:solidFill>
+                  <a:schemeClr val="tx1"/>
+                </a:solidFill>
+              </a:rPr>
+              <a:t>12</a:t>
+            </a:r>
+            <a:r>
+              <a:rPr lang="ko-KR" altLang="en-US" sz="1600" dirty="0">
+                <a:solidFill>
+                  <a:schemeClr val="tx1"/>
+                </a:solidFill>
+              </a:rPr>
+              <a:t>주차</a:t>
+            </a:r>
+            <a:endParaRPr lang="en-US" altLang="ko-KR" sz="1600" dirty="0">
+              <a:solidFill>
+                <a:schemeClr val="tx1"/>
+              </a:solidFill>
+            </a:endParaRPr>
+          </a:p>
+          <a:p>
+            <a:pPr algn="ctr"/>
+            <a:r>
+              <a:rPr lang="en-US" altLang="ko-KR" sz="1600" dirty="0">
+                <a:solidFill>
+                  <a:schemeClr val="tx1"/>
+                </a:solidFill>
+              </a:rPr>
+              <a:t>(11.30-12.06)</a:t>
+            </a:r>
+            <a:endParaRPr lang="ko-KR" altLang="en-US" sz="1600" dirty="0">
+              <a:solidFill>
+                <a:schemeClr val="tx1"/>
+              </a:solidFill>
+            </a:endParaRPr>
+          </a:p>
+        </p:txBody>
+      </p:sp>
+      <p:sp>
+        <p:nvSpPr>
+          <p:cNvPr id="17" name="사각형: 둥근 모서리 16">
+            <a:extLst>
+              <a:ext uri="{FF2B5EF4-FFF2-40B4-BE49-F238E27FC236}">
+                <a16:creationId xmlns:a16="http://schemas.microsoft.com/office/drawing/2014/main" id="{1D50B651-D01F-4F53-8310-E01C0D10AC98}"/>
+              </a:ext>
+            </a:extLst>
+          </p:cNvPr>
+          <p:cNvSpPr/>
+          <p:nvPr/>
+        </p:nvSpPr>
+        <p:spPr>
+          <a:xfrm>
+            <a:off x="8449054" y="1963951"/>
+            <a:ext cx="1568704" cy="729591"/>
+          </a:xfrm>
+          <a:prstGeom prst="roundRect">
+            <a:avLst/>
+          </a:prstGeom>
+          <a:solidFill>
+            <a:srgbClr val="72C9E3"/>
+          </a:solidFill>
+          <a:ln>
+            <a:solidFill>
+              <a:schemeClr val="tx1"/>
+            </a:solidFill>
+          </a:ln>
+        </p:spPr>
+        <p:style>
+          <a:lnRef idx="2">
+            <a:schemeClr val="accent1">
+              <a:shade val="50000"/>
+            </a:schemeClr>
+          </a:lnRef>
+          <a:fillRef idx="1">
+            <a:schemeClr val="accent1"/>
+          </a:fillRef>
+          <a:effectRef idx="0">
+            <a:schemeClr val="accent1"/>
+          </a:effectRef>
+          <a:fontRef idx="minor">
+            <a:schemeClr val="lt1"/>
+          </a:fontRef>
+        </p:style>
+        <p:txBody>
+          <a:bodyPr rtlCol="0" anchor="ctr"/>
+          <a:lstStyle/>
+          <a:p>
+            <a:pPr algn="ctr"/>
+            <a:r>
+              <a:rPr lang="en-US" altLang="ko-KR" sz="1600" dirty="0">
+                <a:solidFill>
+                  <a:schemeClr val="tx1"/>
+                </a:solidFill>
+              </a:rPr>
+              <a:t>13</a:t>
+            </a:r>
+            <a:r>
+              <a:rPr lang="ko-KR" altLang="en-US" sz="1600" dirty="0">
+                <a:solidFill>
+                  <a:schemeClr val="tx1"/>
+                </a:solidFill>
+              </a:rPr>
+              <a:t>주차</a:t>
+            </a:r>
+            <a:endParaRPr lang="en-US" altLang="ko-KR" sz="1600" dirty="0">
+              <a:solidFill>
+                <a:schemeClr val="tx1"/>
+              </a:solidFill>
+            </a:endParaRPr>
+          </a:p>
+          <a:p>
+            <a:pPr algn="ctr"/>
+            <a:r>
+              <a:rPr lang="en-US" altLang="ko-KR" sz="1600" dirty="0">
+                <a:solidFill>
+                  <a:schemeClr val="tx1"/>
+                </a:solidFill>
+              </a:rPr>
+              <a:t>(12.07-12.13)</a:t>
+            </a:r>
+            <a:endParaRPr lang="ko-KR" altLang="en-US" sz="1600" dirty="0">
+              <a:solidFill>
+                <a:schemeClr val="tx1"/>
+              </a:solidFill>
+            </a:endParaRPr>
+          </a:p>
+        </p:txBody>
+      </p:sp>
+      <p:sp>
+        <p:nvSpPr>
+          <p:cNvPr id="18" name="사각형: 둥근 모서리 17">
+            <a:extLst>
+              <a:ext uri="{FF2B5EF4-FFF2-40B4-BE49-F238E27FC236}">
+                <a16:creationId xmlns:a16="http://schemas.microsoft.com/office/drawing/2014/main" id="{E6302D7E-49E1-4B17-B852-2D3C74613859}"/>
+              </a:ext>
+            </a:extLst>
+          </p:cNvPr>
+          <p:cNvSpPr/>
+          <p:nvPr/>
+        </p:nvSpPr>
+        <p:spPr>
+          <a:xfrm>
+            <a:off x="10011284" y="1963950"/>
+            <a:ext cx="1568704" cy="729591"/>
+          </a:xfrm>
+          <a:prstGeom prst="roundRect">
+            <a:avLst/>
+          </a:prstGeom>
+          <a:solidFill>
+            <a:srgbClr val="D7ABDE"/>
+          </a:solidFill>
+          <a:ln>
+            <a:solidFill>
+              <a:schemeClr val="tx1"/>
+            </a:solidFill>
+          </a:ln>
+        </p:spPr>
+        <p:style>
+          <a:lnRef idx="2">
+            <a:schemeClr val="accent1">
+              <a:shade val="50000"/>
+            </a:schemeClr>
+          </a:lnRef>
+          <a:fillRef idx="1">
+            <a:schemeClr val="accent1"/>
+          </a:fillRef>
+          <a:effectRef idx="0">
+            <a:schemeClr val="accent1"/>
+          </a:effectRef>
+          <a:fontRef idx="minor">
+            <a:schemeClr val="lt1"/>
+          </a:fontRef>
+        </p:style>
+        <p:txBody>
+          <a:bodyPr rtlCol="0" anchor="ctr"/>
+          <a:lstStyle/>
+          <a:p>
+            <a:pPr algn="ctr"/>
+            <a:r>
+              <a:rPr lang="en-US" altLang="ko-KR" sz="1600" dirty="0">
+                <a:solidFill>
+                  <a:schemeClr val="tx1"/>
+                </a:solidFill>
+              </a:rPr>
+              <a:t>14</a:t>
+            </a:r>
+            <a:r>
+              <a:rPr lang="ko-KR" altLang="en-US" sz="1600" dirty="0">
+                <a:solidFill>
+                  <a:schemeClr val="tx1"/>
+                </a:solidFill>
+              </a:rPr>
+              <a:t>주차</a:t>
+            </a:r>
+            <a:endParaRPr lang="en-US" altLang="ko-KR" sz="1600" dirty="0">
+              <a:solidFill>
+                <a:schemeClr val="tx1"/>
+              </a:solidFill>
+            </a:endParaRPr>
+          </a:p>
+          <a:p>
+            <a:pPr algn="ctr"/>
+            <a:r>
+              <a:rPr lang="en-US" altLang="ko-KR" sz="1600" dirty="0">
+                <a:solidFill>
+                  <a:schemeClr val="tx1"/>
+                </a:solidFill>
+              </a:rPr>
+              <a:t>(12.14-12.20)</a:t>
+            </a:r>
+            <a:endParaRPr lang="ko-KR" altLang="en-US" sz="1600" dirty="0">
+              <a:solidFill>
+                <a:schemeClr val="tx1"/>
+              </a:solidFill>
+            </a:endParaRPr>
+          </a:p>
+        </p:txBody>
+      </p:sp>
+      <p:sp>
+        <p:nvSpPr>
+          <p:cNvPr id="19" name="사각형: 둥근 모서리 18">
+            <a:extLst>
+              <a:ext uri="{FF2B5EF4-FFF2-40B4-BE49-F238E27FC236}">
+                <a16:creationId xmlns:a16="http://schemas.microsoft.com/office/drawing/2014/main" id="{CFC95688-BC8F-46F6-8A44-11A5082E01D1}"/>
+              </a:ext>
+            </a:extLst>
+          </p:cNvPr>
+          <p:cNvSpPr/>
+          <p:nvPr/>
+        </p:nvSpPr>
+        <p:spPr>
+          <a:xfrm>
+            <a:off x="618479" y="2830379"/>
+            <a:ext cx="219721" cy="2991685"/>
+          </a:xfrm>
+          <a:prstGeom prst="roundRect">
+            <a:avLst/>
+          </a:prstGeom>
+          <a:solidFill>
+            <a:srgbClr val="EAE2B4"/>
+          </a:solidFill>
+          <a:ln>
+            <a:solidFill>
+              <a:schemeClr val="tx1"/>
+            </a:solidFill>
+          </a:ln>
+        </p:spPr>
+        <p:style>
+          <a:lnRef idx="2">
+            <a:schemeClr val="accent1">
+              <a:shade val="50000"/>
+            </a:schemeClr>
+          </a:lnRef>
+          <a:fillRef idx="1">
+            <a:schemeClr val="accent1"/>
+          </a:fillRef>
+          <a:effectRef idx="0">
+            <a:schemeClr val="accent1"/>
+          </a:effectRef>
+          <a:fontRef idx="minor">
+            <a:schemeClr val="lt1"/>
+          </a:fontRef>
+        </p:style>
+        <p:txBody>
+          <a:bodyPr rtlCol="0" anchor="ctr"/>
+          <a:lstStyle/>
+          <a:p>
+            <a:pPr algn="ctr"/>
+            <a:r>
+              <a:rPr lang="ko-KR" altLang="en-US" sz="900">
+                <a:solidFill>
+                  <a:schemeClr val="tx1"/>
+                </a:solidFill>
+              </a:rPr>
+              <a:t>회고</a:t>
+            </a:r>
+            <a:endParaRPr lang="ko-KR" altLang="en-US" sz="900" dirty="0">
+              <a:solidFill>
+                <a:schemeClr val="tx1"/>
+              </a:solidFill>
+            </a:endParaRPr>
+          </a:p>
+        </p:txBody>
+      </p:sp>
+      <p:sp>
+        <p:nvSpPr>
+          <p:cNvPr id="20" name="사각형: 둥근 모서리 19">
+            <a:extLst>
+              <a:ext uri="{FF2B5EF4-FFF2-40B4-BE49-F238E27FC236}">
+                <a16:creationId xmlns:a16="http://schemas.microsoft.com/office/drawing/2014/main" id="{F78F4007-5DFB-45EC-90F6-F760FF731333}"/>
+              </a:ext>
+            </a:extLst>
+          </p:cNvPr>
+          <p:cNvSpPr/>
+          <p:nvPr/>
+        </p:nvSpPr>
+        <p:spPr>
+          <a:xfrm>
+            <a:off x="1518929" y="4235512"/>
+            <a:ext cx="875028" cy="598620"/>
+          </a:xfrm>
+          <a:prstGeom prst="roundRect">
+            <a:avLst/>
+          </a:prstGeom>
+          <a:gradFill>
+            <a:gsLst>
+              <a:gs pos="59000">
+                <a:srgbClr val="EAE2B4"/>
+              </a:gs>
+              <a:gs pos="100000">
+                <a:srgbClr val="8FE5D8"/>
+              </a:gs>
+            </a:gsLst>
+            <a:lin ang="0" scaled="1"/>
+          </a:gradFill>
+          <a:ln>
+            <a:solidFill>
+              <a:schemeClr val="tx1"/>
+            </a:solidFill>
+          </a:ln>
+        </p:spPr>
+        <p:style>
+          <a:lnRef idx="2">
+            <a:schemeClr val="accent1">
+              <a:shade val="50000"/>
+            </a:schemeClr>
+          </a:lnRef>
+          <a:fillRef idx="1">
+            <a:schemeClr val="accent1"/>
+          </a:fillRef>
+          <a:effectRef idx="0">
+            <a:schemeClr val="accent1"/>
+          </a:effectRef>
+          <a:fontRef idx="minor">
+            <a:schemeClr val="lt1"/>
+          </a:fontRef>
+        </p:style>
+        <p:txBody>
+          <a:bodyPr rtlCol="0" anchor="ctr"/>
+          <a:lstStyle/>
+          <a:p>
+            <a:pPr algn="ctr"/>
+            <a:r>
+              <a:rPr lang="en-US" altLang="ko-KR" sz="1300" dirty="0">
+                <a:solidFill>
+                  <a:schemeClr val="tx1"/>
+                </a:solidFill>
+              </a:rPr>
+              <a:t>DB</a:t>
+            </a:r>
+          </a:p>
+          <a:p>
+            <a:pPr algn="ctr"/>
+            <a:r>
+              <a:rPr lang="ko-KR" altLang="en-US" sz="1300" dirty="0">
+                <a:solidFill>
+                  <a:schemeClr val="tx1"/>
+                </a:solidFill>
+              </a:rPr>
+              <a:t>구축</a:t>
+            </a:r>
+          </a:p>
+        </p:txBody>
+      </p:sp>
+      <p:sp>
+        <p:nvSpPr>
+          <p:cNvPr id="21" name="사각형: 둥근 모서리 20">
+            <a:extLst>
+              <a:ext uri="{FF2B5EF4-FFF2-40B4-BE49-F238E27FC236}">
+                <a16:creationId xmlns:a16="http://schemas.microsoft.com/office/drawing/2014/main" id="{2A35EDA6-0C1C-485A-90FD-B79C835BC1E4}"/>
+              </a:ext>
+            </a:extLst>
+          </p:cNvPr>
+          <p:cNvSpPr/>
+          <p:nvPr/>
+        </p:nvSpPr>
+        <p:spPr>
+          <a:xfrm>
+            <a:off x="868680" y="3547396"/>
+            <a:ext cx="664326" cy="598620"/>
+          </a:xfrm>
+          <a:prstGeom prst="roundRect">
+            <a:avLst/>
+          </a:prstGeom>
+          <a:solidFill>
+            <a:srgbClr val="EAE2B4"/>
+          </a:solidFill>
+          <a:ln>
+            <a:solidFill>
+              <a:schemeClr val="tx1"/>
+            </a:solidFill>
+          </a:ln>
+        </p:spPr>
+        <p:style>
+          <a:lnRef idx="2">
+            <a:schemeClr val="accent1">
+              <a:shade val="50000"/>
+            </a:schemeClr>
+          </a:lnRef>
+          <a:fillRef idx="1">
+            <a:schemeClr val="accent1"/>
+          </a:fillRef>
+          <a:effectRef idx="0">
+            <a:schemeClr val="accent1"/>
+          </a:effectRef>
+          <a:fontRef idx="minor">
+            <a:schemeClr val="lt1"/>
+          </a:fontRef>
+        </p:style>
+        <p:txBody>
+          <a:bodyPr rtlCol="0" anchor="ctr"/>
+          <a:lstStyle/>
+          <a:p>
+            <a:pPr algn="ctr"/>
+            <a:r>
+              <a:rPr lang="en-US" altLang="ko-KR" sz="1300" dirty="0">
+                <a:solidFill>
+                  <a:schemeClr val="tx1"/>
+                </a:solidFill>
+              </a:rPr>
+              <a:t>DB</a:t>
+            </a:r>
+          </a:p>
+          <a:p>
+            <a:pPr algn="ctr"/>
+            <a:r>
+              <a:rPr lang="ko-KR" altLang="en-US" sz="1300" dirty="0">
+                <a:solidFill>
+                  <a:schemeClr val="tx1"/>
+                </a:solidFill>
+              </a:rPr>
+              <a:t>수집</a:t>
+            </a:r>
+          </a:p>
+        </p:txBody>
+      </p:sp>
+      <p:sp>
+        <p:nvSpPr>
+          <p:cNvPr id="22" name="사각형: 둥근 모서리 21">
+            <a:extLst>
+              <a:ext uri="{FF2B5EF4-FFF2-40B4-BE49-F238E27FC236}">
+                <a16:creationId xmlns:a16="http://schemas.microsoft.com/office/drawing/2014/main" id="{A14D195D-6466-40FF-9002-3526DDB3947A}"/>
+              </a:ext>
+            </a:extLst>
+          </p:cNvPr>
+          <p:cNvSpPr/>
+          <p:nvPr/>
+        </p:nvSpPr>
+        <p:spPr>
+          <a:xfrm>
+            <a:off x="3535434" y="3547396"/>
+            <a:ext cx="1077206" cy="598620"/>
+          </a:xfrm>
+          <a:prstGeom prst="roundRect">
+            <a:avLst/>
+          </a:prstGeom>
+          <a:gradFill flip="none" rotWithShape="1">
+            <a:gsLst>
+              <a:gs pos="42000">
+                <a:srgbClr val="A9D88A"/>
+              </a:gs>
+              <a:gs pos="0">
+                <a:srgbClr val="8FE5D8"/>
+              </a:gs>
+            </a:gsLst>
+            <a:lin ang="0" scaled="1"/>
+            <a:tileRect/>
+          </a:gradFill>
+          <a:ln>
+            <a:solidFill>
+              <a:schemeClr val="tx1"/>
+            </a:solidFill>
+          </a:ln>
+        </p:spPr>
+        <p:style>
+          <a:lnRef idx="2">
+            <a:schemeClr val="accent1">
+              <a:shade val="50000"/>
+            </a:schemeClr>
+          </a:lnRef>
+          <a:fillRef idx="1">
+            <a:schemeClr val="accent1"/>
+          </a:fillRef>
+          <a:effectRef idx="0">
+            <a:schemeClr val="accent1"/>
+          </a:effectRef>
+          <a:fontRef idx="minor">
+            <a:schemeClr val="lt1"/>
+          </a:fontRef>
+        </p:style>
+        <p:txBody>
+          <a:bodyPr rtlCol="0" anchor="ctr"/>
+          <a:lstStyle/>
+          <a:p>
+            <a:pPr algn="ctr"/>
+            <a:r>
+              <a:rPr lang="ko-KR" altLang="en-US" sz="1200" dirty="0">
+                <a:solidFill>
+                  <a:schemeClr val="tx1"/>
+                </a:solidFill>
+              </a:rPr>
+              <a:t>재료추가 </a:t>
+            </a:r>
+            <a:r>
+              <a:rPr lang="en-US" altLang="ko-KR" sz="1200" dirty="0">
+                <a:solidFill>
+                  <a:schemeClr val="tx1"/>
+                </a:solidFill>
+              </a:rPr>
+              <a:t>UI</a:t>
+            </a:r>
+            <a:endParaRPr lang="ko-KR" altLang="en-US" sz="1200" dirty="0">
+              <a:solidFill>
+                <a:schemeClr val="tx1"/>
+              </a:solidFill>
+            </a:endParaRPr>
+          </a:p>
+        </p:txBody>
+      </p:sp>
+      <p:sp>
+        <p:nvSpPr>
+          <p:cNvPr id="23" name="사각형: 둥근 모서리 22">
+            <a:extLst>
+              <a:ext uri="{FF2B5EF4-FFF2-40B4-BE49-F238E27FC236}">
+                <a16:creationId xmlns:a16="http://schemas.microsoft.com/office/drawing/2014/main" id="{58B082C7-CA7A-494C-97AB-2B6AD00ADCC9}"/>
+              </a:ext>
+            </a:extLst>
+          </p:cNvPr>
+          <p:cNvSpPr/>
+          <p:nvPr/>
+        </p:nvSpPr>
+        <p:spPr>
+          <a:xfrm>
+            <a:off x="2409079" y="4234554"/>
+            <a:ext cx="1338181" cy="598620"/>
+          </a:xfrm>
+          <a:prstGeom prst="roundRect">
+            <a:avLst/>
+          </a:prstGeom>
+          <a:solidFill>
+            <a:srgbClr val="8FE5D8"/>
+          </a:solidFill>
+          <a:ln>
+            <a:solidFill>
+              <a:schemeClr val="tx1"/>
+            </a:solidFill>
+          </a:ln>
+        </p:spPr>
+        <p:style>
+          <a:lnRef idx="2">
+            <a:schemeClr val="accent1">
+              <a:shade val="50000"/>
+            </a:schemeClr>
+          </a:lnRef>
+          <a:fillRef idx="1">
+            <a:schemeClr val="accent1"/>
+          </a:fillRef>
+          <a:effectRef idx="0">
+            <a:schemeClr val="accent1"/>
+          </a:effectRef>
+          <a:fontRef idx="minor">
+            <a:schemeClr val="lt1"/>
+          </a:fontRef>
+        </p:style>
+        <p:txBody>
+          <a:bodyPr rtlCol="0" anchor="ctr"/>
+          <a:lstStyle/>
+          <a:p>
+            <a:pPr algn="ctr"/>
+            <a:r>
+              <a:rPr lang="en-US" altLang="ko-KR" sz="1400" dirty="0">
+                <a:solidFill>
+                  <a:schemeClr val="tx1"/>
+                </a:solidFill>
+              </a:rPr>
+              <a:t>DB </a:t>
+            </a:r>
+            <a:r>
+              <a:rPr lang="ko-KR" altLang="en-US" sz="1400" dirty="0">
+                <a:solidFill>
+                  <a:schemeClr val="tx1"/>
+                </a:solidFill>
+              </a:rPr>
+              <a:t>파싱</a:t>
+            </a:r>
+          </a:p>
+        </p:txBody>
+      </p:sp>
+      <p:sp>
+        <p:nvSpPr>
+          <p:cNvPr id="24" name="사각형: 둥근 모서리 23">
+            <a:extLst>
+              <a:ext uri="{FF2B5EF4-FFF2-40B4-BE49-F238E27FC236}">
+                <a16:creationId xmlns:a16="http://schemas.microsoft.com/office/drawing/2014/main" id="{CD468D8E-E244-48F5-99F8-B76D964588F7}"/>
+              </a:ext>
+            </a:extLst>
+          </p:cNvPr>
+          <p:cNvSpPr/>
+          <p:nvPr/>
+        </p:nvSpPr>
+        <p:spPr>
+          <a:xfrm>
+            <a:off x="3747260" y="2862209"/>
+            <a:ext cx="1077206" cy="598620"/>
+          </a:xfrm>
+          <a:prstGeom prst="roundRect">
+            <a:avLst/>
+          </a:prstGeom>
+          <a:solidFill>
+            <a:srgbClr val="A9D88A"/>
+          </a:solidFill>
+          <a:ln>
+            <a:solidFill>
+              <a:schemeClr val="tx1"/>
+            </a:solidFill>
+          </a:ln>
+        </p:spPr>
+        <p:style>
+          <a:lnRef idx="2">
+            <a:schemeClr val="accent1">
+              <a:shade val="50000"/>
+            </a:schemeClr>
+          </a:lnRef>
+          <a:fillRef idx="1">
+            <a:schemeClr val="accent1"/>
+          </a:fillRef>
+          <a:effectRef idx="0">
+            <a:schemeClr val="accent1"/>
+          </a:effectRef>
+          <a:fontRef idx="minor">
+            <a:schemeClr val="lt1"/>
+          </a:fontRef>
+        </p:style>
+        <p:txBody>
+          <a:bodyPr rtlCol="0" anchor="ctr"/>
+          <a:lstStyle/>
+          <a:p>
+            <a:pPr algn="ctr"/>
+            <a:r>
+              <a:rPr lang="ko-KR" altLang="en-US" sz="1300" dirty="0">
+                <a:solidFill>
+                  <a:schemeClr val="tx1"/>
+                </a:solidFill>
+              </a:rPr>
+              <a:t>비교</a:t>
+            </a:r>
+            <a:endParaRPr lang="en-US" altLang="ko-KR" sz="1300" dirty="0">
+              <a:solidFill>
+                <a:schemeClr val="tx1"/>
+              </a:solidFill>
+            </a:endParaRPr>
+          </a:p>
+          <a:p>
+            <a:pPr algn="ctr"/>
+            <a:r>
+              <a:rPr lang="ko-KR" altLang="en-US" sz="1300" dirty="0">
+                <a:solidFill>
+                  <a:schemeClr val="tx1"/>
+                </a:solidFill>
+              </a:rPr>
+              <a:t>알고리즘</a:t>
+            </a:r>
+          </a:p>
+        </p:txBody>
+      </p:sp>
+      <p:sp>
+        <p:nvSpPr>
+          <p:cNvPr id="25" name="사각형: 둥근 모서리 24">
+            <a:extLst>
+              <a:ext uri="{FF2B5EF4-FFF2-40B4-BE49-F238E27FC236}">
+                <a16:creationId xmlns:a16="http://schemas.microsoft.com/office/drawing/2014/main" id="{69028DC2-760D-445E-897C-8FD54698B147}"/>
+              </a:ext>
+            </a:extLst>
+          </p:cNvPr>
+          <p:cNvSpPr/>
+          <p:nvPr/>
+        </p:nvSpPr>
+        <p:spPr>
+          <a:xfrm>
+            <a:off x="1732847" y="2862209"/>
+            <a:ext cx="1338181" cy="598620"/>
+          </a:xfrm>
+          <a:prstGeom prst="roundRect">
+            <a:avLst/>
+          </a:prstGeom>
+          <a:gradFill>
+            <a:gsLst>
+              <a:gs pos="27000">
+                <a:srgbClr val="EAE2B4"/>
+              </a:gs>
+              <a:gs pos="83000">
+                <a:srgbClr val="8FE5D8"/>
+              </a:gs>
+            </a:gsLst>
+            <a:lin ang="0" scaled="1"/>
+          </a:gradFill>
+          <a:ln>
+            <a:solidFill>
+              <a:schemeClr val="tx1"/>
+            </a:solidFill>
+          </a:ln>
+        </p:spPr>
+        <p:style>
+          <a:lnRef idx="2">
+            <a:schemeClr val="accent1">
+              <a:shade val="50000"/>
+            </a:schemeClr>
+          </a:lnRef>
+          <a:fillRef idx="1">
+            <a:schemeClr val="accent1"/>
+          </a:fillRef>
+          <a:effectRef idx="0">
+            <a:schemeClr val="accent1"/>
+          </a:effectRef>
+          <a:fontRef idx="minor">
+            <a:schemeClr val="lt1"/>
+          </a:fontRef>
+        </p:style>
+        <p:txBody>
+          <a:bodyPr rtlCol="0" anchor="ctr"/>
+          <a:lstStyle/>
+          <a:p>
+            <a:pPr algn="ctr"/>
+            <a:r>
+              <a:rPr lang="ko-KR" altLang="en-US" sz="1300" dirty="0">
+                <a:solidFill>
+                  <a:schemeClr val="tx1"/>
+                </a:solidFill>
+              </a:rPr>
+              <a:t>상세조절 </a:t>
+            </a:r>
+            <a:r>
+              <a:rPr lang="en-US" altLang="ko-KR" sz="1300" dirty="0">
+                <a:solidFill>
+                  <a:schemeClr val="tx1"/>
+                </a:solidFill>
+              </a:rPr>
+              <a:t>UI</a:t>
+            </a:r>
+          </a:p>
+        </p:txBody>
+      </p:sp>
+      <p:sp>
+        <p:nvSpPr>
+          <p:cNvPr id="27" name="사각형: 둥근 모서리 26">
+            <a:extLst>
+              <a:ext uri="{FF2B5EF4-FFF2-40B4-BE49-F238E27FC236}">
+                <a16:creationId xmlns:a16="http://schemas.microsoft.com/office/drawing/2014/main" id="{C24DE5EE-F742-4683-86BF-711A953FF297}"/>
+              </a:ext>
+            </a:extLst>
+          </p:cNvPr>
+          <p:cNvSpPr/>
+          <p:nvPr/>
+        </p:nvSpPr>
+        <p:spPr>
+          <a:xfrm>
+            <a:off x="4897120" y="4236761"/>
+            <a:ext cx="1094868" cy="598620"/>
+          </a:xfrm>
+          <a:prstGeom prst="roundRect">
+            <a:avLst/>
+          </a:prstGeom>
+          <a:gradFill>
+            <a:gsLst>
+              <a:gs pos="62000">
+                <a:srgbClr val="D7F792"/>
+              </a:gs>
+              <a:gs pos="13000">
+                <a:srgbClr val="A9D88A"/>
+              </a:gs>
+            </a:gsLst>
+            <a:lin ang="0" scaled="1"/>
+          </a:gradFill>
+          <a:ln>
+            <a:solidFill>
+              <a:schemeClr val="tx1"/>
+            </a:solidFill>
+          </a:ln>
+        </p:spPr>
+        <p:style>
+          <a:lnRef idx="2">
+            <a:schemeClr val="accent1">
+              <a:shade val="50000"/>
+            </a:schemeClr>
+          </a:lnRef>
+          <a:fillRef idx="1">
+            <a:schemeClr val="accent1"/>
+          </a:fillRef>
+          <a:effectRef idx="0">
+            <a:schemeClr val="accent1"/>
+          </a:effectRef>
+          <a:fontRef idx="minor">
+            <a:schemeClr val="lt1"/>
+          </a:fontRef>
+        </p:style>
+        <p:txBody>
+          <a:bodyPr rtlCol="0" anchor="ctr"/>
+          <a:lstStyle/>
+          <a:p>
+            <a:pPr algn="ctr"/>
+            <a:r>
+              <a:rPr lang="ko-KR" altLang="en-US" sz="1300" dirty="0">
+                <a:solidFill>
+                  <a:schemeClr val="tx1"/>
+                </a:solidFill>
+              </a:rPr>
+              <a:t>분류</a:t>
+            </a:r>
+            <a:endParaRPr lang="en-US" altLang="ko-KR" sz="1300" dirty="0">
+              <a:solidFill>
+                <a:schemeClr val="tx1"/>
+              </a:solidFill>
+            </a:endParaRPr>
+          </a:p>
+          <a:p>
+            <a:pPr algn="ctr"/>
+            <a:r>
+              <a:rPr lang="ko-KR" altLang="en-US" sz="1300" dirty="0">
+                <a:solidFill>
+                  <a:schemeClr val="tx1"/>
+                </a:solidFill>
+              </a:rPr>
+              <a:t>알고리즘</a:t>
+            </a:r>
+          </a:p>
+        </p:txBody>
+      </p:sp>
+      <p:sp>
+        <p:nvSpPr>
+          <p:cNvPr id="28" name="사각형: 둥근 모서리 27">
+            <a:extLst>
+              <a:ext uri="{FF2B5EF4-FFF2-40B4-BE49-F238E27FC236}">
+                <a16:creationId xmlns:a16="http://schemas.microsoft.com/office/drawing/2014/main" id="{CDC31F00-50E8-49F9-9AA9-7831EB44F682}"/>
+              </a:ext>
+            </a:extLst>
+          </p:cNvPr>
+          <p:cNvSpPr/>
+          <p:nvPr/>
+        </p:nvSpPr>
+        <p:spPr>
+          <a:xfrm>
+            <a:off x="9398418" y="2862208"/>
+            <a:ext cx="619340" cy="2959857"/>
+          </a:xfrm>
+          <a:prstGeom prst="roundRect">
+            <a:avLst/>
+          </a:prstGeom>
+          <a:solidFill>
+            <a:srgbClr val="72C9E3"/>
+          </a:solidFill>
+          <a:ln>
+            <a:solidFill>
+              <a:schemeClr val="tx1"/>
+            </a:solidFill>
+          </a:ln>
+        </p:spPr>
+        <p:style>
+          <a:lnRef idx="2">
+            <a:schemeClr val="accent1">
+              <a:shade val="50000"/>
+            </a:schemeClr>
+          </a:lnRef>
+          <a:fillRef idx="1">
+            <a:schemeClr val="accent1"/>
+          </a:fillRef>
+          <a:effectRef idx="0">
+            <a:schemeClr val="accent1"/>
+          </a:effectRef>
+          <a:fontRef idx="minor">
+            <a:schemeClr val="lt1"/>
+          </a:fontRef>
+        </p:style>
+        <p:txBody>
+          <a:bodyPr rtlCol="0" anchor="ctr"/>
+          <a:lstStyle/>
+          <a:p>
+            <a:pPr algn="ctr"/>
+            <a:r>
+              <a:rPr lang="ko-KR" altLang="en-US" sz="1400" dirty="0">
+                <a:solidFill>
+                  <a:schemeClr val="tx1"/>
+                </a:solidFill>
+              </a:rPr>
+              <a:t>스프린트 리뷰</a:t>
+            </a:r>
+          </a:p>
+        </p:txBody>
+      </p:sp>
+      <p:sp>
+        <p:nvSpPr>
+          <p:cNvPr id="29" name="사각형: 둥근 모서리 28">
+            <a:extLst>
+              <a:ext uri="{FF2B5EF4-FFF2-40B4-BE49-F238E27FC236}">
+                <a16:creationId xmlns:a16="http://schemas.microsoft.com/office/drawing/2014/main" id="{1B73B228-0425-4C1E-AC8F-C69197E251D1}"/>
+              </a:ext>
+            </a:extLst>
+          </p:cNvPr>
+          <p:cNvSpPr/>
+          <p:nvPr/>
+        </p:nvSpPr>
+        <p:spPr>
+          <a:xfrm>
+            <a:off x="10080886" y="2862208"/>
+            <a:ext cx="619340" cy="2959857"/>
+          </a:xfrm>
+          <a:prstGeom prst="roundRect">
+            <a:avLst/>
+          </a:prstGeom>
+          <a:solidFill>
+            <a:srgbClr val="D7ABDE"/>
+          </a:solidFill>
+          <a:ln>
+            <a:solidFill>
+              <a:schemeClr val="tx1"/>
+            </a:solidFill>
+          </a:ln>
+        </p:spPr>
+        <p:style>
+          <a:lnRef idx="2">
+            <a:schemeClr val="accent1">
+              <a:shade val="50000"/>
+            </a:schemeClr>
+          </a:lnRef>
+          <a:fillRef idx="1">
+            <a:schemeClr val="accent1"/>
+          </a:fillRef>
+          <a:effectRef idx="0">
+            <a:schemeClr val="accent1"/>
+          </a:effectRef>
+          <a:fontRef idx="minor">
+            <a:schemeClr val="lt1"/>
+          </a:fontRef>
+        </p:style>
+        <p:txBody>
+          <a:bodyPr rtlCol="0" anchor="ctr"/>
+          <a:lstStyle/>
+          <a:p>
+            <a:pPr algn="ctr"/>
+            <a:r>
+              <a:rPr lang="ko-KR" altLang="en-US" sz="1400" dirty="0">
+                <a:solidFill>
+                  <a:schemeClr val="tx1"/>
+                </a:solidFill>
+              </a:rPr>
+              <a:t>기말 발표</a:t>
             </a:r>
           </a:p>
         </p:txBody>
@@ -3752,7 +5801,7 @@
     </p:spTree>
     <p:extLst>
       <p:ext uri="{BB962C8B-B14F-4D97-AF65-F5344CB8AC3E}">
-        <p14:creationId xmlns:p14="http://schemas.microsoft.com/office/powerpoint/2010/main" val="4275200039"/>
+        <p14:creationId xmlns:p14="http://schemas.microsoft.com/office/powerpoint/2010/main" val="3203744281"/>
       </p:ext>
     </p:extLst>
   </p:cSld>
@@ -3805,137 +5854,281 @@
                 <a:latin typeface="a솜사탕" panose="02020600000000000000" pitchFamily="18" charset="-127"/>
                 <a:ea typeface="a솜사탕" panose="02020600000000000000" pitchFamily="18" charset="-127"/>
               </a:rPr>
-              <a:t>진행계획</a:t>
-            </a:r>
-            <a:r>
-              <a:rPr kumimoji="0" lang="en-US" altLang="ko-KR" sz="2800" b="0" i="0" u="none" strike="noStrike" kern="1200" cap="none" spc="0" normalizeH="0" baseline="0" noProof="0" dirty="0">
-                <a:ln>
-                  <a:noFill/>
-                </a:ln>
-                <a:solidFill>
-                  <a:prstClr val="black"/>
-                </a:solidFill>
-                <a:effectLst/>
-                <a:uLnTx/>
-                <a:uFillTx/>
-                <a:latin typeface="a솜사탕" panose="02020600000000000000" pitchFamily="18" charset="-127"/>
-                <a:ea typeface="a솜사탕" panose="02020600000000000000" pitchFamily="18" charset="-127"/>
-                <a:cs typeface="+mj-cs"/>
-              </a:rPr>
-              <a:t> (</a:t>
-            </a:r>
-            <a:r>
-              <a:rPr lang="en-US" altLang="ko-KR" sz="2800" dirty="0">
-                <a:solidFill>
-                  <a:prstClr val="black"/>
-                </a:solidFill>
-                <a:latin typeface="a솜사탕" panose="02020600000000000000" pitchFamily="18" charset="-127"/>
-                <a:ea typeface="a솜사탕" panose="02020600000000000000" pitchFamily="18" charset="-127"/>
-              </a:rPr>
-              <a:t>8</a:t>
-            </a:r>
-            <a:r>
-              <a:rPr lang="ko-KR" altLang="en-US" sz="2800" dirty="0">
-                <a:solidFill>
-                  <a:prstClr val="black"/>
-                </a:solidFill>
-                <a:latin typeface="a솜사탕" panose="02020600000000000000" pitchFamily="18" charset="-127"/>
-                <a:ea typeface="a솜사탕" panose="02020600000000000000" pitchFamily="18" charset="-127"/>
-              </a:rPr>
-              <a:t>주차</a:t>
-            </a:r>
-            <a:r>
-              <a:rPr kumimoji="0" lang="en-US" altLang="ko-KR" sz="2800" b="0" i="0" u="none" strike="noStrike" kern="1200" cap="none" spc="0" normalizeH="0" baseline="0" noProof="0" dirty="0">
-                <a:ln>
-                  <a:noFill/>
-                </a:ln>
-                <a:solidFill>
-                  <a:prstClr val="black"/>
-                </a:solidFill>
-                <a:effectLst/>
-                <a:uLnTx/>
-                <a:uFillTx/>
-                <a:latin typeface="a솜사탕" panose="02020600000000000000" pitchFamily="18" charset="-127"/>
-                <a:ea typeface="a솜사탕" panose="02020600000000000000" pitchFamily="18" charset="-127"/>
-                <a:cs typeface="+mj-cs"/>
-              </a:rPr>
-              <a:t>~</a:t>
-            </a:r>
-            <a:r>
-              <a:rPr kumimoji="0" lang="ko-KR" altLang="en-US" sz="2800" b="0" i="0" u="none" strike="noStrike" kern="1200" cap="none" spc="0" normalizeH="0" baseline="0" noProof="0" dirty="0">
-                <a:ln>
-                  <a:noFill/>
-                </a:ln>
-                <a:solidFill>
-                  <a:prstClr val="black"/>
-                </a:solidFill>
-                <a:effectLst/>
-                <a:uLnTx/>
-                <a:uFillTx/>
-                <a:latin typeface="a솜사탕" panose="02020600000000000000" pitchFamily="18" charset="-127"/>
-                <a:ea typeface="a솜사탕" panose="02020600000000000000" pitchFamily="18" charset="-127"/>
-                <a:cs typeface="+mj-cs"/>
-              </a:rPr>
-              <a:t>기말발표</a:t>
-            </a:r>
-            <a:r>
-              <a:rPr kumimoji="0" lang="en-US" altLang="ko-KR" sz="2800" b="0" i="0" u="none" strike="noStrike" kern="1200" cap="none" spc="0" normalizeH="0" baseline="0" noProof="0" dirty="0">
-                <a:ln>
-                  <a:noFill/>
-                </a:ln>
-                <a:solidFill>
-                  <a:prstClr val="black"/>
-                </a:solidFill>
-                <a:effectLst/>
-                <a:uLnTx/>
-                <a:uFillTx/>
-                <a:latin typeface="a솜사탕" panose="02020600000000000000" pitchFamily="18" charset="-127"/>
-                <a:ea typeface="a솜사탕" panose="02020600000000000000" pitchFamily="18" charset="-127"/>
-                <a:cs typeface="+mj-cs"/>
-              </a:rPr>
-              <a:t>)</a:t>
-            </a:r>
-            <a:endParaRPr lang="ko-KR" altLang="en-US" dirty="0">
-              <a:latin typeface="a솜사탕" panose="02020600000000000000" pitchFamily="18" charset="-127"/>
-              <a:ea typeface="a솜사탕" panose="02020600000000000000" pitchFamily="18" charset="-127"/>
+              <a:t>위험요소</a:t>
+            </a:r>
+          </a:p>
+        </p:txBody>
+      </p:sp>
+      <p:sp>
+        <p:nvSpPr>
+          <p:cNvPr id="3" name="내용 개체 틀 2">
+            <a:extLst>
+              <a:ext uri="{FF2B5EF4-FFF2-40B4-BE49-F238E27FC236}">
+                <a16:creationId xmlns:a16="http://schemas.microsoft.com/office/drawing/2014/main" id="{C1A20ADB-8DAC-44E3-9C5F-F82E8B550458}"/>
+              </a:ext>
+            </a:extLst>
+          </p:cNvPr>
+          <p:cNvSpPr>
+            <a:spLocks noGrp="1"/>
+          </p:cNvSpPr>
+          <p:nvPr>
+            <p:ph idx="1"/>
+          </p:nvPr>
+        </p:nvSpPr>
+        <p:spPr/>
+        <p:txBody>
+          <a:bodyPr>
+            <a:normAutofit/>
+          </a:bodyPr>
+          <a:lstStyle/>
+          <a:p>
+            <a:pPr marL="0" indent="0">
+              <a:buNone/>
+            </a:pPr>
+            <a:r>
+              <a:rPr lang="en-US" altLang="ko-KR" dirty="0">
+                <a:latin typeface="a천생연분" panose="02020600000000000000" pitchFamily="18" charset="-127"/>
+                <a:ea typeface="a천생연분" panose="02020600000000000000" pitchFamily="18" charset="-127"/>
+              </a:rPr>
+              <a:t>1. OCR</a:t>
+            </a:r>
+            <a:r>
+              <a:rPr lang="ko-KR" altLang="en-US" dirty="0">
+                <a:latin typeface="a천생연분" panose="02020600000000000000" pitchFamily="18" charset="-127"/>
+                <a:ea typeface="a천생연분" panose="02020600000000000000" pitchFamily="18" charset="-127"/>
+              </a:rPr>
+              <a:t>인식 정확도</a:t>
+            </a:r>
+            <a:endParaRPr lang="en-US" altLang="ko-KR" dirty="0">
+              <a:latin typeface="a천생연분" panose="02020600000000000000" pitchFamily="18" charset="-127"/>
+              <a:ea typeface="a천생연분" panose="02020600000000000000" pitchFamily="18" charset="-127"/>
             </a:endParaRPr>
           </a:p>
-        </p:txBody>
-      </p:sp>
-      <p:pic>
-        <p:nvPicPr>
-          <p:cNvPr id="4" name="그림 3">
-            <a:extLst>
-              <a:ext uri="{FF2B5EF4-FFF2-40B4-BE49-F238E27FC236}">
-                <a16:creationId xmlns:a16="http://schemas.microsoft.com/office/drawing/2014/main" id="{B6450AAB-3795-43AC-8B35-E4B622E1A84C}"/>
-              </a:ext>
-            </a:extLst>
-          </p:cNvPr>
-          <p:cNvPicPr>
-            <a:picLocks noChangeAspect="1"/>
-          </p:cNvPicPr>
-          <p:nvPr/>
-        </p:nvPicPr>
-        <p:blipFill>
-          <a:blip r:embed="rId2"/>
-          <a:stretch>
-            <a:fillRect/>
-          </a:stretch>
-        </p:blipFill>
-        <p:spPr>
-          <a:xfrm>
-            <a:off x="1878600" y="1690688"/>
-            <a:ext cx="8434800" cy="4566653"/>
-          </a:xfrm>
-          <a:prstGeom prst="rect">
-            <a:avLst/>
-          </a:prstGeom>
-        </p:spPr>
-      </p:pic>
+          <a:p>
+            <a:pPr marL="0" indent="0">
+              <a:buNone/>
+            </a:pPr>
+            <a:r>
+              <a:rPr lang="en-US" altLang="ko-KR" sz="2400" dirty="0">
+                <a:latin typeface="a천생연분" panose="02020600000000000000" pitchFamily="18" charset="-127"/>
+                <a:ea typeface="a천생연분" panose="02020600000000000000" pitchFamily="18" charset="-127"/>
+              </a:rPr>
+              <a:t>- </a:t>
+            </a:r>
+            <a:r>
+              <a:rPr lang="ko-KR" altLang="en-US" sz="2400" dirty="0">
+                <a:latin typeface="a천생연분" panose="02020600000000000000" pitchFamily="18" charset="-127"/>
+                <a:ea typeface="a천생연분" panose="02020600000000000000" pitchFamily="18" charset="-127"/>
+              </a:rPr>
+              <a:t>사용할 </a:t>
+            </a:r>
+            <a:r>
+              <a:rPr lang="en-US" altLang="ko-KR" sz="2400" dirty="0">
+                <a:latin typeface="a천생연분" panose="02020600000000000000" pitchFamily="18" charset="-127"/>
+                <a:ea typeface="a천생연분" panose="02020600000000000000" pitchFamily="18" charset="-127"/>
+              </a:rPr>
+              <a:t>OCR </a:t>
+            </a:r>
+            <a:r>
+              <a:rPr lang="ko-KR" altLang="en-US" sz="2400" dirty="0">
+                <a:latin typeface="a천생연분" panose="02020600000000000000" pitchFamily="18" charset="-127"/>
+                <a:ea typeface="a천생연분" panose="02020600000000000000" pitchFamily="18" charset="-127"/>
+              </a:rPr>
+              <a:t>오픈소스인 </a:t>
+            </a:r>
+            <a:r>
+              <a:rPr lang="en-US" altLang="ko-KR" sz="2400" dirty="0">
+                <a:latin typeface="a천생연분" panose="02020600000000000000" pitchFamily="18" charset="-127"/>
+                <a:ea typeface="a천생연분" panose="02020600000000000000" pitchFamily="18" charset="-127"/>
+              </a:rPr>
+              <a:t>Tesseract</a:t>
+            </a:r>
+            <a:r>
+              <a:rPr lang="ko-KR" altLang="en-US" sz="2400" dirty="0">
+                <a:latin typeface="a천생연분" panose="02020600000000000000" pitchFamily="18" charset="-127"/>
+                <a:ea typeface="a천생연분" panose="02020600000000000000" pitchFamily="18" charset="-127"/>
+              </a:rPr>
+              <a:t>의 인식률은 매우 낮은 편임</a:t>
+            </a:r>
+            <a:r>
+              <a:rPr lang="en-US" altLang="ko-KR" sz="2400" dirty="0">
+                <a:latin typeface="a천생연분" panose="02020600000000000000" pitchFamily="18" charset="-127"/>
+                <a:ea typeface="a천생연분" panose="02020600000000000000" pitchFamily="18" charset="-127"/>
+              </a:rPr>
+              <a:t> </a:t>
+            </a:r>
+          </a:p>
+          <a:p>
+            <a:pPr>
+              <a:buFontTx/>
+              <a:buChar char="-"/>
+            </a:pPr>
+            <a:r>
+              <a:rPr lang="en-US" altLang="ko-KR" sz="2400" dirty="0">
+                <a:latin typeface="a천생연분" panose="02020600000000000000" pitchFamily="18" charset="-127"/>
+                <a:ea typeface="a천생연분" panose="02020600000000000000" pitchFamily="18" charset="-127"/>
+              </a:rPr>
+              <a:t> </a:t>
+            </a:r>
+            <a:r>
+              <a:rPr lang="en-US" altLang="ko-KR" sz="2400" dirty="0">
+                <a:solidFill>
+                  <a:srgbClr val="FF0000"/>
+                </a:solidFill>
+                <a:latin typeface="a천생연분" panose="02020600000000000000" pitchFamily="18" charset="-127"/>
+                <a:ea typeface="a천생연분" panose="02020600000000000000" pitchFamily="18" charset="-127"/>
+              </a:rPr>
+              <a:t>SOLUTION?</a:t>
+            </a:r>
+          </a:p>
+          <a:p>
+            <a:pPr marL="0" indent="0">
+              <a:buNone/>
+            </a:pPr>
+            <a:r>
+              <a:rPr lang="en-US" altLang="ko-KR" sz="2400" dirty="0">
+                <a:latin typeface="a천생연분" panose="02020600000000000000" pitchFamily="18" charset="-127"/>
+                <a:ea typeface="a천생연분" panose="02020600000000000000" pitchFamily="18" charset="-127"/>
+              </a:rPr>
+              <a:t>    Input data</a:t>
+            </a:r>
+            <a:r>
+              <a:rPr lang="ko-KR" altLang="en-US" sz="2400" dirty="0">
+                <a:latin typeface="a천생연분" panose="02020600000000000000" pitchFamily="18" charset="-127"/>
+                <a:ea typeface="a천생연분" panose="02020600000000000000" pitchFamily="18" charset="-127"/>
+              </a:rPr>
+              <a:t>의 </a:t>
+            </a:r>
+            <a:r>
+              <a:rPr lang="ko-KR" altLang="en-US" sz="2400" dirty="0" err="1">
+                <a:latin typeface="a천생연분" panose="02020600000000000000" pitchFamily="18" charset="-127"/>
+                <a:ea typeface="a천생연분" panose="02020600000000000000" pitchFamily="18" charset="-127"/>
+              </a:rPr>
+              <a:t>전처리</a:t>
+            </a:r>
+            <a:r>
+              <a:rPr lang="en-US" altLang="ko-KR" sz="2400" dirty="0">
+                <a:latin typeface="a천생연분" panose="02020600000000000000" pitchFamily="18" charset="-127"/>
+                <a:ea typeface="a천생연분" panose="02020600000000000000" pitchFamily="18" charset="-127"/>
+              </a:rPr>
+              <a:t>, tesseract </a:t>
+            </a:r>
+            <a:r>
+              <a:rPr lang="ko-KR" altLang="en-US" sz="2400" dirty="0">
+                <a:latin typeface="a천생연분" panose="02020600000000000000" pitchFamily="18" charset="-127"/>
+                <a:ea typeface="a천생연분" panose="02020600000000000000" pitchFamily="18" charset="-127"/>
+              </a:rPr>
+              <a:t>모델 재학습으로 인식률 높이기</a:t>
+            </a:r>
+            <a:endParaRPr lang="en-US" altLang="ko-KR" sz="2400" dirty="0">
+              <a:latin typeface="a천생연분" panose="02020600000000000000" pitchFamily="18" charset="-127"/>
+              <a:ea typeface="a천생연분" panose="02020600000000000000" pitchFamily="18" charset="-127"/>
+            </a:endParaRPr>
+          </a:p>
+          <a:p>
+            <a:pPr marL="0" indent="0">
+              <a:buNone/>
+            </a:pPr>
+            <a:endParaRPr lang="en-US" altLang="ko-KR" dirty="0">
+              <a:latin typeface="a천생연분" panose="02020600000000000000" pitchFamily="18" charset="-127"/>
+              <a:ea typeface="a천생연분" panose="02020600000000000000" pitchFamily="18" charset="-127"/>
+            </a:endParaRPr>
+          </a:p>
+          <a:p>
+            <a:pPr marL="0" indent="0">
+              <a:buNone/>
+            </a:pPr>
+            <a:r>
+              <a:rPr lang="en-US" altLang="ko-KR" dirty="0">
+                <a:latin typeface="a천생연분" panose="02020600000000000000" pitchFamily="18" charset="-127"/>
+                <a:ea typeface="a천생연분" panose="02020600000000000000" pitchFamily="18" charset="-127"/>
+              </a:rPr>
+              <a:t>2. </a:t>
+            </a:r>
+            <a:r>
+              <a:rPr lang="ko-KR" altLang="en-US" dirty="0">
+                <a:latin typeface="a천생연분" panose="02020600000000000000" pitchFamily="18" charset="-127"/>
+                <a:ea typeface="a천생연분" panose="02020600000000000000" pitchFamily="18" charset="-127"/>
+              </a:rPr>
+              <a:t>권장기한에 대한 정보부족</a:t>
+            </a:r>
+            <a:endParaRPr lang="en-US" altLang="ko-KR" dirty="0">
+              <a:latin typeface="a천생연분" panose="02020600000000000000" pitchFamily="18" charset="-127"/>
+              <a:ea typeface="a천생연분" panose="02020600000000000000" pitchFamily="18" charset="-127"/>
+            </a:endParaRPr>
+          </a:p>
+          <a:p>
+            <a:pPr>
+              <a:buFontTx/>
+              <a:buChar char="-"/>
+            </a:pPr>
+            <a:r>
+              <a:rPr lang="ko-KR" altLang="en-US" sz="2400" dirty="0">
+                <a:latin typeface="a천생연분" panose="02020600000000000000" pitchFamily="18" charset="-127"/>
+                <a:ea typeface="a천생연분" panose="02020600000000000000" pitchFamily="18" charset="-127"/>
+              </a:rPr>
+              <a:t> 현재 우리나라에서는 권장기한에 대한 정확한 정보가 없음</a:t>
+            </a:r>
+            <a:endParaRPr lang="en-US" altLang="ko-KR" sz="2400" dirty="0">
+              <a:latin typeface="a천생연분" panose="02020600000000000000" pitchFamily="18" charset="-127"/>
+              <a:ea typeface="a천생연분" panose="02020600000000000000" pitchFamily="18" charset="-127"/>
+            </a:endParaRPr>
+          </a:p>
+          <a:p>
+            <a:pPr>
+              <a:buFontTx/>
+              <a:buChar char="-"/>
+            </a:pPr>
+            <a:r>
+              <a:rPr lang="en-US" altLang="ko-KR" sz="2400" dirty="0">
+                <a:latin typeface="a천생연분" panose="02020600000000000000" pitchFamily="18" charset="-127"/>
+                <a:ea typeface="a천생연분" panose="02020600000000000000" pitchFamily="18" charset="-127"/>
+              </a:rPr>
+              <a:t> </a:t>
+            </a:r>
+            <a:r>
+              <a:rPr lang="en-US" altLang="ko-KR" sz="2400" dirty="0">
+                <a:solidFill>
+                  <a:srgbClr val="FF0000"/>
+                </a:solidFill>
+                <a:latin typeface="a천생연분" panose="02020600000000000000" pitchFamily="18" charset="-127"/>
+                <a:ea typeface="a천생연분" panose="02020600000000000000" pitchFamily="18" charset="-127"/>
+              </a:rPr>
+              <a:t>SOLUTION?</a:t>
+            </a:r>
+          </a:p>
+          <a:p>
+            <a:pPr marL="0" indent="0">
+              <a:buNone/>
+            </a:pPr>
+            <a:r>
+              <a:rPr lang="en-US" altLang="ko-KR" sz="2400" dirty="0">
+                <a:solidFill>
+                  <a:srgbClr val="FF0000"/>
+                </a:solidFill>
+                <a:latin typeface="a천생연분" panose="02020600000000000000" pitchFamily="18" charset="-127"/>
+                <a:ea typeface="a천생연분" panose="02020600000000000000" pitchFamily="18" charset="-127"/>
+              </a:rPr>
+              <a:t>   </a:t>
+            </a:r>
+            <a:r>
+              <a:rPr lang="ko-KR" altLang="en-US" sz="2400" dirty="0">
+                <a:latin typeface="a천생연분" panose="02020600000000000000" pitchFamily="18" charset="-127"/>
+                <a:ea typeface="a천생연분" panose="02020600000000000000" pitchFamily="18" charset="-127"/>
+              </a:rPr>
+              <a:t>미국과 일본 등 이미 권장기한을 사용하고 있는 국가의 권장기한 데이터를 참고</a:t>
+            </a:r>
+            <a:endParaRPr lang="en-US" altLang="ko-KR" sz="2400" dirty="0">
+              <a:latin typeface="a천생연분" panose="02020600000000000000" pitchFamily="18" charset="-127"/>
+              <a:ea typeface="a천생연분" panose="02020600000000000000" pitchFamily="18" charset="-127"/>
+            </a:endParaRPr>
+          </a:p>
+        </p:txBody>
+      </p:sp>
     </p:spTree>
     <p:extLst>
       <p:ext uri="{BB962C8B-B14F-4D97-AF65-F5344CB8AC3E}">
-        <p14:creationId xmlns:p14="http://schemas.microsoft.com/office/powerpoint/2010/main" val="3203744281"/>
+        <p14:creationId xmlns:p14="http://schemas.microsoft.com/office/powerpoint/2010/main" val="351037953"/>
       </p:ext>
     </p:extLst>
   </p:cSld>
@@ -3983,333 +6176,6 @@
           <a:bodyPr/>
           <a:lstStyle/>
           <a:p>
-            <a:r>
-              <a:rPr lang="ko-KR" altLang="en-US" dirty="0">
-                <a:latin typeface="a솜사탕" panose="02020600000000000000" pitchFamily="18" charset="-127"/>
-                <a:ea typeface="a솜사탕" panose="02020600000000000000" pitchFamily="18" charset="-127"/>
-              </a:rPr>
-              <a:t>위험요소</a:t>
-            </a:r>
-          </a:p>
-        </p:txBody>
-      </p:sp>
-      <p:sp>
-        <p:nvSpPr>
-          <p:cNvPr id="3" name="내용 개체 틀 2">
-            <a:extLst>
-              <a:ext uri="{FF2B5EF4-FFF2-40B4-BE49-F238E27FC236}">
-                <a16:creationId xmlns:a16="http://schemas.microsoft.com/office/drawing/2014/main" id="{C1A20ADB-8DAC-44E3-9C5F-F82E8B550458}"/>
-              </a:ext>
-            </a:extLst>
-          </p:cNvPr>
-          <p:cNvSpPr>
-            <a:spLocks noGrp="1"/>
-          </p:cNvSpPr>
-          <p:nvPr>
-            <p:ph idx="1"/>
-          </p:nvPr>
-        </p:nvSpPr>
-        <p:spPr/>
-        <p:txBody>
-          <a:bodyPr>
-            <a:normAutofit lnSpcReduction="10000"/>
-          </a:bodyPr>
-          <a:lstStyle/>
-          <a:p>
-            <a:pPr marL="0" indent="0">
-              <a:buNone/>
-            </a:pPr>
-            <a:r>
-              <a:rPr lang="en-US" altLang="ko-KR" dirty="0">
-                <a:latin typeface="a천생연분" panose="02020600000000000000" pitchFamily="18" charset="-127"/>
-                <a:ea typeface="a천생연분" panose="02020600000000000000" pitchFamily="18" charset="-127"/>
-              </a:rPr>
-              <a:t>1. OCR</a:t>
-            </a:r>
-            <a:r>
-              <a:rPr lang="ko-KR" altLang="en-US" dirty="0">
-                <a:latin typeface="a천생연분" panose="02020600000000000000" pitchFamily="18" charset="-127"/>
-                <a:ea typeface="a천생연분" panose="02020600000000000000" pitchFamily="18" charset="-127"/>
-              </a:rPr>
-              <a:t>인식 정확도</a:t>
-            </a:r>
-            <a:endParaRPr lang="en-US" altLang="ko-KR" dirty="0">
-              <a:latin typeface="a천생연분" panose="02020600000000000000" pitchFamily="18" charset="-127"/>
-              <a:ea typeface="a천생연분" panose="02020600000000000000" pitchFamily="18" charset="-127"/>
-            </a:endParaRPr>
-          </a:p>
-          <a:p>
-            <a:pPr marL="0" indent="0">
-              <a:buNone/>
-            </a:pPr>
-            <a:r>
-              <a:rPr lang="en-US" altLang="ko-KR" sz="2400" dirty="0">
-                <a:latin typeface="a천생연분" panose="02020600000000000000" pitchFamily="18" charset="-127"/>
-                <a:ea typeface="a천생연분" panose="02020600000000000000" pitchFamily="18" charset="-127"/>
-              </a:rPr>
-              <a:t>- </a:t>
-            </a:r>
-            <a:r>
-              <a:rPr lang="ko-KR" altLang="en-US" sz="2400" dirty="0">
-                <a:latin typeface="a천생연분" panose="02020600000000000000" pitchFamily="18" charset="-127"/>
-                <a:ea typeface="a천생연분" panose="02020600000000000000" pitchFamily="18" charset="-127"/>
-              </a:rPr>
-              <a:t>사용할 </a:t>
-            </a:r>
-            <a:r>
-              <a:rPr lang="en-US" altLang="ko-KR" sz="2400" dirty="0">
-                <a:latin typeface="a천생연분" panose="02020600000000000000" pitchFamily="18" charset="-127"/>
-                <a:ea typeface="a천생연분" panose="02020600000000000000" pitchFamily="18" charset="-127"/>
-              </a:rPr>
-              <a:t>OCR </a:t>
-            </a:r>
-            <a:r>
-              <a:rPr lang="ko-KR" altLang="en-US" sz="2400" dirty="0">
-                <a:latin typeface="a천생연분" panose="02020600000000000000" pitchFamily="18" charset="-127"/>
-                <a:ea typeface="a천생연분" panose="02020600000000000000" pitchFamily="18" charset="-127"/>
-              </a:rPr>
-              <a:t>오픈소스인 </a:t>
-            </a:r>
-            <a:r>
-              <a:rPr lang="en-US" altLang="ko-KR" sz="2400" dirty="0">
-                <a:latin typeface="a천생연분" panose="02020600000000000000" pitchFamily="18" charset="-127"/>
-                <a:ea typeface="a천생연분" panose="02020600000000000000" pitchFamily="18" charset="-127"/>
-              </a:rPr>
-              <a:t>Tesseract</a:t>
-            </a:r>
-            <a:r>
-              <a:rPr lang="ko-KR" altLang="en-US" sz="2400" dirty="0">
-                <a:latin typeface="a천생연분" panose="02020600000000000000" pitchFamily="18" charset="-127"/>
-                <a:ea typeface="a천생연분" panose="02020600000000000000" pitchFamily="18" charset="-127"/>
-              </a:rPr>
-              <a:t>의 인식률은 매우 낮은 편임</a:t>
-            </a:r>
-            <a:r>
-              <a:rPr lang="en-US" altLang="ko-KR" sz="2400" dirty="0">
-                <a:latin typeface="a천생연분" panose="02020600000000000000" pitchFamily="18" charset="-127"/>
-                <a:ea typeface="a천생연분" panose="02020600000000000000" pitchFamily="18" charset="-127"/>
-              </a:rPr>
-              <a:t> </a:t>
-            </a:r>
-          </a:p>
-          <a:p>
-            <a:pPr>
-              <a:buFontTx/>
-              <a:buChar char="-"/>
-            </a:pPr>
-            <a:r>
-              <a:rPr lang="en-US" altLang="ko-KR" sz="2400" dirty="0">
-                <a:latin typeface="a천생연분" panose="02020600000000000000" pitchFamily="18" charset="-127"/>
-                <a:ea typeface="a천생연분" panose="02020600000000000000" pitchFamily="18" charset="-127"/>
-              </a:rPr>
-              <a:t> </a:t>
-            </a:r>
-            <a:r>
-              <a:rPr lang="en-US" altLang="ko-KR" sz="2400" dirty="0">
-                <a:solidFill>
-                  <a:srgbClr val="FF0000"/>
-                </a:solidFill>
-                <a:latin typeface="a천생연분" panose="02020600000000000000" pitchFamily="18" charset="-127"/>
-                <a:ea typeface="a천생연분" panose="02020600000000000000" pitchFamily="18" charset="-127"/>
-              </a:rPr>
-              <a:t>SOLUTION?</a:t>
-            </a:r>
-          </a:p>
-          <a:p>
-            <a:pPr marL="0" indent="0">
-              <a:buNone/>
-            </a:pPr>
-            <a:r>
-              <a:rPr lang="en-US" altLang="ko-KR" sz="2400" dirty="0">
-                <a:latin typeface="a천생연분" panose="02020600000000000000" pitchFamily="18" charset="-127"/>
-                <a:ea typeface="a천생연분" panose="02020600000000000000" pitchFamily="18" charset="-127"/>
-              </a:rPr>
-              <a:t>    Input data</a:t>
-            </a:r>
-            <a:r>
-              <a:rPr lang="ko-KR" altLang="en-US" sz="2400" dirty="0">
-                <a:latin typeface="a천생연분" panose="02020600000000000000" pitchFamily="18" charset="-127"/>
-                <a:ea typeface="a천생연분" panose="02020600000000000000" pitchFamily="18" charset="-127"/>
-              </a:rPr>
-              <a:t>의 </a:t>
-            </a:r>
-            <a:r>
-              <a:rPr lang="ko-KR" altLang="en-US" sz="2400" dirty="0" err="1">
-                <a:latin typeface="a천생연분" panose="02020600000000000000" pitchFamily="18" charset="-127"/>
-                <a:ea typeface="a천생연분" panose="02020600000000000000" pitchFamily="18" charset="-127"/>
-              </a:rPr>
-              <a:t>전처리</a:t>
-            </a:r>
-            <a:r>
-              <a:rPr lang="en-US" altLang="ko-KR" sz="2400" dirty="0">
-                <a:latin typeface="a천생연분" panose="02020600000000000000" pitchFamily="18" charset="-127"/>
-                <a:ea typeface="a천생연분" panose="02020600000000000000" pitchFamily="18" charset="-127"/>
-              </a:rPr>
-              <a:t>, tesseract </a:t>
-            </a:r>
-            <a:r>
-              <a:rPr lang="ko-KR" altLang="en-US" sz="2400" dirty="0">
-                <a:latin typeface="a천생연분" panose="02020600000000000000" pitchFamily="18" charset="-127"/>
-                <a:ea typeface="a천생연분" panose="02020600000000000000" pitchFamily="18" charset="-127"/>
-              </a:rPr>
-              <a:t>모델 재학습으로 인식률 높이기</a:t>
-            </a:r>
-            <a:endParaRPr lang="en-US" altLang="ko-KR" sz="2400" dirty="0">
-              <a:latin typeface="a천생연분" panose="02020600000000000000" pitchFamily="18" charset="-127"/>
-              <a:ea typeface="a천생연분" panose="02020600000000000000" pitchFamily="18" charset="-127"/>
-            </a:endParaRPr>
-          </a:p>
-          <a:p>
-            <a:pPr marL="0" indent="0">
-              <a:buNone/>
-            </a:pPr>
-            <a:endParaRPr lang="en-US" altLang="ko-KR" dirty="0">
-              <a:latin typeface="a천생연분" panose="02020600000000000000" pitchFamily="18" charset="-127"/>
-              <a:ea typeface="a천생연분" panose="02020600000000000000" pitchFamily="18" charset="-127"/>
-            </a:endParaRPr>
-          </a:p>
-          <a:p>
-            <a:pPr marL="0" indent="0">
-              <a:buNone/>
-            </a:pPr>
-            <a:r>
-              <a:rPr lang="en-US" altLang="ko-KR" dirty="0">
-                <a:latin typeface="a천생연분" panose="02020600000000000000" pitchFamily="18" charset="-127"/>
-                <a:ea typeface="a천생연분" panose="02020600000000000000" pitchFamily="18" charset="-127"/>
-              </a:rPr>
-              <a:t>2. </a:t>
-            </a:r>
-            <a:r>
-              <a:rPr lang="ko-KR" altLang="en-US" dirty="0">
-                <a:latin typeface="a천생연분" panose="02020600000000000000" pitchFamily="18" charset="-127"/>
-                <a:ea typeface="a천생연분" panose="02020600000000000000" pitchFamily="18" charset="-127"/>
-              </a:rPr>
-              <a:t>권장기한에 대한 정보부족</a:t>
-            </a:r>
-            <a:endParaRPr lang="en-US" altLang="ko-KR" dirty="0">
-              <a:latin typeface="a천생연분" panose="02020600000000000000" pitchFamily="18" charset="-127"/>
-              <a:ea typeface="a천생연분" panose="02020600000000000000" pitchFamily="18" charset="-127"/>
-            </a:endParaRPr>
-          </a:p>
-          <a:p>
-            <a:pPr>
-              <a:buFontTx/>
-              <a:buChar char="-"/>
-            </a:pPr>
-            <a:r>
-              <a:rPr lang="ko-KR" altLang="en-US" sz="2400" dirty="0">
-                <a:latin typeface="a천생연분" panose="02020600000000000000" pitchFamily="18" charset="-127"/>
-                <a:ea typeface="a천생연분" panose="02020600000000000000" pitchFamily="18" charset="-127"/>
-              </a:rPr>
-              <a:t> 현재 우리나라에서는 권장기한에 대한 정확한 정보가 없음</a:t>
-            </a:r>
-            <a:endParaRPr lang="en-US" altLang="ko-KR" sz="2400" dirty="0">
-              <a:latin typeface="a천생연분" panose="02020600000000000000" pitchFamily="18" charset="-127"/>
-              <a:ea typeface="a천생연분" panose="02020600000000000000" pitchFamily="18" charset="-127"/>
-            </a:endParaRPr>
-          </a:p>
-          <a:p>
-            <a:pPr>
-              <a:buFontTx/>
-              <a:buChar char="-"/>
-            </a:pPr>
-            <a:r>
-              <a:rPr lang="en-US" altLang="ko-KR" sz="2400" dirty="0">
-                <a:latin typeface="a천생연분" panose="02020600000000000000" pitchFamily="18" charset="-127"/>
-                <a:ea typeface="a천생연분" panose="02020600000000000000" pitchFamily="18" charset="-127"/>
-              </a:rPr>
-              <a:t> </a:t>
-            </a:r>
-            <a:r>
-              <a:rPr lang="en-US" altLang="ko-KR" sz="2400" dirty="0">
-                <a:solidFill>
-                  <a:srgbClr val="FF0000"/>
-                </a:solidFill>
-                <a:latin typeface="a천생연분" panose="02020600000000000000" pitchFamily="18" charset="-127"/>
-                <a:ea typeface="a천생연분" panose="02020600000000000000" pitchFamily="18" charset="-127"/>
-              </a:rPr>
-              <a:t>SOLUTION?</a:t>
-            </a:r>
-          </a:p>
-          <a:p>
-            <a:pPr marL="0" indent="0">
-              <a:buNone/>
-            </a:pPr>
-            <a:r>
-              <a:rPr lang="en-US" altLang="ko-KR" sz="2400" dirty="0">
-                <a:solidFill>
-                  <a:srgbClr val="FF0000"/>
-                </a:solidFill>
-                <a:latin typeface="a천생연분" panose="02020600000000000000" pitchFamily="18" charset="-127"/>
-                <a:ea typeface="a천생연분" panose="02020600000000000000" pitchFamily="18" charset="-127"/>
-              </a:rPr>
-              <a:t>   </a:t>
-            </a:r>
-            <a:r>
-              <a:rPr lang="ko-KR" altLang="en-US" sz="2400" dirty="0">
-                <a:latin typeface="a천생연분" panose="02020600000000000000" pitchFamily="18" charset="-127"/>
-                <a:ea typeface="a천생연분" panose="02020600000000000000" pitchFamily="18" charset="-127"/>
-              </a:rPr>
-              <a:t>미국과 일본 등 이미 권장기한을 사용하고 있는 국가의 권장기한 데이터를 참고</a:t>
-            </a:r>
-            <a:endParaRPr lang="en-US" altLang="ko-KR" sz="2400" dirty="0">
-              <a:latin typeface="a천생연분" panose="02020600000000000000" pitchFamily="18" charset="-127"/>
-              <a:ea typeface="a천생연분" panose="02020600000000000000" pitchFamily="18" charset="-127"/>
-            </a:endParaRPr>
-          </a:p>
-        </p:txBody>
-      </p:sp>
-    </p:spTree>
-    <p:extLst>
-      <p:ext uri="{BB962C8B-B14F-4D97-AF65-F5344CB8AC3E}">
-        <p14:creationId xmlns:p14="http://schemas.microsoft.com/office/powerpoint/2010/main" val="351037953"/>
-      </p:ext>
-    </p:extLst>
-  </p:cSld>
-  <p:clrMapOvr>
-    <a:masterClrMapping/>
-  </p:clrMapOvr>
-</p:sld>
-</file>
-
-<file path=ppt/slides/slide13.xml><?xml version="1.0" encoding="utf-8"?>
-<p:sld xmlns:a="http://schemas.openxmlformats.org/drawingml/2006/main" xmlns:r="http://schemas.openxmlformats.org/officeDocument/2006/relationships" xmlns:p="http://schemas.openxmlformats.org/presentationml/2006/main">
-  <p:cSld>
-    <p:spTree>
-      <p:nvGrpSpPr>
-        <p:cNvPr id="1" name=""/>
-        <p:cNvGrpSpPr/>
-        <p:nvPr/>
-      </p:nvGrpSpPr>
-      <p:grpSpPr>
-        <a:xfrm>
-          <a:off x="0" y="0"/>
-          <a:ext cx="0" cy="0"/>
-          <a:chOff x="0" y="0"/>
-          <a:chExt cx="0" cy="0"/>
-        </a:xfrm>
-      </p:grpSpPr>
-      <p:sp>
-        <p:nvSpPr>
-          <p:cNvPr id="2" name="제목 1">
-            <a:extLst>
-              <a:ext uri="{FF2B5EF4-FFF2-40B4-BE49-F238E27FC236}">
-                <a16:creationId xmlns:a16="http://schemas.microsoft.com/office/drawing/2014/main" id="{805C7EF9-5B1F-490A-97AE-FF6461246548}"/>
-              </a:ext>
-            </a:extLst>
-          </p:cNvPr>
-          <p:cNvSpPr>
-            <a:spLocks noGrp="1"/>
-          </p:cNvSpPr>
-          <p:nvPr>
-            <p:ph type="title"/>
-          </p:nvPr>
-        </p:nvSpPr>
-        <p:spPr/>
-        <p:txBody>
-          <a:bodyPr/>
-          <a:lstStyle/>
-          <a:p>
             <a:endParaRPr lang="ko-KR" altLang="en-US" dirty="0">
               <a:latin typeface="a솜사탕" panose="02020600000000000000" pitchFamily="18" charset="-127"/>
               <a:ea typeface="a솜사탕" panose="02020600000000000000" pitchFamily="18" charset="-127"/>
@@ -4358,7 +6224,7 @@
 </p:sld>
 </file>
 
-<file path=ppt/slides/slide14.xml><?xml version="1.0" encoding="utf-8"?>
+<file path=ppt/slides/slide13.xml><?xml version="1.0" encoding="utf-8"?>
 <p:sld xmlns:a="http://schemas.openxmlformats.org/drawingml/2006/main" xmlns:r="http://schemas.openxmlformats.org/officeDocument/2006/relationships" xmlns:p="http://schemas.openxmlformats.org/presentationml/2006/main">
   <p:cSld>
     <p:spTree>
@@ -4464,130 +6330,116 @@
           <a:chExt cx="0" cy="0"/>
         </a:xfrm>
       </p:grpSpPr>
-      <p:sp>
-        <p:nvSpPr>
-          <p:cNvPr id="2" name="제목 1">
-            <a:extLst>
-              <a:ext uri="{FF2B5EF4-FFF2-40B4-BE49-F238E27FC236}">
-                <a16:creationId xmlns:a16="http://schemas.microsoft.com/office/drawing/2014/main" id="{BC24B1AE-7769-4295-824F-55EB3FFB2F35}"/>
-              </a:ext>
-            </a:extLst>
-          </p:cNvPr>
-          <p:cNvSpPr>
-            <a:spLocks noGrp="1"/>
-          </p:cNvSpPr>
-          <p:nvPr>
-            <p:ph type="title"/>
-          </p:nvPr>
-        </p:nvSpPr>
-        <p:spPr/>
-        <p:txBody>
-          <a:bodyPr/>
-          <a:lstStyle/>
-          <a:p>
-            <a:r>
-              <a:rPr lang="ko-KR" altLang="en-US" dirty="0">
-                <a:latin typeface="a솜사탕" panose="02020600000000000000" pitchFamily="18" charset="-127"/>
-                <a:ea typeface="a솜사탕" panose="02020600000000000000" pitchFamily="18" charset="-127"/>
-              </a:rPr>
-              <a:t>비즈니스 목표</a:t>
-            </a:r>
-            <a:r>
-              <a:rPr lang="en-US" altLang="ko-KR" dirty="0">
-                <a:latin typeface="a솜사탕" panose="02020600000000000000" pitchFamily="18" charset="-127"/>
-                <a:ea typeface="a솜사탕" panose="02020600000000000000" pitchFamily="18" charset="-127"/>
-              </a:rPr>
-              <a:t>!</a:t>
-            </a:r>
-            <a:endParaRPr lang="ko-KR" altLang="en-US" dirty="0">
-              <a:latin typeface="a솜사탕" panose="02020600000000000000" pitchFamily="18" charset="-127"/>
-              <a:ea typeface="a솜사탕" panose="02020600000000000000" pitchFamily="18" charset="-127"/>
-            </a:endParaRPr>
-          </a:p>
-        </p:txBody>
-      </p:sp>
-      <p:sp>
-        <p:nvSpPr>
-          <p:cNvPr id="3" name="내용 개체 틀 2">
-            <a:extLst>
-              <a:ext uri="{FF2B5EF4-FFF2-40B4-BE49-F238E27FC236}">
-                <a16:creationId xmlns:a16="http://schemas.microsoft.com/office/drawing/2014/main" id="{E7C918A5-AE59-4558-89B5-3602D7337879}"/>
-              </a:ext>
-            </a:extLst>
-          </p:cNvPr>
-          <p:cNvSpPr>
-            <a:spLocks noGrp="1"/>
-          </p:cNvSpPr>
-          <p:nvPr>
-            <p:ph idx="1"/>
-          </p:nvPr>
-        </p:nvSpPr>
+      <p:pic>
+        <p:nvPicPr>
+          <p:cNvPr id="5" name="그림 4">
+            <a:extLst>
+              <a:ext uri="{FF2B5EF4-FFF2-40B4-BE49-F238E27FC236}">
+                <a16:creationId xmlns:a16="http://schemas.microsoft.com/office/drawing/2014/main" id="{F8468393-8D19-439C-96C7-0268C1E97EE9}"/>
+              </a:ext>
+            </a:extLst>
+          </p:cNvPr>
+          <p:cNvPicPr>
+            <a:picLocks noChangeAspect="1"/>
+          </p:cNvPicPr>
+          <p:nvPr/>
+        </p:nvPicPr>
+        <p:blipFill rotWithShape="1">
+          <a:blip r:embed="rId2"/>
+          <a:srcRect t="8227"/>
+          <a:stretch/>
+        </p:blipFill>
         <p:spPr>
           <a:xfrm>
-            <a:off x="838200" y="2558732"/>
-            <a:ext cx="10515600" cy="1740535"/>
+            <a:off x="1571489" y="282102"/>
+            <a:ext cx="7958775" cy="6293796"/>
           </a:xfrm>
+          <a:prstGeom prst="rect">
+            <a:avLst/>
+          </a:prstGeom>
         </p:spPr>
-        <p:txBody>
-          <a:bodyPr/>
-          <a:lstStyle/>
-          <a:p>
-            <a:pPr marL="0" indent="0">
-              <a:buNone/>
-            </a:pPr>
-            <a:r>
-              <a:rPr lang="ko-KR" altLang="en-US" dirty="0">
-                <a:latin typeface="a천생연분" panose="02020600000000000000" pitchFamily="18" charset="-127"/>
-                <a:ea typeface="a천생연분" panose="02020600000000000000" pitchFamily="18" charset="-127"/>
-              </a:rPr>
-              <a:t>자취생과 주부 등을 위해 </a:t>
-            </a:r>
-            <a:r>
-              <a:rPr lang="en-US" altLang="ko-KR" dirty="0">
-                <a:latin typeface="a천생연분" panose="02020600000000000000" pitchFamily="18" charset="-127"/>
-                <a:ea typeface="a천생연분" panose="02020600000000000000" pitchFamily="18" charset="-127"/>
-              </a:rPr>
-              <a:t>OCR </a:t>
-            </a:r>
-            <a:r>
-              <a:rPr lang="ko-KR" altLang="en-US" dirty="0">
-                <a:latin typeface="a천생연분" panose="02020600000000000000" pitchFamily="18" charset="-127"/>
-                <a:ea typeface="a천생연분" panose="02020600000000000000" pitchFamily="18" charset="-127"/>
-              </a:rPr>
-              <a:t>기능을 이용하여 영수증을 인식하고 보유한 식품의 보관 방법에 따른 권장기한을 제공해준다</a:t>
-            </a:r>
-            <a:r>
-              <a:rPr lang="en-US" altLang="ko-KR" dirty="0">
-                <a:latin typeface="a천생연분" panose="02020600000000000000" pitchFamily="18" charset="-127"/>
-                <a:ea typeface="a천생연분" panose="02020600000000000000" pitchFamily="18" charset="-127"/>
-              </a:rPr>
-              <a:t>. </a:t>
-            </a:r>
-            <a:r>
-              <a:rPr lang="ko-KR" altLang="en-US" dirty="0">
-                <a:latin typeface="a천생연분" panose="02020600000000000000" pitchFamily="18" charset="-127"/>
-                <a:ea typeface="a천생연분" panose="02020600000000000000" pitchFamily="18" charset="-127"/>
-              </a:rPr>
-              <a:t>다른 앱과 달리 유통기한이 아닌 권장기한을 제공해줌으로 불필요한 쓰레기와 지출을 최소화하며 냉장고 관리에 도움을 줄 수 있다</a:t>
-            </a:r>
-            <a:r>
-              <a:rPr lang="en-US" altLang="ko-KR" dirty="0">
-                <a:latin typeface="a천생연분" panose="02020600000000000000" pitchFamily="18" charset="-127"/>
-                <a:ea typeface="a천생연분" panose="02020600000000000000" pitchFamily="18" charset="-127"/>
-              </a:rPr>
-              <a:t>.</a:t>
-            </a:r>
-            <a:endParaRPr lang="ko-KR" altLang="en-US" dirty="0">
-              <a:latin typeface="a천생연분" panose="02020600000000000000" pitchFamily="18" charset="-127"/>
-              <a:ea typeface="a천생연분" panose="02020600000000000000" pitchFamily="18" charset="-127"/>
-            </a:endParaRPr>
+      </p:pic>
+      <p:sp>
+        <p:nvSpPr>
+          <p:cNvPr id="11" name="TextBox 10">
+            <a:extLst>
+              <a:ext uri="{FF2B5EF4-FFF2-40B4-BE49-F238E27FC236}">
+                <a16:creationId xmlns:a16="http://schemas.microsoft.com/office/drawing/2014/main" id="{2B356358-C586-43DC-BF0A-325A9C82494A}"/>
+              </a:ext>
+            </a:extLst>
+          </p:cNvPr>
+          <p:cNvSpPr txBox="1"/>
+          <p:nvPr/>
+        </p:nvSpPr>
+        <p:spPr>
+          <a:xfrm>
+            <a:off x="8016116" y="6375843"/>
+            <a:ext cx="4118542" cy="400110"/>
+          </a:xfrm>
+          <a:prstGeom prst="rect">
+            <a:avLst/>
+          </a:prstGeom>
+          <a:noFill/>
+        </p:spPr>
+        <p:txBody>
+          <a:bodyPr wrap="square">
+            <a:spAutoFit/>
+          </a:bodyPr>
+          <a:lstStyle/>
+          <a:p>
+            <a:r>
+              <a:rPr lang="ko-KR" altLang="en-US" sz="1000" dirty="0"/>
+              <a:t>출처</a:t>
+            </a:r>
+            <a:endParaRPr lang="en-US" altLang="ko-KR" sz="1000" dirty="0"/>
+          </a:p>
+          <a:p>
+            <a:r>
+              <a:rPr lang="ko-KR" altLang="en-US" sz="1000" dirty="0"/>
+              <a:t>https://www.hankookilbo.com/News/Read/A2021091618570001254</a:t>
+            </a:r>
+          </a:p>
+        </p:txBody>
+      </p:sp>
+      <p:sp>
+        <p:nvSpPr>
+          <p:cNvPr id="12" name="TextBox 11">
+            <a:extLst>
+              <a:ext uri="{FF2B5EF4-FFF2-40B4-BE49-F238E27FC236}">
+                <a16:creationId xmlns:a16="http://schemas.microsoft.com/office/drawing/2014/main" id="{BE392555-8593-4113-8B47-BDEC68F68343}"/>
+              </a:ext>
+            </a:extLst>
+          </p:cNvPr>
+          <p:cNvSpPr txBox="1"/>
+          <p:nvPr/>
+        </p:nvSpPr>
+        <p:spPr>
+          <a:xfrm>
+            <a:off x="7526677" y="1349573"/>
+            <a:ext cx="1415100" cy="246221"/>
+          </a:xfrm>
+          <a:prstGeom prst="rect">
+            <a:avLst/>
+          </a:prstGeom>
+          <a:noFill/>
+        </p:spPr>
+        <p:txBody>
+          <a:bodyPr wrap="square">
+            <a:spAutoFit/>
+          </a:bodyPr>
+          <a:lstStyle/>
+          <a:p>
+            <a:r>
+              <a:rPr lang="ko-KR" altLang="en-US" sz="1000" dirty="0"/>
+              <a:t>한국일보 박세인 기자</a:t>
+            </a:r>
           </a:p>
         </p:txBody>
       </p:sp>
     </p:spTree>
     <p:extLst>
       <p:ext uri="{BB962C8B-B14F-4D97-AF65-F5344CB8AC3E}">
-        <p14:creationId xmlns:p14="http://schemas.microsoft.com/office/powerpoint/2010/main" val="3128159943"/>
+        <p14:creationId xmlns:p14="http://schemas.microsoft.com/office/powerpoint/2010/main" val="3164242327"/>
       </p:ext>
     </p:extLst>
   </p:cSld>
@@ -4640,45 +6492,273 @@
                 <a:latin typeface="a솜사탕" panose="02020600000000000000" pitchFamily="18" charset="-127"/>
                 <a:ea typeface="a솜사탕" panose="02020600000000000000" pitchFamily="18" charset="-127"/>
               </a:rPr>
-              <a:t>컨텍스트 다이어그램</a:t>
-            </a:r>
-          </a:p>
-        </p:txBody>
-      </p:sp>
-      <p:pic>
-        <p:nvPicPr>
-          <p:cNvPr id="5" name="그림 4">
-            <a:extLst>
-              <a:ext uri="{FF2B5EF4-FFF2-40B4-BE49-F238E27FC236}">
-                <a16:creationId xmlns:a16="http://schemas.microsoft.com/office/drawing/2014/main" id="{84A87B99-BB4D-4EFB-9B45-43BB50A65A60}"/>
-              </a:ext>
-            </a:extLst>
-          </p:cNvPr>
-          <p:cNvPicPr>
-            <a:picLocks noChangeAspect="1"/>
-          </p:cNvPicPr>
+              <a:t>비즈니스 목표</a:t>
+            </a:r>
+          </a:p>
+        </p:txBody>
+      </p:sp>
+      <p:sp>
+        <p:nvSpPr>
+          <p:cNvPr id="4" name="내용 개체 틀 2">
+            <a:extLst>
+              <a:ext uri="{FF2B5EF4-FFF2-40B4-BE49-F238E27FC236}">
+                <a16:creationId xmlns:a16="http://schemas.microsoft.com/office/drawing/2014/main" id="{61F0DABD-989D-498A-8749-DA46DAF13734}"/>
+              </a:ext>
+            </a:extLst>
+          </p:cNvPr>
+          <p:cNvSpPr txBox="1">
+            <a:spLocks/>
+          </p:cNvSpPr>
           <p:nvPr/>
-        </p:nvPicPr>
-        <p:blipFill>
-          <a:blip r:embed="rId2"/>
-          <a:stretch>
-            <a:fillRect/>
-          </a:stretch>
-        </p:blipFill>
+        </p:nvSpPr>
         <p:spPr>
           <a:xfrm>
-            <a:off x="1743852" y="1589291"/>
-            <a:ext cx="8704295" cy="3679418"/>
+            <a:off x="838200" y="2891471"/>
+            <a:ext cx="10515600" cy="2529615"/>
           </a:xfrm>
           <a:prstGeom prst="rect">
             <a:avLst/>
           </a:prstGeom>
         </p:spPr>
-      </p:pic>
+        <p:txBody>
+          <a:bodyPr vert="horz" lIns="91440" tIns="45720" rIns="91440" bIns="45720" rtlCol="0">
+            <a:normAutofit/>
+          </a:bodyPr>
+          <a:lstStyle>
+            <a:lvl1pPr marL="228600" indent="-228600" algn="l" defTabSz="914400" rtl="0" eaLnBrk="1" latinLnBrk="1" hangingPunct="1">
+              <a:lnSpc>
+                <a:spcPct val="90000"/>
+              </a:lnSpc>
+              <a:spcBef>
+                <a:spcPts val="1000"/>
+              </a:spcBef>
+              <a:buFont typeface="Arial" panose="020B0604020202020204" pitchFamily="34" charset="0"/>
+              <a:buChar char="•"/>
+              <a:defRPr sz="2800" kern="1200">
+                <a:solidFill>
+                  <a:schemeClr val="tx1"/>
+                </a:solidFill>
+                <a:latin typeface="+mn-lt"/>
+                <a:ea typeface="+mn-ea"/>
+                <a:cs typeface="+mn-cs"/>
+              </a:defRPr>
+            </a:lvl1pPr>
+            <a:lvl2pPr marL="685800" indent="-228600" algn="l" defTabSz="914400" rtl="0" eaLnBrk="1" latinLnBrk="1" hangingPunct="1">
+              <a:lnSpc>
+                <a:spcPct val="90000"/>
+              </a:lnSpc>
+              <a:spcBef>
+                <a:spcPts val="500"/>
+              </a:spcBef>
+              <a:buFont typeface="Arial" panose="020B0604020202020204" pitchFamily="34" charset="0"/>
+              <a:buChar char="•"/>
+              <a:defRPr sz="2400" kern="1200">
+                <a:solidFill>
+                  <a:schemeClr val="tx1"/>
+                </a:solidFill>
+                <a:latin typeface="+mn-lt"/>
+                <a:ea typeface="+mn-ea"/>
+                <a:cs typeface="+mn-cs"/>
+              </a:defRPr>
+            </a:lvl2pPr>
+            <a:lvl3pPr marL="1143000" indent="-228600" algn="l" defTabSz="914400" rtl="0" eaLnBrk="1" latinLnBrk="1" hangingPunct="1">
+              <a:lnSpc>
+                <a:spcPct val="90000"/>
+              </a:lnSpc>
+              <a:spcBef>
+                <a:spcPts val="500"/>
+              </a:spcBef>
+              <a:buFont typeface="Arial" panose="020B0604020202020204" pitchFamily="34" charset="0"/>
+              <a:buChar char="•"/>
+              <a:defRPr sz="2000" kern="1200">
+                <a:solidFill>
+                  <a:schemeClr val="tx1"/>
+                </a:solidFill>
+                <a:latin typeface="+mn-lt"/>
+                <a:ea typeface="+mn-ea"/>
+                <a:cs typeface="+mn-cs"/>
+              </a:defRPr>
+            </a:lvl3pPr>
+            <a:lvl4pPr marL="1600200" indent="-228600" algn="l" defTabSz="914400" rtl="0" eaLnBrk="1" latinLnBrk="1" hangingPunct="1">
+              <a:lnSpc>
+                <a:spcPct val="90000"/>
+              </a:lnSpc>
+              <a:spcBef>
+                <a:spcPts val="500"/>
+              </a:spcBef>
+              <a:buFont typeface="Arial" panose="020B0604020202020204" pitchFamily="34" charset="0"/>
+              <a:buChar char="•"/>
+              <a:defRPr sz="1800" kern="1200">
+                <a:solidFill>
+                  <a:schemeClr val="tx1"/>
+                </a:solidFill>
+                <a:latin typeface="+mn-lt"/>
+                <a:ea typeface="+mn-ea"/>
+                <a:cs typeface="+mn-cs"/>
+              </a:defRPr>
+            </a:lvl4pPr>
+            <a:lvl5pPr marL="2057400" indent="-228600" algn="l" defTabSz="914400" rtl="0" eaLnBrk="1" latinLnBrk="1" hangingPunct="1">
+              <a:lnSpc>
+                <a:spcPct val="90000"/>
+              </a:lnSpc>
+              <a:spcBef>
+                <a:spcPts val="500"/>
+              </a:spcBef>
+              <a:buFont typeface="Arial" panose="020B0604020202020204" pitchFamily="34" charset="0"/>
+              <a:buChar char="•"/>
+              <a:defRPr sz="1800" kern="1200">
+                <a:solidFill>
+                  <a:schemeClr val="tx1"/>
+                </a:solidFill>
+                <a:latin typeface="+mn-lt"/>
+                <a:ea typeface="+mn-ea"/>
+                <a:cs typeface="+mn-cs"/>
+              </a:defRPr>
+            </a:lvl5pPr>
+            <a:lvl6pPr marL="2514600" indent="-228600" algn="l" defTabSz="914400" rtl="0" eaLnBrk="1" latinLnBrk="1" hangingPunct="1">
+              <a:lnSpc>
+                <a:spcPct val="90000"/>
+              </a:lnSpc>
+              <a:spcBef>
+                <a:spcPts val="500"/>
+              </a:spcBef>
+              <a:buFont typeface="Arial" panose="020B0604020202020204" pitchFamily="34" charset="0"/>
+              <a:buChar char="•"/>
+              <a:defRPr sz="1800" kern="1200">
+                <a:solidFill>
+                  <a:schemeClr val="tx1"/>
+                </a:solidFill>
+                <a:latin typeface="+mn-lt"/>
+                <a:ea typeface="+mn-ea"/>
+                <a:cs typeface="+mn-cs"/>
+              </a:defRPr>
+            </a:lvl6pPr>
+            <a:lvl7pPr marL="2971800" indent="-228600" algn="l" defTabSz="914400" rtl="0" eaLnBrk="1" latinLnBrk="1" hangingPunct="1">
+              <a:lnSpc>
+                <a:spcPct val="90000"/>
+              </a:lnSpc>
+              <a:spcBef>
+                <a:spcPts val="500"/>
+              </a:spcBef>
+              <a:buFont typeface="Arial" panose="020B0604020202020204" pitchFamily="34" charset="0"/>
+              <a:buChar char="•"/>
+              <a:defRPr sz="1800" kern="1200">
+                <a:solidFill>
+                  <a:schemeClr val="tx1"/>
+                </a:solidFill>
+                <a:latin typeface="+mn-lt"/>
+                <a:ea typeface="+mn-ea"/>
+                <a:cs typeface="+mn-cs"/>
+              </a:defRPr>
+            </a:lvl7pPr>
+            <a:lvl8pPr marL="3429000" indent="-228600" algn="l" defTabSz="914400" rtl="0" eaLnBrk="1" latinLnBrk="1" hangingPunct="1">
+              <a:lnSpc>
+                <a:spcPct val="90000"/>
+              </a:lnSpc>
+              <a:spcBef>
+                <a:spcPts val="500"/>
+              </a:spcBef>
+              <a:buFont typeface="Arial" panose="020B0604020202020204" pitchFamily="34" charset="0"/>
+              <a:buChar char="•"/>
+              <a:defRPr sz="1800" kern="1200">
+                <a:solidFill>
+                  <a:schemeClr val="tx1"/>
+                </a:solidFill>
+                <a:latin typeface="+mn-lt"/>
+                <a:ea typeface="+mn-ea"/>
+                <a:cs typeface="+mn-cs"/>
+              </a:defRPr>
+            </a:lvl8pPr>
+            <a:lvl9pPr marL="3886200" indent="-228600" algn="l" defTabSz="914400" rtl="0" eaLnBrk="1" latinLnBrk="1" hangingPunct="1">
+              <a:lnSpc>
+                <a:spcPct val="90000"/>
+              </a:lnSpc>
+              <a:spcBef>
+                <a:spcPts val="500"/>
+              </a:spcBef>
+              <a:buFont typeface="Arial" panose="020B0604020202020204" pitchFamily="34" charset="0"/>
+              <a:buChar char="•"/>
+              <a:defRPr sz="1800" kern="1200">
+                <a:solidFill>
+                  <a:schemeClr val="tx1"/>
+                </a:solidFill>
+                <a:latin typeface="+mn-lt"/>
+                <a:ea typeface="+mn-ea"/>
+                <a:cs typeface="+mn-cs"/>
+              </a:defRPr>
+            </a:lvl9pPr>
+          </a:lstStyle>
+          <a:p>
+            <a:pPr>
+              <a:buFontTx/>
+              <a:buChar char="-"/>
+            </a:pPr>
+            <a:r>
+              <a:rPr lang="ko-KR" altLang="en-US" dirty="0">
+                <a:latin typeface="a천생연분" panose="02020600000000000000" pitchFamily="18" charset="-127"/>
+                <a:ea typeface="a천생연분" panose="02020600000000000000" pitchFamily="18" charset="-127"/>
+              </a:rPr>
+              <a:t> 유통기한에 따른 식품 폐기 감소</a:t>
+            </a:r>
+            <a:r>
+              <a:rPr lang="en-US" altLang="ko-KR" dirty="0">
+                <a:latin typeface="a천생연분" panose="02020600000000000000" pitchFamily="18" charset="-127"/>
+                <a:ea typeface="a천생연분" panose="02020600000000000000" pitchFamily="18" charset="-127"/>
+              </a:rPr>
+              <a:t>(</a:t>
+            </a:r>
+            <a:r>
+              <a:rPr lang="ko-KR" altLang="en-US" dirty="0">
+                <a:latin typeface="a천생연분" panose="02020600000000000000" pitchFamily="18" charset="-127"/>
+                <a:ea typeface="a천생연분" panose="02020600000000000000" pitchFamily="18" charset="-127"/>
+              </a:rPr>
+              <a:t>연간 </a:t>
+            </a:r>
+            <a:r>
+              <a:rPr lang="en-US" altLang="ko-KR" dirty="0">
+                <a:latin typeface="a천생연분" panose="02020600000000000000" pitchFamily="18" charset="-127"/>
+                <a:ea typeface="a천생연분" panose="02020600000000000000" pitchFamily="18" charset="-127"/>
+              </a:rPr>
+              <a:t>1</a:t>
+            </a:r>
+            <a:r>
+              <a:rPr lang="ko-KR" altLang="en-US" dirty="0">
+                <a:latin typeface="a천생연분" panose="02020600000000000000" pitchFamily="18" charset="-127"/>
+                <a:ea typeface="a천생연분" panose="02020600000000000000" pitchFamily="18" charset="-127"/>
+              </a:rPr>
+              <a:t>조원의 손실 발생</a:t>
+            </a:r>
+            <a:r>
+              <a:rPr lang="en-US" altLang="ko-KR" dirty="0">
+                <a:latin typeface="a천생연분" panose="02020600000000000000" pitchFamily="18" charset="-127"/>
+                <a:ea typeface="a천생연분" panose="02020600000000000000" pitchFamily="18" charset="-127"/>
+              </a:rPr>
+              <a:t>)</a:t>
+            </a:r>
+          </a:p>
+          <a:p>
+            <a:pPr>
+              <a:buFontTx/>
+              <a:buChar char="-"/>
+            </a:pPr>
+            <a:r>
+              <a:rPr lang="ko-KR" altLang="en-US" dirty="0">
+                <a:latin typeface="a천생연분" panose="02020600000000000000" pitchFamily="18" charset="-127"/>
+                <a:ea typeface="a천생연분" panose="02020600000000000000" pitchFamily="18" charset="-127"/>
+              </a:rPr>
+              <a:t> 불필요한 지출 최소화</a:t>
+            </a:r>
+            <a:endParaRPr lang="en-US" altLang="ko-KR" dirty="0">
+              <a:latin typeface="a천생연분" panose="02020600000000000000" pitchFamily="18" charset="-127"/>
+              <a:ea typeface="a천생연분" panose="02020600000000000000" pitchFamily="18" charset="-127"/>
+            </a:endParaRPr>
+          </a:p>
+        </p:txBody>
+      </p:sp>
     </p:spTree>
     <p:extLst>
       <p:ext uri="{BB962C8B-B14F-4D97-AF65-F5344CB8AC3E}">
-        <p14:creationId xmlns:p14="http://schemas.microsoft.com/office/powerpoint/2010/main" val="3109218373"/>
+        <p14:creationId xmlns:p14="http://schemas.microsoft.com/office/powerpoint/2010/main" val="3128159943"/>
       </p:ext>
     </p:extLst>
   </p:cSld>
@@ -4710,7 +6790,7 @@
           <p:cNvPr id="2" name="제목 1">
             <a:extLst>
               <a:ext uri="{FF2B5EF4-FFF2-40B4-BE49-F238E27FC236}">
-                <a16:creationId xmlns:a16="http://schemas.microsoft.com/office/drawing/2014/main" id="{D009BAB8-0994-4EA2-A370-4DD8EFA06845}"/>
+                <a16:creationId xmlns:a16="http://schemas.microsoft.com/office/drawing/2014/main" id="{BC24B1AE-7769-4295-824F-55EB3FFB2F35}"/>
               </a:ext>
             </a:extLst>
           </p:cNvPr>
@@ -4731,6 +6811,96 @@
                 <a:latin typeface="a솜사탕" panose="02020600000000000000" pitchFamily="18" charset="-127"/>
                 <a:ea typeface="a솜사탕" panose="02020600000000000000" pitchFamily="18" charset="-127"/>
               </a:rPr>
+              <a:t>컨텍스트 다이어그램</a:t>
+            </a:r>
+          </a:p>
+        </p:txBody>
+      </p:sp>
+      <p:pic>
+        <p:nvPicPr>
+          <p:cNvPr id="4" name="그림 3">
+            <a:extLst>
+              <a:ext uri="{FF2B5EF4-FFF2-40B4-BE49-F238E27FC236}">
+                <a16:creationId xmlns:a16="http://schemas.microsoft.com/office/drawing/2014/main" id="{26A531A6-C2A1-492B-87D1-FEC40DF9407A}"/>
+              </a:ext>
+            </a:extLst>
+          </p:cNvPr>
+          <p:cNvPicPr>
+            <a:picLocks noChangeAspect="1"/>
+          </p:cNvPicPr>
+          <p:nvPr/>
+        </p:nvPicPr>
+        <p:blipFill rotWithShape="1">
+          <a:blip r:embed="rId2"/>
+          <a:srcRect r="3705"/>
+          <a:stretch/>
+        </p:blipFill>
+        <p:spPr>
+          <a:xfrm>
+            <a:off x="689882" y="2370889"/>
+            <a:ext cx="10812236" cy="2957925"/>
+          </a:xfrm>
+          <a:prstGeom prst="rect">
+            <a:avLst/>
+          </a:prstGeom>
+        </p:spPr>
+      </p:pic>
+    </p:spTree>
+    <p:extLst>
+      <p:ext uri="{BB962C8B-B14F-4D97-AF65-F5344CB8AC3E}">
+        <p14:creationId xmlns:p14="http://schemas.microsoft.com/office/powerpoint/2010/main" val="3109218373"/>
+      </p:ext>
+    </p:extLst>
+  </p:cSld>
+  <p:clrMapOvr>
+    <a:masterClrMapping/>
+  </p:clrMapOvr>
+</p:sld>
+</file>
+
+<file path=ppt/slides/slide5.xml><?xml version="1.0" encoding="utf-8"?>
+<p:sld xmlns:a="http://schemas.openxmlformats.org/drawingml/2006/main" xmlns:r="http://schemas.openxmlformats.org/officeDocument/2006/relationships" xmlns:p="http://schemas.openxmlformats.org/presentationml/2006/main">
+  <p:cSld>
+    <p:spTree>
+      <p:nvGrpSpPr>
+        <p:cNvPr id="1" name=""/>
+        <p:cNvGrpSpPr/>
+        <p:nvPr/>
+      </p:nvGrpSpPr>
+      <p:grpSpPr>
+        <a:xfrm>
+          <a:off x="0" y="0"/>
+          <a:ext cx="0" cy="0"/>
+          <a:chOff x="0" y="0"/>
+          <a:chExt cx="0" cy="0"/>
+        </a:xfrm>
+      </p:grpSpPr>
+      <p:sp>
+        <p:nvSpPr>
+          <p:cNvPr id="2" name="제목 1">
+            <a:extLst>
+              <a:ext uri="{FF2B5EF4-FFF2-40B4-BE49-F238E27FC236}">
+                <a16:creationId xmlns:a16="http://schemas.microsoft.com/office/drawing/2014/main" id="{D009BAB8-0994-4EA2-A370-4DD8EFA06845}"/>
+              </a:ext>
+            </a:extLst>
+          </p:cNvPr>
+          <p:cNvSpPr>
+            <a:spLocks noGrp="1"/>
+          </p:cNvSpPr>
+          <p:nvPr>
+            <p:ph type="title"/>
+          </p:nvPr>
+        </p:nvSpPr>
+        <p:spPr/>
+        <p:txBody>
+          <a:bodyPr/>
+          <a:lstStyle/>
+          <a:p>
+            <a:r>
+              <a:rPr lang="ko-KR" altLang="en-US" dirty="0">
+                <a:latin typeface="a솜사탕" panose="02020600000000000000" pitchFamily="18" charset="-127"/>
+                <a:ea typeface="a솜사탕" panose="02020600000000000000" pitchFamily="18" charset="-127"/>
+              </a:rPr>
               <a:t>주요요구사항</a:t>
             </a:r>
           </a:p>
@@ -4754,13 +6924,13 @@
         </p:nvSpPr>
         <p:spPr>
           <a:xfrm>
-            <a:off x="617219" y="2627312"/>
-            <a:ext cx="10957561" cy="1603375"/>
+            <a:off x="617219" y="2097427"/>
+            <a:ext cx="10957561" cy="3283631"/>
           </a:xfrm>
         </p:spPr>
         <p:txBody>
           <a:bodyPr>
-            <a:normAutofit fontScale="92500" lnSpcReduction="20000"/>
+            <a:normAutofit/>
           </a:bodyPr>
           <a:lstStyle/>
           <a:p>
@@ -4768,11 +6938,46 @@
               <a:buNone/>
             </a:pPr>
             <a:r>
+              <a:rPr lang="en-US" altLang="ko-KR" dirty="0">
+                <a:latin typeface="a천생연분" panose="02020600000000000000" pitchFamily="18" charset="-127"/>
+                <a:ea typeface="a천생연분" panose="02020600000000000000" pitchFamily="18" charset="-127"/>
+              </a:rPr>
+              <a:t>Who? </a:t>
+            </a:r>
+            <a:r>
               <a:rPr lang="ko-KR" altLang="en-US" dirty="0">
                 <a:latin typeface="a천생연분" panose="02020600000000000000" pitchFamily="18" charset="-127"/>
                 <a:ea typeface="a천생연분" panose="02020600000000000000" pitchFamily="18" charset="-127"/>
               </a:rPr>
-              <a:t>자취생과 주부 등이</a:t>
+              <a:t>자취생</a:t>
+            </a:r>
+            <a:r>
+              <a:rPr lang="en-US" altLang="ko-KR" dirty="0">
+                <a:latin typeface="a천생연분" panose="02020600000000000000" pitchFamily="18" charset="-127"/>
+                <a:ea typeface="a천생연분" panose="02020600000000000000" pitchFamily="18" charset="-127"/>
+              </a:rPr>
+              <a:t>, </a:t>
+            </a:r>
+            <a:r>
+              <a:rPr lang="ko-KR" altLang="en-US" dirty="0">
+                <a:latin typeface="a천생연분" panose="02020600000000000000" pitchFamily="18" charset="-127"/>
+                <a:ea typeface="a천생연분" panose="02020600000000000000" pitchFamily="18" charset="-127"/>
+              </a:rPr>
+              <a:t>주부</a:t>
+            </a:r>
+            <a:r>
+              <a:rPr lang="en-US" altLang="ko-KR" dirty="0">
+                <a:latin typeface="a천생연분" panose="02020600000000000000" pitchFamily="18" charset="-127"/>
+                <a:ea typeface="a천생연분" panose="02020600000000000000" pitchFamily="18" charset="-127"/>
+              </a:rPr>
+              <a:t>, </a:t>
+            </a:r>
+            <a:r>
+              <a:rPr lang="ko-KR" altLang="en-US" dirty="0">
+                <a:latin typeface="a천생연분" panose="02020600000000000000" pitchFamily="18" charset="-127"/>
+                <a:ea typeface="a천생연분" panose="02020600000000000000" pitchFamily="18" charset="-127"/>
+              </a:rPr>
+              <a:t>식당 관계자 등</a:t>
             </a:r>
             <a:endParaRPr lang="en-US" altLang="ko-KR" dirty="0">
               <a:latin typeface="a천생연분" panose="02020600000000000000" pitchFamily="18" charset="-127"/>
@@ -4783,13 +6988,6 @@
             <a:pPr marL="0" indent="0">
               <a:buNone/>
             </a:pPr>
-            <a:r>
-              <a:rPr lang="ko-KR" altLang="en-US" dirty="0">
-                <a:latin typeface="a천생연분" panose="02020600000000000000" pitchFamily="18" charset="-127"/>
-                <a:ea typeface="a천생연분" panose="02020600000000000000" pitchFamily="18" charset="-127"/>
-              </a:rPr>
-              <a:t>음식물쓰레기와 불필요한 지출을 감소시키기 위해</a:t>
-            </a:r>
             <a:endParaRPr lang="en-US" altLang="ko-KR" dirty="0">
               <a:latin typeface="a천생연분" panose="02020600000000000000" pitchFamily="18" charset="-127"/>
               <a:ea typeface="a천생연분" panose="02020600000000000000" pitchFamily="18" charset="-127"/>
@@ -4800,22 +6998,92 @@
               <a:buNone/>
             </a:pPr>
             <a:r>
+              <a:rPr lang="en-US" altLang="ko-KR" dirty="0">
+                <a:latin typeface="a천생연분" panose="02020600000000000000" pitchFamily="18" charset="-127"/>
+                <a:ea typeface="a천생연분" panose="02020600000000000000" pitchFamily="18" charset="-127"/>
+              </a:rPr>
+              <a:t>Why? </a:t>
+            </a:r>
+            <a:r>
               <a:rPr lang="ko-KR" altLang="en-US" dirty="0">
                 <a:latin typeface="a천생연분" panose="02020600000000000000" pitchFamily="18" charset="-127"/>
                 <a:ea typeface="a천생연분" panose="02020600000000000000" pitchFamily="18" charset="-127"/>
               </a:rPr>
-              <a:t>보관 방법에 따른 권장기한을 추천 받아 식품 관리를 효율적으로 하길 원한다</a:t>
-            </a:r>
+              <a:t>식자재 관리를 용이하게 하여</a:t>
+            </a:r>
+            <a:endParaRPr lang="en-US" altLang="ko-KR" dirty="0">
+              <a:latin typeface="a천생연분" panose="02020600000000000000" pitchFamily="18" charset="-127"/>
+              <a:ea typeface="a천생연분" panose="02020600000000000000" pitchFamily="18" charset="-127"/>
+            </a:endParaRPr>
+          </a:p>
+          <a:p>
+            <a:pPr marL="0" indent="0">
+              <a:buNone/>
+            </a:pPr>
             <a:r>
               <a:rPr lang="en-US" altLang="ko-KR" dirty="0">
                 <a:latin typeface="a천생연분" panose="02020600000000000000" pitchFamily="18" charset="-127"/>
                 <a:ea typeface="a천생연분" panose="02020600000000000000" pitchFamily="18" charset="-127"/>
               </a:rPr>
+              <a:t>          </a:t>
+            </a:r>
+            <a:r>
+              <a:rPr lang="ko-KR" altLang="en-US" dirty="0">
+                <a:latin typeface="a천생연분" panose="02020600000000000000" pitchFamily="18" charset="-127"/>
+                <a:ea typeface="a천생연분" panose="02020600000000000000" pitchFamily="18" charset="-127"/>
+              </a:rPr>
+              <a:t>음식물 쓰레기를 줄이고</a:t>
+            </a:r>
+            <a:r>
+              <a:rPr lang="en-US" altLang="ko-KR" dirty="0">
+                <a:latin typeface="a천생연분" panose="02020600000000000000" pitchFamily="18" charset="-127"/>
+                <a:ea typeface="a천생연분" panose="02020600000000000000" pitchFamily="18" charset="-127"/>
+              </a:rPr>
+              <a:t> </a:t>
+            </a:r>
+            <a:r>
+              <a:rPr lang="ko-KR" altLang="en-US" dirty="0">
+                <a:latin typeface="a천생연분" panose="02020600000000000000" pitchFamily="18" charset="-127"/>
+                <a:ea typeface="a천생연분" panose="02020600000000000000" pitchFamily="18" charset="-127"/>
+              </a:rPr>
+              <a:t>불필요한 지출을 감소하기 위함</a:t>
+            </a:r>
+            <a:r>
+              <a:rPr lang="en-US" altLang="ko-KR" dirty="0">
+                <a:latin typeface="a천생연분" panose="02020600000000000000" pitchFamily="18" charset="-127"/>
+                <a:ea typeface="a천생연분" panose="02020600000000000000" pitchFamily="18" charset="-127"/>
+              </a:rPr>
               <a:t>.</a:t>
             </a:r>
           </a:p>
           <a:p>
-            <a:endParaRPr lang="ko-KR" altLang="en-US" dirty="0">
+            <a:pPr marL="0" indent="0">
+              <a:buNone/>
+            </a:pPr>
+            <a:endParaRPr lang="en-US" altLang="ko-KR" dirty="0">
+              <a:latin typeface="a천생연분" panose="02020600000000000000" pitchFamily="18" charset="-127"/>
+              <a:ea typeface="a천생연분" panose="02020600000000000000" pitchFamily="18" charset="-127"/>
+            </a:endParaRPr>
+          </a:p>
+          <a:p>
+            <a:pPr marL="0" indent="0">
+              <a:buNone/>
+            </a:pPr>
+            <a:r>
+              <a:rPr lang="en-US" altLang="ko-KR" dirty="0">
+                <a:latin typeface="a천생연분" panose="02020600000000000000" pitchFamily="18" charset="-127"/>
+                <a:ea typeface="a천생연분" panose="02020600000000000000" pitchFamily="18" charset="-127"/>
+              </a:rPr>
+              <a:t>What? </a:t>
+            </a:r>
+            <a:r>
+              <a:rPr lang="ko-KR" altLang="en-US" dirty="0">
+                <a:latin typeface="a천생연분" panose="02020600000000000000" pitchFamily="18" charset="-127"/>
+                <a:ea typeface="a천생연분" panose="02020600000000000000" pitchFamily="18" charset="-127"/>
+              </a:rPr>
+              <a:t>식품에 대한 올바른 소비기한 요구</a:t>
+            </a:r>
+            <a:endParaRPr lang="en-US" altLang="ko-KR" dirty="0">
               <a:latin typeface="a천생연분" panose="02020600000000000000" pitchFamily="18" charset="-127"/>
               <a:ea typeface="a천생연분" panose="02020600000000000000" pitchFamily="18" charset="-127"/>
             </a:endParaRPr>
@@ -4835,7 +7103,7 @@
 </p:sld>
 </file>
 
-<file path=ppt/slides/slide5.xml><?xml version="1.0" encoding="utf-8"?>
+<file path=ppt/slides/slide6.xml><?xml version="1.0" encoding="utf-8"?>
 <p:sld xmlns:a="http://schemas.openxmlformats.org/drawingml/2006/main" xmlns:r="http://schemas.openxmlformats.org/officeDocument/2006/relationships" xmlns:p="http://schemas.openxmlformats.org/presentationml/2006/main">
   <p:cSld>
     <p:spTree>
@@ -5412,7 +7680,7 @@
 </p:sld>
 </file>
 
-<file path=ppt/slides/slide6.xml><?xml version="1.0" encoding="utf-8"?>
+<file path=ppt/slides/slide7.xml><?xml version="1.0" encoding="utf-8"?>
 <p:sld xmlns:a="http://schemas.openxmlformats.org/drawingml/2006/main" xmlns:r="http://schemas.openxmlformats.org/officeDocument/2006/relationships" xmlns:p="http://schemas.openxmlformats.org/presentationml/2006/main">
   <p:cSld>
     <p:spTree>
@@ -5918,7 +8186,7 @@
 </p:sld>
 </file>
 
-<file path=ppt/slides/slide7.xml><?xml version="1.0" encoding="utf-8"?>
+<file path=ppt/slides/slide8.xml><?xml version="1.0" encoding="utf-8"?>
 <p:sld xmlns:a="http://schemas.openxmlformats.org/drawingml/2006/main" xmlns:r="http://schemas.openxmlformats.org/officeDocument/2006/relationships" xmlns:p="http://schemas.openxmlformats.org/presentationml/2006/main">
   <p:cSld>
     <p:spTree>
@@ -6356,95 +8624,6 @@
 </p:sld>
 </file>
 
-<file path=ppt/slides/slide8.xml><?xml version="1.0" encoding="utf-8"?>
-<p:sld xmlns:a="http://schemas.openxmlformats.org/drawingml/2006/main" xmlns:r="http://schemas.openxmlformats.org/officeDocument/2006/relationships" xmlns:p="http://schemas.openxmlformats.org/presentationml/2006/main">
-  <p:cSld>
-    <p:spTree>
-      <p:nvGrpSpPr>
-        <p:cNvPr id="1" name=""/>
-        <p:cNvGrpSpPr/>
-        <p:nvPr/>
-      </p:nvGrpSpPr>
-      <p:grpSpPr>
-        <a:xfrm>
-          <a:off x="0" y="0"/>
-          <a:ext cx="0" cy="0"/>
-          <a:chOff x="0" y="0"/>
-          <a:chExt cx="0" cy="0"/>
-        </a:xfrm>
-      </p:grpSpPr>
-      <p:sp>
-        <p:nvSpPr>
-          <p:cNvPr id="2" name="제목 1">
-            <a:extLst>
-              <a:ext uri="{FF2B5EF4-FFF2-40B4-BE49-F238E27FC236}">
-                <a16:creationId xmlns:a16="http://schemas.microsoft.com/office/drawing/2014/main" id="{805C7EF9-5B1F-490A-97AE-FF6461246548}"/>
-              </a:ext>
-            </a:extLst>
-          </p:cNvPr>
-          <p:cNvSpPr>
-            <a:spLocks noGrp="1"/>
-          </p:cNvSpPr>
-          <p:nvPr>
-            <p:ph type="title"/>
-          </p:nvPr>
-        </p:nvSpPr>
-        <p:spPr/>
-        <p:txBody>
-          <a:bodyPr/>
-          <a:lstStyle/>
-          <a:p>
-            <a:r>
-              <a:rPr lang="ko-KR" altLang="en-US" dirty="0">
-                <a:latin typeface="a솜사탕" panose="02020600000000000000" pitchFamily="18" charset="-127"/>
-                <a:ea typeface="a솜사탕" panose="02020600000000000000" pitchFamily="18" charset="-127"/>
-              </a:rPr>
-              <a:t>기술 조사 내용</a:t>
-            </a:r>
-          </a:p>
-        </p:txBody>
-      </p:sp>
-      <p:sp>
-        <p:nvSpPr>
-          <p:cNvPr id="3" name="내용 개체 틀 2">
-            <a:extLst>
-              <a:ext uri="{FF2B5EF4-FFF2-40B4-BE49-F238E27FC236}">
-                <a16:creationId xmlns:a16="http://schemas.microsoft.com/office/drawing/2014/main" id="{C1A20ADB-8DAC-44E3-9C5F-F82E8B550458}"/>
-              </a:ext>
-            </a:extLst>
-          </p:cNvPr>
-          <p:cNvSpPr>
-            <a:spLocks noGrp="1"/>
-          </p:cNvSpPr>
-          <p:nvPr>
-            <p:ph idx="1"/>
-          </p:nvPr>
-        </p:nvSpPr>
-        <p:spPr/>
-        <p:txBody>
-          <a:bodyPr/>
-          <a:lstStyle/>
-          <a:p>
-            <a:endParaRPr lang="ko-KR" altLang="en-US" dirty="0">
-              <a:latin typeface="a천생연분" panose="02020600000000000000" pitchFamily="18" charset="-127"/>
-              <a:ea typeface="a천생연분" panose="02020600000000000000" pitchFamily="18" charset="-127"/>
-            </a:endParaRPr>
-          </a:p>
-        </p:txBody>
-      </p:sp>
-    </p:spTree>
-    <p:extLst>
-      <p:ext uri="{BB962C8B-B14F-4D97-AF65-F5344CB8AC3E}">
-        <p14:creationId xmlns:p14="http://schemas.microsoft.com/office/powerpoint/2010/main" val="2039440043"/>
-      </p:ext>
-    </p:extLst>
-  </p:cSld>
-  <p:clrMapOvr>
-    <a:masterClrMapping/>
-  </p:clrMapOvr>
-</p:sld>
-</file>
-
 <file path=ppt/slides/slide9.xml><?xml version="1.0" encoding="utf-8"?>
 <p:sld xmlns:a="http://schemas.openxmlformats.org/drawingml/2006/main" xmlns:r="http://schemas.openxmlformats.org/officeDocument/2006/relationships" xmlns:p="http://schemas.openxmlformats.org/presentationml/2006/main">
   <p:cSld>
@@ -6462,89 +8641,102 @@
           <a:chExt cx="0" cy="0"/>
         </a:xfrm>
       </p:grpSpPr>
-      <p:pic>
-        <p:nvPicPr>
-          <p:cNvPr id="3" name="그림 2">
-            <a:extLst>
-              <a:ext uri="{FF2B5EF4-FFF2-40B4-BE49-F238E27FC236}">
-                <a16:creationId xmlns:a16="http://schemas.microsoft.com/office/drawing/2014/main" id="{3F09CA1F-4AC5-4A7D-99FE-46531C7FCB6B}"/>
-              </a:ext>
-            </a:extLst>
-          </p:cNvPr>
-          <p:cNvPicPr>
-            <a:picLocks noChangeAspect="1"/>
-          </p:cNvPicPr>
+      <p:sp>
+        <p:nvSpPr>
+          <p:cNvPr id="2" name="제목 1">
+            <a:extLst>
+              <a:ext uri="{FF2B5EF4-FFF2-40B4-BE49-F238E27FC236}">
+                <a16:creationId xmlns:a16="http://schemas.microsoft.com/office/drawing/2014/main" id="{805C7EF9-5B1F-490A-97AE-FF6461246548}"/>
+              </a:ext>
+            </a:extLst>
+          </p:cNvPr>
+          <p:cNvSpPr>
+            <a:spLocks noGrp="1"/>
+          </p:cNvSpPr>
+          <p:nvPr>
+            <p:ph type="title"/>
+          </p:nvPr>
+        </p:nvSpPr>
+        <p:spPr/>
+        <p:txBody>
+          <a:bodyPr/>
+          <a:lstStyle/>
+          <a:p>
+            <a:r>
+              <a:rPr lang="ko-KR" altLang="en-US" dirty="0">
+                <a:latin typeface="a솜사탕" panose="02020600000000000000" pitchFamily="18" charset="-127"/>
+                <a:ea typeface="a솜사탕" panose="02020600000000000000" pitchFamily="18" charset="-127"/>
+              </a:rPr>
+              <a:t>진행계획</a:t>
+            </a:r>
+            <a:r>
+              <a:rPr lang="en-US" altLang="ko-KR" sz="2800" dirty="0">
+                <a:latin typeface="a솜사탕" panose="02020600000000000000" pitchFamily="18" charset="-127"/>
+                <a:ea typeface="a솜사탕" panose="02020600000000000000" pitchFamily="18" charset="-127"/>
+              </a:rPr>
+              <a:t>(1</a:t>
+            </a:r>
+            <a:r>
+              <a:rPr lang="ko-KR" altLang="en-US" sz="2800" dirty="0">
+                <a:latin typeface="a솜사탕" panose="02020600000000000000" pitchFamily="18" charset="-127"/>
+                <a:ea typeface="a솜사탕" panose="02020600000000000000" pitchFamily="18" charset="-127"/>
+              </a:rPr>
+              <a:t>주차</a:t>
+            </a:r>
+            <a:r>
+              <a:rPr lang="en-US" altLang="ko-KR" sz="2800" dirty="0">
+                <a:latin typeface="a솜사탕" panose="02020600000000000000" pitchFamily="18" charset="-127"/>
+                <a:ea typeface="a솜사탕" panose="02020600000000000000" pitchFamily="18" charset="-127"/>
+              </a:rPr>
+              <a:t>~</a:t>
+            </a:r>
+            <a:r>
+              <a:rPr lang="ko-KR" altLang="en-US" sz="2800" dirty="0">
+                <a:latin typeface="a솜사탕" panose="02020600000000000000" pitchFamily="18" charset="-127"/>
+                <a:ea typeface="a솜사탕" panose="02020600000000000000" pitchFamily="18" charset="-127"/>
+              </a:rPr>
+              <a:t>중간발표</a:t>
+            </a:r>
+            <a:r>
+              <a:rPr lang="en-US" altLang="ko-KR" sz="2800" dirty="0">
+                <a:latin typeface="a솜사탕" panose="02020600000000000000" pitchFamily="18" charset="-127"/>
+                <a:ea typeface="a솜사탕" panose="02020600000000000000" pitchFamily="18" charset="-127"/>
+              </a:rPr>
+              <a:t>)</a:t>
+            </a:r>
+            <a:endParaRPr lang="ko-KR" altLang="en-US" sz="2800" dirty="0">
+              <a:latin typeface="a솜사탕" panose="02020600000000000000" pitchFamily="18" charset="-127"/>
+              <a:ea typeface="a솜사탕" panose="02020600000000000000" pitchFamily="18" charset="-127"/>
+            </a:endParaRPr>
+          </a:p>
+        </p:txBody>
+      </p:sp>
+      <p:sp>
+        <p:nvSpPr>
+          <p:cNvPr id="16" name="사각형: 둥근 모서리 15">
+            <a:extLst>
+              <a:ext uri="{FF2B5EF4-FFF2-40B4-BE49-F238E27FC236}">
+                <a16:creationId xmlns:a16="http://schemas.microsoft.com/office/drawing/2014/main" id="{E7734A41-02CB-4B8B-B6ED-07594793EE51}"/>
+              </a:ext>
+            </a:extLst>
+          </p:cNvPr>
+          <p:cNvSpPr/>
           <p:nvPr/>
-        </p:nvPicPr>
-        <p:blipFill>
-          <a:blip r:embed="rId2"/>
-          <a:stretch>
-            <a:fillRect/>
-          </a:stretch>
-        </p:blipFill>
+        </p:nvSpPr>
         <p:spPr>
           <a:xfrm>
-            <a:off x="5448314" y="1016679"/>
-            <a:ext cx="2979568" cy="4767309"/>
+            <a:off x="612011" y="1963950"/>
+            <a:ext cx="1568704" cy="729591"/>
           </a:xfrm>
-          <a:prstGeom prst="rect">
+          <a:prstGeom prst="roundRect">
             <a:avLst/>
           </a:prstGeom>
-        </p:spPr>
-      </p:pic>
-      <p:pic>
-        <p:nvPicPr>
-          <p:cNvPr id="17" name="그림 16">
-            <a:extLst>
-              <a:ext uri="{FF2B5EF4-FFF2-40B4-BE49-F238E27FC236}">
-                <a16:creationId xmlns:a16="http://schemas.microsoft.com/office/drawing/2014/main" id="{C7A317FC-E4D3-4ABD-87D0-571C28DBF48B}"/>
-              </a:ext>
-            </a:extLst>
-          </p:cNvPr>
-          <p:cNvPicPr>
-            <a:picLocks noChangeAspect="1"/>
-          </p:cNvPicPr>
-          <p:nvPr/>
-        </p:nvPicPr>
-        <p:blipFill rotWithShape="1">
-          <a:blip r:embed="rId3"/>
-          <a:srcRect l="-1125" t="2260" r="70089" b="59899"/>
-          <a:stretch/>
-        </p:blipFill>
-        <p:spPr>
-          <a:xfrm>
-            <a:off x="9390257" y="1891321"/>
-            <a:ext cx="1449193" cy="3799077"/>
-          </a:xfrm>
-          <a:prstGeom prst="rect">
-            <a:avLst/>
-          </a:prstGeom>
-        </p:spPr>
-      </p:pic>
-      <p:sp>
-        <p:nvSpPr>
-          <p:cNvPr id="6" name="타원 5">
-            <a:extLst>
-              <a:ext uri="{FF2B5EF4-FFF2-40B4-BE49-F238E27FC236}">
-                <a16:creationId xmlns:a16="http://schemas.microsoft.com/office/drawing/2014/main" id="{42BFC21B-908B-4B92-8407-425342770720}"/>
-              </a:ext>
-            </a:extLst>
-          </p:cNvPr>
-          <p:cNvSpPr/>
-          <p:nvPr/>
-        </p:nvSpPr>
-        <p:spPr>
-          <a:xfrm>
-            <a:off x="5879673" y="1453870"/>
-            <a:ext cx="830956" cy="2058893"/>
-          </a:xfrm>
-          <a:prstGeom prst="ellipse">
-            <a:avLst/>
-          </a:prstGeom>
-          <a:noFill/>
-          <a:ln w="57150">
+          <a:solidFill>
+            <a:srgbClr val="FED4D5"/>
+          </a:solidFill>
+          <a:ln>
             <a:solidFill>
-              <a:srgbClr val="C00000"/>
+              <a:schemeClr val="tx1"/>
             </a:solidFill>
           </a:ln>
         </p:spPr>
@@ -6569,335 +8761,1509 @@
           <a:lstStyle/>
           <a:p>
             <a:pPr algn="ctr"/>
-            <a:endParaRPr lang="ko-KR" altLang="en-US"/>
-          </a:p>
-        </p:txBody>
-      </p:sp>
-      <p:cxnSp>
-        <p:nvCxnSpPr>
-          <p:cNvPr id="10" name="직선 화살표 연결선 9">
-            <a:extLst>
-              <a:ext uri="{FF2B5EF4-FFF2-40B4-BE49-F238E27FC236}">
-                <a16:creationId xmlns:a16="http://schemas.microsoft.com/office/drawing/2014/main" id="{B5D42F5F-2722-401F-83FF-E4AB33F51022}"/>
-              </a:ext>
-            </a:extLst>
-          </p:cNvPr>
-          <p:cNvCxnSpPr>
-            <a:cxnSpLocks/>
-          </p:cNvCxnSpPr>
+            <a:r>
+              <a:rPr lang="en-US" altLang="ko-KR" sz="1600" dirty="0">
+                <a:solidFill>
+                  <a:schemeClr val="tx1"/>
+                </a:solidFill>
+              </a:rPr>
+              <a:t>1</a:t>
+            </a:r>
+            <a:r>
+              <a:rPr lang="ko-KR" altLang="en-US" sz="1600" dirty="0">
+                <a:solidFill>
+                  <a:schemeClr val="tx1"/>
+                </a:solidFill>
+              </a:rPr>
+              <a:t>주차</a:t>
+            </a:r>
+            <a:endParaRPr lang="en-US" altLang="ko-KR" sz="1600" dirty="0">
+              <a:solidFill>
+                <a:schemeClr val="tx1"/>
+              </a:solidFill>
+            </a:endParaRPr>
+          </a:p>
+          <a:p>
+            <a:pPr algn="ctr"/>
+            <a:r>
+              <a:rPr lang="en-US" altLang="ko-KR" sz="1600" dirty="0">
+                <a:solidFill>
+                  <a:schemeClr val="tx1"/>
+                </a:solidFill>
+              </a:rPr>
+              <a:t>(09.07-09.13)</a:t>
+            </a:r>
+            <a:endParaRPr lang="ko-KR" altLang="en-US" sz="1600" dirty="0">
+              <a:solidFill>
+                <a:schemeClr val="tx1"/>
+              </a:solidFill>
+            </a:endParaRPr>
+          </a:p>
+        </p:txBody>
+      </p:sp>
+      <p:sp>
+        <p:nvSpPr>
+          <p:cNvPr id="17" name="사각형: 둥근 모서리 16">
+            <a:extLst>
+              <a:ext uri="{FF2B5EF4-FFF2-40B4-BE49-F238E27FC236}">
+                <a16:creationId xmlns:a16="http://schemas.microsoft.com/office/drawing/2014/main" id="{C640A53F-E7CE-4440-9851-8E418807575A}"/>
+              </a:ext>
+            </a:extLst>
+          </p:cNvPr>
+          <p:cNvSpPr/>
           <p:nvPr/>
-        </p:nvCxnSpPr>
+        </p:nvSpPr>
         <p:spPr>
           <a:xfrm>
-            <a:off x="6710629" y="2324009"/>
-            <a:ext cx="2679628" cy="1076325"/>
+            <a:off x="2180714" y="1963950"/>
+            <a:ext cx="1568704" cy="729591"/>
           </a:xfrm>
-          <a:prstGeom prst="straightConnector1">
+          <a:prstGeom prst="roundRect">
             <a:avLst/>
           </a:prstGeom>
-          <a:ln w="57150">
+          <a:solidFill>
+            <a:srgbClr val="FEB0B0"/>
+          </a:solidFill>
+          <a:ln>
             <a:solidFill>
-              <a:srgbClr val="C00000"/>
+              <a:schemeClr val="tx1"/>
             </a:solidFill>
-            <a:tailEnd type="triangle"/>
           </a:ln>
         </p:spPr>
         <p:style>
-          <a:lnRef idx="1">
-            <a:schemeClr val="accent1"/>
+          <a:lnRef idx="2">
+            <a:schemeClr val="accent1">
+              <a:shade val="50000"/>
+            </a:schemeClr>
           </a:lnRef>
-          <a:fillRef idx="0">
+          <a:fillRef idx="1">
             <a:schemeClr val="accent1"/>
           </a:fillRef>
           <a:effectRef idx="0">
             <a:schemeClr val="accent1"/>
           </a:effectRef>
           <a:fontRef idx="minor">
-            <a:schemeClr val="tx1"/>
+            <a:schemeClr val="lt1"/>
           </a:fontRef>
         </p:style>
-      </p:cxnSp>
-      <p:pic>
-        <p:nvPicPr>
-          <p:cNvPr id="12" name="그림 11">
-            <a:extLst>
-              <a:ext uri="{FF2B5EF4-FFF2-40B4-BE49-F238E27FC236}">
-                <a16:creationId xmlns:a16="http://schemas.microsoft.com/office/drawing/2014/main" id="{B3EAC4A3-6959-41DF-A7A6-2B71C59E0569}"/>
-              </a:ext>
-            </a:extLst>
-          </p:cNvPr>
-          <p:cNvPicPr>
-            <a:picLocks noChangeAspect="1"/>
-          </p:cNvPicPr>
+        <p:txBody>
+          <a:bodyPr rtlCol="0" anchor="ctr"/>
+          <a:lstStyle/>
+          <a:p>
+            <a:pPr algn="ctr"/>
+            <a:r>
+              <a:rPr lang="en-US" altLang="ko-KR" sz="1600" dirty="0">
+                <a:solidFill>
+                  <a:schemeClr val="tx1"/>
+                </a:solidFill>
+              </a:rPr>
+              <a:t>2</a:t>
+            </a:r>
+            <a:r>
+              <a:rPr lang="ko-KR" altLang="en-US" sz="1600" dirty="0">
+                <a:solidFill>
+                  <a:schemeClr val="tx1"/>
+                </a:solidFill>
+              </a:rPr>
+              <a:t>주차</a:t>
+            </a:r>
+            <a:endParaRPr lang="en-US" altLang="ko-KR" sz="1600" dirty="0">
+              <a:solidFill>
+                <a:schemeClr val="tx1"/>
+              </a:solidFill>
+            </a:endParaRPr>
+          </a:p>
+          <a:p>
+            <a:pPr algn="ctr"/>
+            <a:r>
+              <a:rPr lang="en-US" altLang="ko-KR" sz="1600" dirty="0">
+                <a:solidFill>
+                  <a:schemeClr val="tx1"/>
+                </a:solidFill>
+              </a:rPr>
+              <a:t>(09.14-09.20)</a:t>
+            </a:r>
+            <a:endParaRPr lang="ko-KR" altLang="en-US" sz="1600" dirty="0">
+              <a:solidFill>
+                <a:schemeClr val="tx1"/>
+              </a:solidFill>
+            </a:endParaRPr>
+          </a:p>
+        </p:txBody>
+      </p:sp>
+      <p:sp>
+        <p:nvSpPr>
+          <p:cNvPr id="18" name="사각형: 둥근 모서리 17">
+            <a:extLst>
+              <a:ext uri="{FF2B5EF4-FFF2-40B4-BE49-F238E27FC236}">
+                <a16:creationId xmlns:a16="http://schemas.microsoft.com/office/drawing/2014/main" id="{DD8AF9AA-7137-40E0-BCEE-A0570A24A99F}"/>
+              </a:ext>
+            </a:extLst>
+          </p:cNvPr>
+          <p:cNvSpPr/>
           <p:nvPr/>
-        </p:nvPicPr>
-        <p:blipFill>
-          <a:blip r:embed="rId4"/>
-          <a:stretch>
-            <a:fillRect/>
-          </a:stretch>
-        </p:blipFill>
+        </p:nvSpPr>
         <p:spPr>
           <a:xfrm>
-            <a:off x="1134191" y="2312670"/>
-            <a:ext cx="2913217" cy="3076575"/>
+            <a:off x="3742944" y="1963951"/>
+            <a:ext cx="1568704" cy="729591"/>
           </a:xfrm>
-          <a:prstGeom prst="rect">
+          <a:prstGeom prst="roundRect">
             <a:avLst/>
           </a:prstGeom>
+          <a:solidFill>
+            <a:srgbClr val="FF8383"/>
+          </a:solidFill>
           <a:ln>
             <a:solidFill>
               <a:schemeClr val="tx1"/>
             </a:solidFill>
           </a:ln>
         </p:spPr>
-      </p:pic>
-      <p:sp>
-        <p:nvSpPr>
-          <p:cNvPr id="14" name="TextBox 13">
-            <a:extLst>
-              <a:ext uri="{FF2B5EF4-FFF2-40B4-BE49-F238E27FC236}">
-                <a16:creationId xmlns:a16="http://schemas.microsoft.com/office/drawing/2014/main" id="{48C6990B-6AB2-4B20-B822-76082178EECE}"/>
-              </a:ext>
-            </a:extLst>
-          </p:cNvPr>
-          <p:cNvSpPr txBox="1"/>
-          <p:nvPr/>
-        </p:nvSpPr>
-        <p:spPr>
-          <a:xfrm>
-            <a:off x="1066800" y="1823144"/>
-            <a:ext cx="1278256" cy="369332"/>
-          </a:xfrm>
-          <a:prstGeom prst="rect">
-            <a:avLst/>
-          </a:prstGeom>
-          <a:noFill/>
-        </p:spPr>
-        <p:txBody>
-          <a:bodyPr wrap="square">
-            <a:spAutoFit/>
-          </a:bodyPr>
-          <a:lstStyle/>
-          <a:p>
-            <a:r>
-              <a:rPr lang="en-US" altLang="ko-KR" b="1" dirty="0">
-                <a:solidFill>
-                  <a:srgbClr val="202124"/>
-                </a:solidFill>
-              </a:rPr>
-              <a:t>Test file</a:t>
-            </a:r>
-            <a:endParaRPr lang="ko-KR" altLang="en-US" dirty="0"/>
-          </a:p>
-        </p:txBody>
-      </p:sp>
-      <p:sp>
-        <p:nvSpPr>
-          <p:cNvPr id="22" name="TextBox 21">
-            <a:extLst>
-              <a:ext uri="{FF2B5EF4-FFF2-40B4-BE49-F238E27FC236}">
-                <a16:creationId xmlns:a16="http://schemas.microsoft.com/office/drawing/2014/main" id="{0A58E94A-07DE-4C1D-9DF8-72D6327D855B}"/>
-              </a:ext>
-            </a:extLst>
-          </p:cNvPr>
-          <p:cNvSpPr txBox="1"/>
-          <p:nvPr/>
-        </p:nvSpPr>
-        <p:spPr>
-          <a:xfrm>
-            <a:off x="5448314" y="613418"/>
-            <a:ext cx="1278256" cy="369332"/>
-          </a:xfrm>
-          <a:prstGeom prst="rect">
-            <a:avLst/>
-          </a:prstGeom>
-          <a:noFill/>
-        </p:spPr>
-        <p:txBody>
-          <a:bodyPr wrap="square">
-            <a:spAutoFit/>
-          </a:bodyPr>
-          <a:lstStyle/>
-          <a:p>
-            <a:r>
-              <a:rPr lang="en-US" altLang="ko-KR" b="1" dirty="0">
-                <a:solidFill>
-                  <a:srgbClr val="202124"/>
-                </a:solidFill>
-              </a:rPr>
-              <a:t>result</a:t>
-            </a:r>
-            <a:endParaRPr lang="ko-KR" altLang="en-US" dirty="0"/>
-          </a:p>
-        </p:txBody>
-      </p:sp>
-      <p:cxnSp>
-        <p:nvCxnSpPr>
-          <p:cNvPr id="24" name="직선 연결선 23">
-            <a:extLst>
-              <a:ext uri="{FF2B5EF4-FFF2-40B4-BE49-F238E27FC236}">
-                <a16:creationId xmlns:a16="http://schemas.microsoft.com/office/drawing/2014/main" id="{BA1AD3A1-B505-4576-8B6B-949654DAFD5C}"/>
-              </a:ext>
-            </a:extLst>
-          </p:cNvPr>
-          <p:cNvCxnSpPr/>
-          <p:nvPr/>
-        </p:nvCxnSpPr>
-        <p:spPr>
-          <a:xfrm>
-            <a:off x="9390257" y="2552609"/>
-            <a:ext cx="1185021" cy="0"/>
-          </a:xfrm>
-          <a:prstGeom prst="line">
-            <a:avLst/>
-          </a:prstGeom>
-          <a:ln w="38100">
-            <a:solidFill>
-              <a:srgbClr val="C00000"/>
-            </a:solidFill>
-          </a:ln>
-        </p:spPr>
         <p:style>
-          <a:lnRef idx="1">
-            <a:schemeClr val="accent1"/>
+          <a:lnRef idx="2">
+            <a:schemeClr val="accent1">
+              <a:shade val="50000"/>
+            </a:schemeClr>
           </a:lnRef>
-          <a:fillRef idx="0">
+          <a:fillRef idx="1">
             <a:schemeClr val="accent1"/>
           </a:fillRef>
           <a:effectRef idx="0">
             <a:schemeClr val="accent1"/>
           </a:effectRef>
           <a:fontRef idx="minor">
-            <a:schemeClr val="tx1"/>
+            <a:schemeClr val="lt1"/>
           </a:fontRef>
         </p:style>
-      </p:cxnSp>
-      <p:cxnSp>
-        <p:nvCxnSpPr>
-          <p:cNvPr id="25" name="직선 연결선 24">
-            <a:extLst>
-              <a:ext uri="{FF2B5EF4-FFF2-40B4-BE49-F238E27FC236}">
-                <a16:creationId xmlns:a16="http://schemas.microsoft.com/office/drawing/2014/main" id="{8D03073D-B5CB-4887-A227-60E5DF71C96A}"/>
-              </a:ext>
-            </a:extLst>
-          </p:cNvPr>
-          <p:cNvCxnSpPr>
-            <a:cxnSpLocks/>
-          </p:cNvCxnSpPr>
+        <p:txBody>
+          <a:bodyPr rtlCol="0" anchor="ctr"/>
+          <a:lstStyle/>
+          <a:p>
+            <a:pPr algn="ctr"/>
+            <a:r>
+              <a:rPr lang="en-US" altLang="ko-KR" sz="1600" dirty="0">
+                <a:solidFill>
+                  <a:schemeClr val="tx1"/>
+                </a:solidFill>
+              </a:rPr>
+              <a:t>3</a:t>
+            </a:r>
+            <a:r>
+              <a:rPr lang="ko-KR" altLang="en-US" sz="1600" dirty="0">
+                <a:solidFill>
+                  <a:schemeClr val="tx1"/>
+                </a:solidFill>
+              </a:rPr>
+              <a:t>주차</a:t>
+            </a:r>
+            <a:endParaRPr lang="en-US" altLang="ko-KR" sz="1600" dirty="0">
+              <a:solidFill>
+                <a:schemeClr val="tx1"/>
+              </a:solidFill>
+            </a:endParaRPr>
+          </a:p>
+          <a:p>
+            <a:pPr algn="ctr"/>
+            <a:r>
+              <a:rPr lang="en-US" altLang="ko-KR" sz="1600" dirty="0">
+                <a:solidFill>
+                  <a:schemeClr val="tx1"/>
+                </a:solidFill>
+              </a:rPr>
+              <a:t>(09.28-10.04)</a:t>
+            </a:r>
+            <a:endParaRPr lang="ko-KR" altLang="en-US" sz="1600" dirty="0">
+              <a:solidFill>
+                <a:schemeClr val="tx1"/>
+              </a:solidFill>
+            </a:endParaRPr>
+          </a:p>
+        </p:txBody>
+      </p:sp>
+      <p:sp>
+        <p:nvSpPr>
+          <p:cNvPr id="19" name="사각형: 둥근 모서리 18">
+            <a:extLst>
+              <a:ext uri="{FF2B5EF4-FFF2-40B4-BE49-F238E27FC236}">
+                <a16:creationId xmlns:a16="http://schemas.microsoft.com/office/drawing/2014/main" id="{4CF47DFF-1B0A-4825-A8B4-6DF44FA30C93}"/>
+              </a:ext>
+            </a:extLst>
+          </p:cNvPr>
+          <p:cNvSpPr/>
           <p:nvPr/>
-        </p:nvCxnSpPr>
+        </p:nvSpPr>
         <p:spPr>
           <a:xfrm>
-            <a:off x="9390257" y="4009934"/>
-            <a:ext cx="592510" cy="0"/>
+            <a:off x="5311647" y="1963951"/>
+            <a:ext cx="1568704" cy="729591"/>
           </a:xfrm>
-          <a:prstGeom prst="line">
+          <a:prstGeom prst="roundRect">
             <a:avLst/>
           </a:prstGeom>
-          <a:ln w="38100">
+          <a:solidFill>
+            <a:srgbClr val="FFBAA0"/>
+          </a:solidFill>
+          <a:ln>
             <a:solidFill>
-              <a:srgbClr val="C00000"/>
+              <a:schemeClr val="tx1"/>
             </a:solidFill>
           </a:ln>
         </p:spPr>
         <p:style>
-          <a:lnRef idx="1">
-            <a:schemeClr val="accent1"/>
+          <a:lnRef idx="2">
+            <a:schemeClr val="accent1">
+              <a:shade val="50000"/>
+            </a:schemeClr>
           </a:lnRef>
-          <a:fillRef idx="0">
+          <a:fillRef idx="1">
             <a:schemeClr val="accent1"/>
           </a:fillRef>
           <a:effectRef idx="0">
             <a:schemeClr val="accent1"/>
           </a:effectRef>
           <a:fontRef idx="minor">
-            <a:schemeClr val="tx1"/>
+            <a:schemeClr val="lt1"/>
           </a:fontRef>
         </p:style>
-      </p:cxnSp>
-      <p:pic>
-        <p:nvPicPr>
-          <p:cNvPr id="29" name="그래픽 28" descr="단색으로 채워진 슬픈 얼굴">
-            <a:extLst>
-              <a:ext uri="{FF2B5EF4-FFF2-40B4-BE49-F238E27FC236}">
-                <a16:creationId xmlns:a16="http://schemas.microsoft.com/office/drawing/2014/main" id="{8E8A645E-71C6-410B-9C59-3DC0D1D8702B}"/>
-              </a:ext>
-            </a:extLst>
-          </p:cNvPr>
-          <p:cNvPicPr>
-            <a:picLocks noChangeAspect="1"/>
-          </p:cNvPicPr>
+        <p:txBody>
+          <a:bodyPr rtlCol="0" anchor="ctr"/>
+          <a:lstStyle/>
+          <a:p>
+            <a:pPr algn="ctr"/>
+            <a:r>
+              <a:rPr lang="en-US" altLang="ko-KR" sz="1600" dirty="0">
+                <a:solidFill>
+                  <a:schemeClr val="tx1"/>
+                </a:solidFill>
+              </a:rPr>
+              <a:t>4</a:t>
+            </a:r>
+            <a:r>
+              <a:rPr lang="ko-KR" altLang="en-US" sz="1600" dirty="0">
+                <a:solidFill>
+                  <a:schemeClr val="tx1"/>
+                </a:solidFill>
+              </a:rPr>
+              <a:t>주차</a:t>
+            </a:r>
+            <a:endParaRPr lang="en-US" altLang="ko-KR" sz="1600" dirty="0">
+              <a:solidFill>
+                <a:schemeClr val="tx1"/>
+              </a:solidFill>
+            </a:endParaRPr>
+          </a:p>
+          <a:p>
+            <a:pPr algn="ctr"/>
+            <a:r>
+              <a:rPr lang="en-US" altLang="ko-KR" sz="1600" dirty="0">
+                <a:solidFill>
+                  <a:schemeClr val="tx1"/>
+                </a:solidFill>
+              </a:rPr>
+              <a:t>(10.05-10.11)</a:t>
+            </a:r>
+            <a:endParaRPr lang="ko-KR" altLang="en-US" sz="1600" dirty="0">
+              <a:solidFill>
+                <a:schemeClr val="tx1"/>
+              </a:solidFill>
+            </a:endParaRPr>
+          </a:p>
+        </p:txBody>
+      </p:sp>
+      <p:sp>
+        <p:nvSpPr>
+          <p:cNvPr id="20" name="사각형: 둥근 모서리 19">
+            <a:extLst>
+              <a:ext uri="{FF2B5EF4-FFF2-40B4-BE49-F238E27FC236}">
+                <a16:creationId xmlns:a16="http://schemas.microsoft.com/office/drawing/2014/main" id="{3623D21A-AE54-4913-9828-7DAC5AEAA288}"/>
+              </a:ext>
+            </a:extLst>
+          </p:cNvPr>
+          <p:cNvSpPr/>
           <p:nvPr/>
-        </p:nvPicPr>
-        <p:blipFill>
-          <a:blip r:embed="rId5">
-            <a:extLst>
-              <a:ext uri="{28A0092B-C50C-407E-A947-70E740481C1C}">
-                <a14:useLocalDpi xmlns:a14="http://schemas.microsoft.com/office/drawing/2010/main" val="0"/>
-              </a:ext>
-              <a:ext uri="{96DAC541-7B7A-43D3-8B79-37D633B846F1}">
-                <asvg:svgBlip xmlns:asvg="http://schemas.microsoft.com/office/drawing/2016/SVG/main" r:embed="rId6"/>
-              </a:ext>
-            </a:extLst>
-          </a:blip>
-          <a:stretch>
-            <a:fillRect/>
-          </a:stretch>
-        </p:blipFill>
+        </p:nvSpPr>
         <p:spPr>
           <a:xfrm>
-            <a:off x="11055378" y="2132379"/>
-            <a:ext cx="650228" cy="650228"/>
+            <a:off x="6880351" y="1963951"/>
+            <a:ext cx="1568704" cy="729591"/>
           </a:xfrm>
-          <a:prstGeom prst="rect">
+          <a:prstGeom prst="roundRect">
             <a:avLst/>
           </a:prstGeom>
+          <a:solidFill>
+            <a:srgbClr val="FFEEA0"/>
+          </a:solidFill>
+          <a:ln>
+            <a:solidFill>
+              <a:schemeClr val="tx1"/>
+            </a:solidFill>
+          </a:ln>
         </p:spPr>
-      </p:pic>
-      <p:pic>
-        <p:nvPicPr>
-          <p:cNvPr id="30" name="그래픽 29" descr="단색으로 채워진 슬픈 얼굴">
-            <a:extLst>
-              <a:ext uri="{FF2B5EF4-FFF2-40B4-BE49-F238E27FC236}">
-                <a16:creationId xmlns:a16="http://schemas.microsoft.com/office/drawing/2014/main" id="{FFD66A68-FC37-4FFE-9A3A-A398E02D1F2A}"/>
-              </a:ext>
-            </a:extLst>
-          </p:cNvPr>
-          <p:cNvPicPr>
-            <a:picLocks noChangeAspect="1"/>
-          </p:cNvPicPr>
+        <p:style>
+          <a:lnRef idx="2">
+            <a:schemeClr val="accent1">
+              <a:shade val="50000"/>
+            </a:schemeClr>
+          </a:lnRef>
+          <a:fillRef idx="1">
+            <a:schemeClr val="accent1"/>
+          </a:fillRef>
+          <a:effectRef idx="0">
+            <a:schemeClr val="accent1"/>
+          </a:effectRef>
+          <a:fontRef idx="minor">
+            <a:schemeClr val="lt1"/>
+          </a:fontRef>
+        </p:style>
+        <p:txBody>
+          <a:bodyPr rtlCol="0" anchor="ctr"/>
+          <a:lstStyle/>
+          <a:p>
+            <a:pPr algn="ctr"/>
+            <a:r>
+              <a:rPr lang="en-US" altLang="ko-KR" sz="1600" dirty="0">
+                <a:solidFill>
+                  <a:schemeClr val="tx1"/>
+                </a:solidFill>
+              </a:rPr>
+              <a:t>5</a:t>
+            </a:r>
+            <a:r>
+              <a:rPr lang="ko-KR" altLang="en-US" sz="1600" dirty="0">
+                <a:solidFill>
+                  <a:schemeClr val="tx1"/>
+                </a:solidFill>
+              </a:rPr>
+              <a:t>주차</a:t>
+            </a:r>
+            <a:endParaRPr lang="en-US" altLang="ko-KR" sz="1600" dirty="0">
+              <a:solidFill>
+                <a:schemeClr val="tx1"/>
+              </a:solidFill>
+            </a:endParaRPr>
+          </a:p>
+          <a:p>
+            <a:pPr algn="ctr"/>
+            <a:r>
+              <a:rPr lang="en-US" altLang="ko-KR" sz="1600" dirty="0">
+                <a:solidFill>
+                  <a:schemeClr val="tx1"/>
+                </a:solidFill>
+              </a:rPr>
+              <a:t>(10.12-10.18)</a:t>
+            </a:r>
+            <a:endParaRPr lang="ko-KR" altLang="en-US" sz="1600" dirty="0">
+              <a:solidFill>
+                <a:schemeClr val="tx1"/>
+              </a:solidFill>
+            </a:endParaRPr>
+          </a:p>
+        </p:txBody>
+      </p:sp>
+      <p:sp>
+        <p:nvSpPr>
+          <p:cNvPr id="21" name="사각형: 둥근 모서리 20">
+            <a:extLst>
+              <a:ext uri="{FF2B5EF4-FFF2-40B4-BE49-F238E27FC236}">
+                <a16:creationId xmlns:a16="http://schemas.microsoft.com/office/drawing/2014/main" id="{820C0ED6-4157-4191-985E-53D097F30D8B}"/>
+              </a:ext>
+            </a:extLst>
+          </p:cNvPr>
+          <p:cNvSpPr/>
           <p:nvPr/>
-        </p:nvPicPr>
-        <p:blipFill>
-          <a:blip r:embed="rId5">
-            <a:extLst>
-              <a:ext uri="{28A0092B-C50C-407E-A947-70E740481C1C}">
-                <a14:useLocalDpi xmlns:a14="http://schemas.microsoft.com/office/drawing/2010/main" val="0"/>
-              </a:ext>
-              <a:ext uri="{96DAC541-7B7A-43D3-8B79-37D633B846F1}">
-                <asvg:svgBlip xmlns:asvg="http://schemas.microsoft.com/office/drawing/2016/SVG/main" r:embed="rId6"/>
-              </a:ext>
-            </a:extLst>
-          </a:blip>
-          <a:stretch>
-            <a:fillRect/>
-          </a:stretch>
-        </p:blipFill>
+        </p:nvSpPr>
         <p:spPr>
           <a:xfrm>
-            <a:off x="10979745" y="3630086"/>
-            <a:ext cx="650228" cy="650228"/>
+            <a:off x="8449054" y="1963951"/>
+            <a:ext cx="1568704" cy="729591"/>
           </a:xfrm>
-          <a:prstGeom prst="rect">
+          <a:prstGeom prst="roundRect">
             <a:avLst/>
           </a:prstGeom>
+          <a:solidFill>
+            <a:srgbClr val="FEBB62"/>
+          </a:solidFill>
+          <a:ln>
+            <a:solidFill>
+              <a:schemeClr val="tx1"/>
+            </a:solidFill>
+          </a:ln>
         </p:spPr>
-      </p:pic>
+        <p:style>
+          <a:lnRef idx="2">
+            <a:schemeClr val="accent1">
+              <a:shade val="50000"/>
+            </a:schemeClr>
+          </a:lnRef>
+          <a:fillRef idx="1">
+            <a:schemeClr val="accent1"/>
+          </a:fillRef>
+          <a:effectRef idx="0">
+            <a:schemeClr val="accent1"/>
+          </a:effectRef>
+          <a:fontRef idx="minor">
+            <a:schemeClr val="lt1"/>
+          </a:fontRef>
+        </p:style>
+        <p:txBody>
+          <a:bodyPr rtlCol="0" anchor="ctr"/>
+          <a:lstStyle/>
+          <a:p>
+            <a:pPr algn="ctr"/>
+            <a:r>
+              <a:rPr lang="en-US" altLang="ko-KR" sz="1600" dirty="0">
+                <a:solidFill>
+                  <a:schemeClr val="tx1"/>
+                </a:solidFill>
+              </a:rPr>
+              <a:t>6</a:t>
+            </a:r>
+            <a:r>
+              <a:rPr lang="ko-KR" altLang="en-US" sz="1600" dirty="0">
+                <a:solidFill>
+                  <a:schemeClr val="tx1"/>
+                </a:solidFill>
+              </a:rPr>
+              <a:t>주차</a:t>
+            </a:r>
+            <a:endParaRPr lang="en-US" altLang="ko-KR" sz="1600" dirty="0">
+              <a:solidFill>
+                <a:schemeClr val="tx1"/>
+              </a:solidFill>
+            </a:endParaRPr>
+          </a:p>
+          <a:p>
+            <a:pPr algn="ctr"/>
+            <a:r>
+              <a:rPr lang="en-US" altLang="ko-KR" sz="1600" dirty="0">
+                <a:solidFill>
+                  <a:schemeClr val="tx1"/>
+                </a:solidFill>
+              </a:rPr>
+              <a:t>(10.19-10.25)</a:t>
+            </a:r>
+            <a:endParaRPr lang="ko-KR" altLang="en-US" sz="1600" dirty="0">
+              <a:solidFill>
+                <a:schemeClr val="tx1"/>
+              </a:solidFill>
+            </a:endParaRPr>
+          </a:p>
+        </p:txBody>
+      </p:sp>
+      <p:sp>
+        <p:nvSpPr>
+          <p:cNvPr id="22" name="사각형: 둥근 모서리 21">
+            <a:extLst>
+              <a:ext uri="{FF2B5EF4-FFF2-40B4-BE49-F238E27FC236}">
+                <a16:creationId xmlns:a16="http://schemas.microsoft.com/office/drawing/2014/main" id="{0D7D5895-F45C-4DB4-9BCB-1F1088C31663}"/>
+              </a:ext>
+            </a:extLst>
+          </p:cNvPr>
+          <p:cNvSpPr/>
+          <p:nvPr/>
+        </p:nvSpPr>
+        <p:spPr>
+          <a:xfrm>
+            <a:off x="10011284" y="1963950"/>
+            <a:ext cx="1568704" cy="729591"/>
+          </a:xfrm>
+          <a:prstGeom prst="roundRect">
+            <a:avLst/>
+          </a:prstGeom>
+          <a:solidFill>
+            <a:srgbClr val="FF9166"/>
+          </a:solidFill>
+          <a:ln>
+            <a:solidFill>
+              <a:schemeClr val="tx1"/>
+            </a:solidFill>
+          </a:ln>
+        </p:spPr>
+        <p:style>
+          <a:lnRef idx="2">
+            <a:schemeClr val="accent1">
+              <a:shade val="50000"/>
+            </a:schemeClr>
+          </a:lnRef>
+          <a:fillRef idx="1">
+            <a:schemeClr val="accent1"/>
+          </a:fillRef>
+          <a:effectRef idx="0">
+            <a:schemeClr val="accent1"/>
+          </a:effectRef>
+          <a:fontRef idx="minor">
+            <a:schemeClr val="lt1"/>
+          </a:fontRef>
+        </p:style>
+        <p:txBody>
+          <a:bodyPr rtlCol="0" anchor="ctr"/>
+          <a:lstStyle/>
+          <a:p>
+            <a:pPr algn="ctr"/>
+            <a:r>
+              <a:rPr lang="en-US" altLang="ko-KR" sz="1600" dirty="0">
+                <a:solidFill>
+                  <a:schemeClr val="tx1"/>
+                </a:solidFill>
+              </a:rPr>
+              <a:t>7</a:t>
+            </a:r>
+            <a:r>
+              <a:rPr lang="ko-KR" altLang="en-US" sz="1600" dirty="0">
+                <a:solidFill>
+                  <a:schemeClr val="tx1"/>
+                </a:solidFill>
+              </a:rPr>
+              <a:t>주차</a:t>
+            </a:r>
+            <a:endParaRPr lang="en-US" altLang="ko-KR" sz="1600" dirty="0">
+              <a:solidFill>
+                <a:schemeClr val="tx1"/>
+              </a:solidFill>
+            </a:endParaRPr>
+          </a:p>
+          <a:p>
+            <a:pPr algn="ctr"/>
+            <a:r>
+              <a:rPr lang="en-US" altLang="ko-KR" sz="1600" dirty="0">
+                <a:solidFill>
+                  <a:schemeClr val="tx1"/>
+                </a:solidFill>
+              </a:rPr>
+              <a:t>(10.26-11.01)</a:t>
+            </a:r>
+            <a:endParaRPr lang="ko-KR" altLang="en-US" sz="1600" dirty="0">
+              <a:solidFill>
+                <a:schemeClr val="tx1"/>
+              </a:solidFill>
+            </a:endParaRPr>
+          </a:p>
+        </p:txBody>
+      </p:sp>
+      <p:sp>
+        <p:nvSpPr>
+          <p:cNvPr id="28" name="사각형: 둥근 모서리 27">
+            <a:extLst>
+              <a:ext uri="{FF2B5EF4-FFF2-40B4-BE49-F238E27FC236}">
+                <a16:creationId xmlns:a16="http://schemas.microsoft.com/office/drawing/2014/main" id="{8234E065-B210-4584-B8E5-4AF5CF3A4C78}"/>
+              </a:ext>
+            </a:extLst>
+          </p:cNvPr>
+          <p:cNvSpPr/>
+          <p:nvPr/>
+        </p:nvSpPr>
+        <p:spPr>
+          <a:xfrm>
+            <a:off x="3744666" y="2862209"/>
+            <a:ext cx="455510" cy="598620"/>
+          </a:xfrm>
+          <a:prstGeom prst="roundRect">
+            <a:avLst/>
+          </a:prstGeom>
+          <a:solidFill>
+            <a:srgbClr val="FF8383"/>
+          </a:solidFill>
+          <a:ln>
+            <a:solidFill>
+              <a:schemeClr val="tx1"/>
+            </a:solidFill>
+          </a:ln>
+        </p:spPr>
+        <p:style>
+          <a:lnRef idx="2">
+            <a:schemeClr val="accent1">
+              <a:shade val="50000"/>
+            </a:schemeClr>
+          </a:lnRef>
+          <a:fillRef idx="1">
+            <a:schemeClr val="accent1"/>
+          </a:fillRef>
+          <a:effectRef idx="0">
+            <a:schemeClr val="accent1"/>
+          </a:effectRef>
+          <a:fontRef idx="minor">
+            <a:schemeClr val="lt1"/>
+          </a:fontRef>
+        </p:style>
+        <p:txBody>
+          <a:bodyPr rtlCol="0" anchor="ctr"/>
+          <a:lstStyle/>
+          <a:p>
+            <a:pPr algn="ctr"/>
+            <a:r>
+              <a:rPr lang="ko-KR" altLang="en-US" sz="900" dirty="0">
+                <a:solidFill>
+                  <a:schemeClr val="tx1"/>
+                </a:solidFill>
+              </a:rPr>
+              <a:t>디</a:t>
+            </a:r>
+            <a:endParaRPr lang="en-US" altLang="ko-KR" sz="900" dirty="0">
+              <a:solidFill>
+                <a:schemeClr val="tx1"/>
+              </a:solidFill>
+            </a:endParaRPr>
+          </a:p>
+          <a:p>
+            <a:pPr algn="ctr"/>
+            <a:r>
+              <a:rPr lang="ko-KR" altLang="en-US" sz="900" dirty="0">
+                <a:solidFill>
+                  <a:schemeClr val="tx1"/>
+                </a:solidFill>
+              </a:rPr>
+              <a:t>자</a:t>
+            </a:r>
+            <a:endParaRPr lang="en-US" altLang="ko-KR" sz="900" dirty="0">
+              <a:solidFill>
+                <a:schemeClr val="tx1"/>
+              </a:solidFill>
+            </a:endParaRPr>
+          </a:p>
+          <a:p>
+            <a:pPr algn="ctr"/>
+            <a:r>
+              <a:rPr lang="ko-KR" altLang="en-US" sz="900" dirty="0">
+                <a:solidFill>
+                  <a:schemeClr val="tx1"/>
+                </a:solidFill>
+              </a:rPr>
+              <a:t>인</a:t>
+            </a:r>
+          </a:p>
+        </p:txBody>
+      </p:sp>
+      <p:sp>
+        <p:nvSpPr>
+          <p:cNvPr id="29" name="사각형: 둥근 모서리 28">
+            <a:extLst>
+              <a:ext uri="{FF2B5EF4-FFF2-40B4-BE49-F238E27FC236}">
+                <a16:creationId xmlns:a16="http://schemas.microsoft.com/office/drawing/2014/main" id="{A4CD3424-0FF2-48D8-9246-DF48E3CFAAAE}"/>
+              </a:ext>
+            </a:extLst>
+          </p:cNvPr>
+          <p:cNvSpPr/>
+          <p:nvPr/>
+        </p:nvSpPr>
+        <p:spPr>
+          <a:xfrm>
+            <a:off x="3743315" y="4544250"/>
+            <a:ext cx="623748" cy="598620"/>
+          </a:xfrm>
+          <a:prstGeom prst="roundRect">
+            <a:avLst/>
+          </a:prstGeom>
+          <a:solidFill>
+            <a:srgbClr val="FF8383"/>
+          </a:solidFill>
+          <a:ln>
+            <a:solidFill>
+              <a:schemeClr val="tx1"/>
+            </a:solidFill>
+          </a:ln>
+        </p:spPr>
+        <p:style>
+          <a:lnRef idx="2">
+            <a:schemeClr val="accent1">
+              <a:shade val="50000"/>
+            </a:schemeClr>
+          </a:lnRef>
+          <a:fillRef idx="1">
+            <a:schemeClr val="accent1"/>
+          </a:fillRef>
+          <a:effectRef idx="0">
+            <a:schemeClr val="accent1"/>
+          </a:effectRef>
+          <a:fontRef idx="minor">
+            <a:schemeClr val="lt1"/>
+          </a:fontRef>
+        </p:style>
+        <p:txBody>
+          <a:bodyPr rtlCol="0" anchor="ctr"/>
+          <a:lstStyle/>
+          <a:p>
+            <a:pPr algn="ctr"/>
+            <a:r>
+              <a:rPr lang="en-US" altLang="ko-KR" sz="800" dirty="0">
+                <a:solidFill>
+                  <a:schemeClr val="tx1"/>
+                </a:solidFill>
+              </a:rPr>
+              <a:t>OCR</a:t>
+            </a:r>
+          </a:p>
+          <a:p>
+            <a:pPr algn="ctr"/>
+            <a:r>
+              <a:rPr lang="ko-KR" altLang="en-US" sz="600" dirty="0">
+                <a:solidFill>
+                  <a:schemeClr val="tx1"/>
+                </a:solidFill>
+              </a:rPr>
+              <a:t>라이브러리</a:t>
+            </a:r>
+            <a:endParaRPr lang="en-US" altLang="ko-KR" sz="600" dirty="0">
+              <a:solidFill>
+                <a:schemeClr val="tx1"/>
+              </a:solidFill>
+            </a:endParaRPr>
+          </a:p>
+          <a:p>
+            <a:pPr algn="ctr"/>
+            <a:r>
+              <a:rPr lang="ko-KR" altLang="en-US" sz="800" dirty="0">
+                <a:solidFill>
+                  <a:schemeClr val="tx1"/>
+                </a:solidFill>
+              </a:rPr>
+              <a:t>검색</a:t>
+            </a:r>
+          </a:p>
+        </p:txBody>
+      </p:sp>
+      <p:sp>
+        <p:nvSpPr>
+          <p:cNvPr id="30" name="사각형: 둥근 모서리 29">
+            <a:extLst>
+              <a:ext uri="{FF2B5EF4-FFF2-40B4-BE49-F238E27FC236}">
+                <a16:creationId xmlns:a16="http://schemas.microsoft.com/office/drawing/2014/main" id="{23DEDB04-E91D-4919-AF82-F8E5EB7DE6DD}"/>
+              </a:ext>
+            </a:extLst>
+          </p:cNvPr>
+          <p:cNvSpPr/>
+          <p:nvPr/>
+        </p:nvSpPr>
+        <p:spPr>
+          <a:xfrm>
+            <a:off x="4200176" y="3547396"/>
+            <a:ext cx="1331117" cy="598620"/>
+          </a:xfrm>
+          <a:prstGeom prst="roundRect">
+            <a:avLst/>
+          </a:prstGeom>
+          <a:gradFill>
+            <a:gsLst>
+              <a:gs pos="100000">
+                <a:srgbClr val="FFBAA0"/>
+              </a:gs>
+              <a:gs pos="52000">
+                <a:srgbClr val="FF8383"/>
+              </a:gs>
+            </a:gsLst>
+            <a:lin ang="0" scaled="1"/>
+          </a:gradFill>
+          <a:ln>
+            <a:solidFill>
+              <a:schemeClr val="tx1"/>
+            </a:solidFill>
+          </a:ln>
+        </p:spPr>
+        <p:style>
+          <a:lnRef idx="2">
+            <a:schemeClr val="accent1">
+              <a:shade val="50000"/>
+            </a:schemeClr>
+          </a:lnRef>
+          <a:fillRef idx="1">
+            <a:schemeClr val="accent1"/>
+          </a:fillRef>
+          <a:effectRef idx="0">
+            <a:schemeClr val="accent1"/>
+          </a:effectRef>
+          <a:fontRef idx="minor">
+            <a:schemeClr val="lt1"/>
+          </a:fontRef>
+        </p:style>
+        <p:txBody>
+          <a:bodyPr rtlCol="0" anchor="ctr"/>
+          <a:lstStyle/>
+          <a:p>
+            <a:pPr algn="ctr"/>
+            <a:r>
+              <a:rPr lang="en-US" altLang="ko-KR" sz="1400" dirty="0" err="1">
+                <a:solidFill>
+                  <a:schemeClr val="tx1"/>
+                </a:solidFill>
+              </a:rPr>
+              <a:t>MainView</a:t>
+            </a:r>
+            <a:endParaRPr lang="en-US" altLang="ko-KR" sz="1400" dirty="0">
+              <a:solidFill>
+                <a:schemeClr val="tx1"/>
+              </a:solidFill>
+            </a:endParaRPr>
+          </a:p>
+          <a:p>
+            <a:pPr algn="ctr"/>
+            <a:r>
+              <a:rPr lang="en-US" altLang="ko-KR" sz="1400" dirty="0">
+                <a:solidFill>
+                  <a:schemeClr val="tx1"/>
+                </a:solidFill>
+              </a:rPr>
+              <a:t>UI</a:t>
+            </a:r>
+            <a:endParaRPr lang="ko-KR" altLang="en-US" sz="1400" dirty="0">
+              <a:solidFill>
+                <a:schemeClr val="tx1"/>
+              </a:solidFill>
+            </a:endParaRPr>
+          </a:p>
+        </p:txBody>
+      </p:sp>
+      <p:sp>
+        <p:nvSpPr>
+          <p:cNvPr id="31" name="사각형: 둥근 모서리 30">
+            <a:extLst>
+              <a:ext uri="{FF2B5EF4-FFF2-40B4-BE49-F238E27FC236}">
+                <a16:creationId xmlns:a16="http://schemas.microsoft.com/office/drawing/2014/main" id="{B6EFA9AB-41EC-44F9-8882-470E82A6F511}"/>
+              </a:ext>
+            </a:extLst>
+          </p:cNvPr>
+          <p:cNvSpPr/>
+          <p:nvPr/>
+        </p:nvSpPr>
+        <p:spPr>
+          <a:xfrm>
+            <a:off x="4419823" y="2862209"/>
+            <a:ext cx="1343933" cy="598620"/>
+          </a:xfrm>
+          <a:prstGeom prst="roundRect">
+            <a:avLst/>
+          </a:prstGeom>
+          <a:gradFill flip="none" rotWithShape="1">
+            <a:gsLst>
+              <a:gs pos="100000">
+                <a:srgbClr val="FFBAA0"/>
+              </a:gs>
+              <a:gs pos="24000">
+                <a:srgbClr val="FF8383"/>
+              </a:gs>
+            </a:gsLst>
+            <a:lin ang="0" scaled="1"/>
+            <a:tileRect/>
+          </a:gradFill>
+          <a:ln>
+            <a:solidFill>
+              <a:schemeClr val="tx1"/>
+            </a:solidFill>
+          </a:ln>
+        </p:spPr>
+        <p:style>
+          <a:lnRef idx="2">
+            <a:schemeClr val="accent1">
+              <a:shade val="50000"/>
+            </a:schemeClr>
+          </a:lnRef>
+          <a:fillRef idx="1">
+            <a:schemeClr val="accent1"/>
+          </a:fillRef>
+          <a:effectRef idx="0">
+            <a:schemeClr val="accent1"/>
+          </a:effectRef>
+          <a:fontRef idx="minor">
+            <a:schemeClr val="lt1"/>
+          </a:fontRef>
+        </p:style>
+        <p:txBody>
+          <a:bodyPr rtlCol="0" anchor="ctr"/>
+          <a:lstStyle/>
+          <a:p>
+            <a:pPr algn="ctr"/>
+            <a:r>
+              <a:rPr lang="en-US" altLang="ko-KR" sz="1200" dirty="0">
+                <a:solidFill>
+                  <a:schemeClr val="tx1"/>
+                </a:solidFill>
+              </a:rPr>
+              <a:t>Camera</a:t>
+            </a:r>
+            <a:r>
+              <a:rPr lang="ko-KR" altLang="en-US" sz="1200" dirty="0">
+                <a:solidFill>
+                  <a:schemeClr val="tx1"/>
+                </a:solidFill>
+              </a:rPr>
+              <a:t> </a:t>
+            </a:r>
+            <a:r>
+              <a:rPr lang="en-US" altLang="ko-KR" sz="1200" dirty="0">
+                <a:solidFill>
+                  <a:schemeClr val="tx1"/>
+                </a:solidFill>
+              </a:rPr>
+              <a:t>&amp;</a:t>
+            </a:r>
+            <a:r>
+              <a:rPr lang="ko-KR" altLang="en-US" sz="1200" dirty="0">
+                <a:solidFill>
+                  <a:schemeClr val="tx1"/>
+                </a:solidFill>
+              </a:rPr>
+              <a:t> </a:t>
+            </a:r>
+            <a:endParaRPr lang="en-US" altLang="ko-KR" sz="1200" dirty="0">
+              <a:solidFill>
+                <a:schemeClr val="tx1"/>
+              </a:solidFill>
+            </a:endParaRPr>
+          </a:p>
+          <a:p>
+            <a:pPr algn="ctr"/>
+            <a:r>
+              <a:rPr lang="en-US" altLang="ko-KR" sz="1200" dirty="0">
+                <a:solidFill>
+                  <a:schemeClr val="tx1"/>
+                </a:solidFill>
+              </a:rPr>
+              <a:t>Gallery </a:t>
+            </a:r>
+            <a:r>
+              <a:rPr lang="ko-KR" altLang="en-US" sz="1200" dirty="0">
+                <a:solidFill>
+                  <a:schemeClr val="tx1"/>
+                </a:solidFill>
+              </a:rPr>
+              <a:t>접근 </a:t>
+            </a:r>
+            <a:r>
+              <a:rPr lang="en-US" altLang="ko-KR" sz="1200" dirty="0">
+                <a:solidFill>
+                  <a:schemeClr val="tx1"/>
+                </a:solidFill>
+              </a:rPr>
+              <a:t>UI</a:t>
+            </a:r>
+            <a:endParaRPr lang="ko-KR" altLang="en-US" sz="1200" dirty="0">
+              <a:solidFill>
+                <a:schemeClr val="tx1"/>
+              </a:solidFill>
+            </a:endParaRPr>
+          </a:p>
+        </p:txBody>
+      </p:sp>
+      <p:sp>
+        <p:nvSpPr>
+          <p:cNvPr id="32" name="사각형: 둥근 모서리 31">
+            <a:extLst>
+              <a:ext uri="{FF2B5EF4-FFF2-40B4-BE49-F238E27FC236}">
+                <a16:creationId xmlns:a16="http://schemas.microsoft.com/office/drawing/2014/main" id="{1D18CB10-C8F0-4008-83B1-05C160FF02A5}"/>
+              </a:ext>
+            </a:extLst>
+          </p:cNvPr>
+          <p:cNvSpPr/>
+          <p:nvPr/>
+        </p:nvSpPr>
+        <p:spPr>
+          <a:xfrm>
+            <a:off x="4426250" y="4544250"/>
+            <a:ext cx="2447625" cy="598620"/>
+          </a:xfrm>
+          <a:prstGeom prst="roundRect">
+            <a:avLst/>
+          </a:prstGeom>
+          <a:gradFill>
+            <a:gsLst>
+              <a:gs pos="43000">
+                <a:srgbClr val="FFBAA0"/>
+              </a:gs>
+              <a:gs pos="19000">
+                <a:srgbClr val="FF8383"/>
+              </a:gs>
+            </a:gsLst>
+            <a:lin ang="0" scaled="1"/>
+          </a:gradFill>
+          <a:ln>
+            <a:solidFill>
+              <a:schemeClr val="tx1"/>
+            </a:solidFill>
+          </a:ln>
+        </p:spPr>
+        <p:style>
+          <a:lnRef idx="2">
+            <a:schemeClr val="accent1">
+              <a:shade val="50000"/>
+            </a:schemeClr>
+          </a:lnRef>
+          <a:fillRef idx="1">
+            <a:schemeClr val="accent1"/>
+          </a:fillRef>
+          <a:effectRef idx="0">
+            <a:schemeClr val="accent1"/>
+          </a:effectRef>
+          <a:fontRef idx="minor">
+            <a:schemeClr val="lt1"/>
+          </a:fontRef>
+        </p:style>
+        <p:txBody>
+          <a:bodyPr rtlCol="0" anchor="ctr"/>
+          <a:lstStyle/>
+          <a:p>
+            <a:pPr algn="ctr"/>
+            <a:r>
+              <a:rPr lang="en-US" altLang="ko-KR" sz="1400" dirty="0">
+                <a:solidFill>
+                  <a:schemeClr val="tx1"/>
+                </a:solidFill>
+              </a:rPr>
+              <a:t>OCR </a:t>
+            </a:r>
+            <a:r>
+              <a:rPr lang="ko-KR" altLang="en-US" sz="1400" dirty="0">
+                <a:solidFill>
+                  <a:schemeClr val="tx1"/>
+                </a:solidFill>
+              </a:rPr>
+              <a:t>코드 수정</a:t>
+            </a:r>
+          </a:p>
+        </p:txBody>
+      </p:sp>
+      <p:sp>
+        <p:nvSpPr>
+          <p:cNvPr id="33" name="사각형: 둥근 모서리 32">
+            <a:extLst>
+              <a:ext uri="{FF2B5EF4-FFF2-40B4-BE49-F238E27FC236}">
+                <a16:creationId xmlns:a16="http://schemas.microsoft.com/office/drawing/2014/main" id="{237B6AC2-34B3-4143-A468-E1D76E42DBDB}"/>
+              </a:ext>
+            </a:extLst>
+          </p:cNvPr>
+          <p:cNvSpPr/>
+          <p:nvPr/>
+        </p:nvSpPr>
+        <p:spPr>
+          <a:xfrm>
+            <a:off x="6883618" y="3547396"/>
+            <a:ext cx="2000986" cy="598620"/>
+          </a:xfrm>
+          <a:prstGeom prst="roundRect">
+            <a:avLst/>
+          </a:prstGeom>
+          <a:gradFill>
+            <a:gsLst>
+              <a:gs pos="100000">
+                <a:srgbClr val="FEBB62"/>
+              </a:gs>
+              <a:gs pos="56000">
+                <a:srgbClr val="FFEEA0"/>
+              </a:gs>
+            </a:gsLst>
+            <a:lin ang="0" scaled="1"/>
+          </a:gradFill>
+          <a:ln>
+            <a:solidFill>
+              <a:schemeClr val="tx1"/>
+            </a:solidFill>
+          </a:ln>
+        </p:spPr>
+        <p:style>
+          <a:lnRef idx="2">
+            <a:schemeClr val="accent1">
+              <a:shade val="50000"/>
+            </a:schemeClr>
+          </a:lnRef>
+          <a:fillRef idx="1">
+            <a:schemeClr val="accent1"/>
+          </a:fillRef>
+          <a:effectRef idx="0">
+            <a:schemeClr val="accent1"/>
+          </a:effectRef>
+          <a:fontRef idx="minor">
+            <a:schemeClr val="lt1"/>
+          </a:fontRef>
+        </p:style>
+        <p:txBody>
+          <a:bodyPr rtlCol="0" anchor="ctr"/>
+          <a:lstStyle/>
+          <a:p>
+            <a:pPr algn="ctr"/>
+            <a:r>
+              <a:rPr lang="en-US" altLang="ko-KR" sz="1400" dirty="0">
+                <a:solidFill>
+                  <a:schemeClr val="tx1"/>
+                </a:solidFill>
+              </a:rPr>
+              <a:t>OCR </a:t>
+            </a:r>
+            <a:r>
+              <a:rPr lang="ko-KR" altLang="en-US" sz="1400" dirty="0">
+                <a:solidFill>
+                  <a:schemeClr val="tx1"/>
+                </a:solidFill>
+              </a:rPr>
+              <a:t>연결</a:t>
+            </a:r>
+          </a:p>
+        </p:txBody>
+      </p:sp>
+      <p:sp>
+        <p:nvSpPr>
+          <p:cNvPr id="34" name="사각형: 둥근 모서리 33">
+            <a:extLst>
+              <a:ext uri="{FF2B5EF4-FFF2-40B4-BE49-F238E27FC236}">
+                <a16:creationId xmlns:a16="http://schemas.microsoft.com/office/drawing/2014/main" id="{4D00BA39-F94D-4D8C-9E78-E6775127C1ED}"/>
+              </a:ext>
+            </a:extLst>
+          </p:cNvPr>
+          <p:cNvSpPr/>
+          <p:nvPr/>
+        </p:nvSpPr>
+        <p:spPr>
+          <a:xfrm>
+            <a:off x="6646832" y="2868200"/>
+            <a:ext cx="1124878" cy="598620"/>
+          </a:xfrm>
+          <a:prstGeom prst="roundRect">
+            <a:avLst/>
+          </a:prstGeom>
+          <a:gradFill>
+            <a:gsLst>
+              <a:gs pos="0">
+                <a:srgbClr val="FFBAA0"/>
+              </a:gs>
+              <a:gs pos="33000">
+                <a:srgbClr val="FFEEA0"/>
+              </a:gs>
+            </a:gsLst>
+            <a:lin ang="0" scaled="1"/>
+          </a:gradFill>
+          <a:ln>
+            <a:solidFill>
+              <a:schemeClr val="tx1"/>
+            </a:solidFill>
+          </a:ln>
+        </p:spPr>
+        <p:style>
+          <a:lnRef idx="2">
+            <a:schemeClr val="accent1">
+              <a:shade val="50000"/>
+            </a:schemeClr>
+          </a:lnRef>
+          <a:fillRef idx="1">
+            <a:schemeClr val="accent1"/>
+          </a:fillRef>
+          <a:effectRef idx="0">
+            <a:schemeClr val="accent1"/>
+          </a:effectRef>
+          <a:fontRef idx="minor">
+            <a:schemeClr val="lt1"/>
+          </a:fontRef>
+        </p:style>
+        <p:txBody>
+          <a:bodyPr rtlCol="0" anchor="ctr"/>
+          <a:lstStyle/>
+          <a:p>
+            <a:pPr algn="ctr"/>
+            <a:r>
+              <a:rPr lang="ko-KR" altLang="en-US" sz="1300" dirty="0">
+                <a:solidFill>
+                  <a:schemeClr val="tx1"/>
+                </a:solidFill>
+              </a:rPr>
+              <a:t>간단한 </a:t>
+            </a:r>
+            <a:r>
+              <a:rPr lang="en-US" altLang="ko-KR" sz="1300" dirty="0">
+                <a:solidFill>
+                  <a:schemeClr val="tx1"/>
+                </a:solidFill>
+              </a:rPr>
+              <a:t>DB</a:t>
+            </a:r>
+            <a:r>
+              <a:rPr lang="ko-KR" altLang="en-US" sz="1300" dirty="0">
+                <a:solidFill>
+                  <a:schemeClr val="tx1"/>
+                </a:solidFill>
+              </a:rPr>
+              <a:t> 구축</a:t>
+            </a:r>
+            <a:endParaRPr lang="en-US" altLang="ko-KR" sz="1300" dirty="0">
+              <a:solidFill>
+                <a:schemeClr val="tx1"/>
+              </a:solidFill>
+            </a:endParaRPr>
+          </a:p>
+        </p:txBody>
+      </p:sp>
+      <p:sp>
+        <p:nvSpPr>
+          <p:cNvPr id="35" name="사각형: 둥근 모서리 34">
+            <a:extLst>
+              <a:ext uri="{FF2B5EF4-FFF2-40B4-BE49-F238E27FC236}">
+                <a16:creationId xmlns:a16="http://schemas.microsoft.com/office/drawing/2014/main" id="{075F97BC-F9A5-4283-AF1D-7414AA550B37}"/>
+              </a:ext>
+            </a:extLst>
+          </p:cNvPr>
+          <p:cNvSpPr/>
+          <p:nvPr/>
+        </p:nvSpPr>
+        <p:spPr>
+          <a:xfrm>
+            <a:off x="7834839" y="2862209"/>
+            <a:ext cx="1266093" cy="598620"/>
+          </a:xfrm>
+          <a:prstGeom prst="roundRect">
+            <a:avLst/>
+          </a:prstGeom>
+          <a:gradFill>
+            <a:gsLst>
+              <a:gs pos="100000">
+                <a:srgbClr val="FEBB62"/>
+              </a:gs>
+              <a:gs pos="36000">
+                <a:srgbClr val="FFEEA0"/>
+              </a:gs>
+            </a:gsLst>
+            <a:lin ang="0" scaled="1"/>
+          </a:gradFill>
+          <a:ln>
+            <a:solidFill>
+              <a:schemeClr val="tx1"/>
+            </a:solidFill>
+          </a:ln>
+        </p:spPr>
+        <p:style>
+          <a:lnRef idx="2">
+            <a:schemeClr val="accent1">
+              <a:shade val="50000"/>
+            </a:schemeClr>
+          </a:lnRef>
+          <a:fillRef idx="1">
+            <a:schemeClr val="accent1"/>
+          </a:fillRef>
+          <a:effectRef idx="0">
+            <a:schemeClr val="accent1"/>
+          </a:effectRef>
+          <a:fontRef idx="minor">
+            <a:schemeClr val="lt1"/>
+          </a:fontRef>
+        </p:style>
+        <p:txBody>
+          <a:bodyPr rtlCol="0" anchor="ctr"/>
+          <a:lstStyle/>
+          <a:p>
+            <a:pPr algn="ctr"/>
+            <a:r>
+              <a:rPr lang="en-US" altLang="ko-KR" sz="1400" dirty="0">
+                <a:solidFill>
+                  <a:schemeClr val="tx1"/>
+                </a:solidFill>
+              </a:rPr>
+              <a:t>DB </a:t>
+            </a:r>
+            <a:r>
+              <a:rPr lang="ko-KR" altLang="en-US" sz="1400" dirty="0">
+                <a:solidFill>
+                  <a:schemeClr val="tx1"/>
+                </a:solidFill>
+              </a:rPr>
+              <a:t>파싱</a:t>
+            </a:r>
+            <a:endParaRPr lang="en-US" altLang="ko-KR" sz="1400" dirty="0">
+              <a:solidFill>
+                <a:schemeClr val="tx1"/>
+              </a:solidFill>
+            </a:endParaRPr>
+          </a:p>
+        </p:txBody>
+      </p:sp>
+      <p:sp>
+        <p:nvSpPr>
+          <p:cNvPr id="36" name="사각형: 둥근 모서리 35">
+            <a:extLst>
+              <a:ext uri="{FF2B5EF4-FFF2-40B4-BE49-F238E27FC236}">
+                <a16:creationId xmlns:a16="http://schemas.microsoft.com/office/drawing/2014/main" id="{5A5F926D-C4EB-44A5-B2EB-DAABE9E97AE3}"/>
+              </a:ext>
+            </a:extLst>
+          </p:cNvPr>
+          <p:cNvSpPr/>
+          <p:nvPr/>
+        </p:nvSpPr>
+        <p:spPr>
+          <a:xfrm>
+            <a:off x="6887664" y="5223445"/>
+            <a:ext cx="2447625" cy="598620"/>
+          </a:xfrm>
+          <a:prstGeom prst="roundRect">
+            <a:avLst/>
+          </a:prstGeom>
+          <a:gradFill>
+            <a:gsLst>
+              <a:gs pos="83000">
+                <a:srgbClr val="FEBB62"/>
+              </a:gs>
+              <a:gs pos="45000">
+                <a:srgbClr val="FFEEA0"/>
+              </a:gs>
+            </a:gsLst>
+            <a:lin ang="0" scaled="1"/>
+          </a:gradFill>
+          <a:ln>
+            <a:solidFill>
+              <a:schemeClr val="tx1"/>
+            </a:solidFill>
+          </a:ln>
+        </p:spPr>
+        <p:style>
+          <a:lnRef idx="2">
+            <a:schemeClr val="accent1">
+              <a:shade val="50000"/>
+            </a:schemeClr>
+          </a:lnRef>
+          <a:fillRef idx="1">
+            <a:schemeClr val="accent1"/>
+          </a:fillRef>
+          <a:effectRef idx="0">
+            <a:schemeClr val="accent1"/>
+          </a:effectRef>
+          <a:fontRef idx="minor">
+            <a:schemeClr val="lt1"/>
+          </a:fontRef>
+        </p:style>
+        <p:txBody>
+          <a:bodyPr rtlCol="0" anchor="ctr"/>
+          <a:lstStyle/>
+          <a:p>
+            <a:pPr algn="ctr"/>
+            <a:r>
+              <a:rPr lang="ko-KR" altLang="en-US" sz="1400" dirty="0">
+                <a:solidFill>
+                  <a:schemeClr val="tx1"/>
+                </a:solidFill>
+              </a:rPr>
+              <a:t>단어 추출 알고리즘</a:t>
+            </a:r>
+          </a:p>
+        </p:txBody>
+      </p:sp>
+      <p:sp>
+        <p:nvSpPr>
+          <p:cNvPr id="37" name="사각형: 둥근 모서리 36">
+            <a:extLst>
+              <a:ext uri="{FF2B5EF4-FFF2-40B4-BE49-F238E27FC236}">
+                <a16:creationId xmlns:a16="http://schemas.microsoft.com/office/drawing/2014/main" id="{5E56370F-3EE9-4CF0-BCD3-CA614BF49C40}"/>
+              </a:ext>
+            </a:extLst>
+          </p:cNvPr>
+          <p:cNvSpPr/>
+          <p:nvPr/>
+        </p:nvSpPr>
+        <p:spPr>
+          <a:xfrm>
+            <a:off x="9398418" y="2862208"/>
+            <a:ext cx="619340" cy="2959857"/>
+          </a:xfrm>
+          <a:prstGeom prst="roundRect">
+            <a:avLst/>
+          </a:prstGeom>
+          <a:solidFill>
+            <a:srgbClr val="FEBB62"/>
+          </a:solidFill>
+          <a:ln>
+            <a:solidFill>
+              <a:schemeClr val="tx1"/>
+            </a:solidFill>
+          </a:ln>
+        </p:spPr>
+        <p:style>
+          <a:lnRef idx="2">
+            <a:schemeClr val="accent1">
+              <a:shade val="50000"/>
+            </a:schemeClr>
+          </a:lnRef>
+          <a:fillRef idx="1">
+            <a:schemeClr val="accent1"/>
+          </a:fillRef>
+          <a:effectRef idx="0">
+            <a:schemeClr val="accent1"/>
+          </a:effectRef>
+          <a:fontRef idx="minor">
+            <a:schemeClr val="lt1"/>
+          </a:fontRef>
+        </p:style>
+        <p:txBody>
+          <a:bodyPr rtlCol="0" anchor="ctr"/>
+          <a:lstStyle/>
+          <a:p>
+            <a:pPr algn="ctr"/>
+            <a:r>
+              <a:rPr lang="ko-KR" altLang="en-US" sz="1400" dirty="0">
+                <a:solidFill>
+                  <a:schemeClr val="tx1"/>
+                </a:solidFill>
+              </a:rPr>
+              <a:t>스프린트 리뷰</a:t>
+            </a:r>
+          </a:p>
+        </p:txBody>
+      </p:sp>
+      <p:sp>
+        <p:nvSpPr>
+          <p:cNvPr id="38" name="사각형: 둥근 모서리 37">
+            <a:extLst>
+              <a:ext uri="{FF2B5EF4-FFF2-40B4-BE49-F238E27FC236}">
+                <a16:creationId xmlns:a16="http://schemas.microsoft.com/office/drawing/2014/main" id="{3C6BF4B3-EBC4-401C-A3D0-D0FD9001398C}"/>
+              </a:ext>
+            </a:extLst>
+          </p:cNvPr>
+          <p:cNvSpPr/>
+          <p:nvPr/>
+        </p:nvSpPr>
+        <p:spPr>
+          <a:xfrm>
+            <a:off x="10080886" y="2862208"/>
+            <a:ext cx="619340" cy="2959857"/>
+          </a:xfrm>
+          <a:prstGeom prst="roundRect">
+            <a:avLst/>
+          </a:prstGeom>
+          <a:solidFill>
+            <a:srgbClr val="FF9166"/>
+          </a:solidFill>
+          <a:ln>
+            <a:solidFill>
+              <a:schemeClr val="tx1"/>
+            </a:solidFill>
+          </a:ln>
+        </p:spPr>
+        <p:style>
+          <a:lnRef idx="2">
+            <a:schemeClr val="accent1">
+              <a:shade val="50000"/>
+            </a:schemeClr>
+          </a:lnRef>
+          <a:fillRef idx="1">
+            <a:schemeClr val="accent1"/>
+          </a:fillRef>
+          <a:effectRef idx="0">
+            <a:schemeClr val="accent1"/>
+          </a:effectRef>
+          <a:fontRef idx="minor">
+            <a:schemeClr val="lt1"/>
+          </a:fontRef>
+        </p:style>
+        <p:txBody>
+          <a:bodyPr rtlCol="0" anchor="ctr"/>
+          <a:lstStyle/>
+          <a:p>
+            <a:pPr algn="ctr"/>
+            <a:r>
+              <a:rPr lang="ko-KR" altLang="en-US" sz="1400" dirty="0">
+                <a:solidFill>
+                  <a:schemeClr val="tx1"/>
+                </a:solidFill>
+              </a:rPr>
+              <a:t>중간 발표</a:t>
+            </a:r>
+          </a:p>
+        </p:txBody>
+      </p:sp>
     </p:spTree>
     <p:extLst>
       <p:ext uri="{BB962C8B-B14F-4D97-AF65-F5344CB8AC3E}">
-        <p14:creationId xmlns:p14="http://schemas.microsoft.com/office/powerpoint/2010/main" val="2604992681"/>
+        <p14:creationId xmlns:p14="http://schemas.microsoft.com/office/powerpoint/2010/main" val="4275200039"/>
       </p:ext>
     </p:extLst>
   </p:cSld>
@@ -7200,4 +10566,299 @@
     </a:ext>
   </a:extLst>
 </a:theme>
+</file>
+
+<file path=ppt/theme/theme2.xml><?xml version="1.0" encoding="utf-8"?>
+<a:theme xmlns:a="http://schemas.openxmlformats.org/drawingml/2006/main" name="Office 테마">
+  <a:themeElements>
+    <a:clrScheme name="Office">
+      <a:dk1>
+        <a:sysClr val="windowText" lastClr="000000"/>
+      </a:dk1>
+      <a:lt1>
+        <a:sysClr val="window" lastClr="FFFFFF"/>
+      </a:lt1>
+      <a:dk2>
+        <a:srgbClr val="44546A"/>
+      </a:dk2>
+      <a:lt2>
+        <a:srgbClr val="E7E6E6"/>
+      </a:lt2>
+      <a:accent1>
+        <a:srgbClr val="4472C4"/>
+      </a:accent1>
+      <a:accent2>
+        <a:srgbClr val="ED7D31"/>
+      </a:accent2>
+      <a:accent3>
+        <a:srgbClr val="A5A5A5"/>
+      </a:accent3>
+      <a:accent4>
+        <a:srgbClr val="FFC000"/>
+      </a:accent4>
+      <a:accent5>
+        <a:srgbClr val="5B9BD5"/>
+      </a:accent5>
+      <a:accent6>
+        <a:srgbClr val="70AD47"/>
+      </a:accent6>
+      <a:hlink>
+        <a:srgbClr val="0563C1"/>
+      </a:hlink>
+      <a:folHlink>
+        <a:srgbClr val="954F72"/>
+      </a:folHlink>
+    </a:clrScheme>
+    <a:fontScheme name="Office">
+      <a:majorFont>
+        <a:latin typeface="맑은 고딕" panose="020F0302020204030204"/>
+        <a:ea typeface=""/>
+        <a:cs typeface=""/>
+        <a:font script="Jpan" typeface="游ゴシック Light"/>
+        <a:font script="Hang" typeface="맑은 고딕"/>
+        <a:font script="Hans" typeface="等线 Light"/>
+        <a:font script="Hant" typeface="新細明體"/>
+        <a:font script="Arab" typeface="Times New Roman"/>
+        <a:font script="Hebr" typeface="Times New Roman"/>
+        <a:font script="Thai" typeface="Angsana New"/>
+        <a:font script="Ethi" typeface="Nyala"/>
+        <a:font script="Beng" typeface="Vrinda"/>
+        <a:font script="Gujr" typeface="Shruti"/>
+        <a:font script="Khmr" typeface="MoolBoran"/>
+        <a:font script="Knda" typeface="Tunga"/>
+        <a:font script="Guru" typeface="Raavi"/>
+        <a:font script="Cans" typeface="Euphemia"/>
+        <a:font script="Cher" typeface="Plantagenet Cherokee"/>
+        <a:font script="Yiii" typeface="Microsoft Yi Baiti"/>
+        <a:font script="Tibt" typeface="Microsoft Himalaya"/>
+        <a:font script="Thaa" typeface="MV Boli"/>
+        <a:font script="Deva" typeface="Mangal"/>
+        <a:font script="Telu" typeface="Gautami"/>
+        <a:font script="Taml" typeface="Latha"/>
+        <a:font script="Syrc" typeface="Estrangelo Edessa"/>
+        <a:font script="Orya" typeface="Kalinga"/>
+        <a:font script="Mlym" typeface="Kartika"/>
+        <a:font script="Laoo" typeface="DokChampa"/>
+        <a:font script="Sinh" typeface="Iskoola Pota"/>
+        <a:font script="Mong" typeface="Mongolian Baiti"/>
+        <a:font script="Viet" typeface="Times New Roman"/>
+        <a:font script="Uigh" typeface="Microsoft Uighur"/>
+        <a:font script="Geor" typeface="Sylfaen"/>
+        <a:font script="Armn" typeface="Arial"/>
+        <a:font script="Bugi" typeface="Leelawadee UI"/>
+        <a:font script="Bopo" typeface="Microsoft JhengHei"/>
+        <a:font script="Java" typeface="Javanese Text"/>
+        <a:font script="Lisu" typeface="Segoe UI"/>
+        <a:font script="Mymr" typeface="Myanmar Text"/>
+        <a:font script="Nkoo" typeface="Ebrima"/>
+        <a:font script="Olck" typeface="Nirmala UI"/>
+        <a:font script="Osma" typeface="Ebrima"/>
+        <a:font script="Phag" typeface="Phagspa"/>
+        <a:font script="Syrn" typeface="Estrangelo Edessa"/>
+        <a:font script="Syrj" typeface="Estrangelo Edessa"/>
+        <a:font script="Syre" typeface="Estrangelo Edessa"/>
+        <a:font script="Sora" typeface="Nirmala UI"/>
+        <a:font script="Tale" typeface="Microsoft Tai Le"/>
+        <a:font script="Talu" typeface="Microsoft New Tai Lue"/>
+        <a:font script="Tfng" typeface="Ebrima"/>
+      </a:majorFont>
+      <a:minorFont>
+        <a:latin typeface="맑은 고딕" panose="020F0502020204030204"/>
+        <a:ea typeface=""/>
+        <a:cs typeface=""/>
+        <a:font script="Jpan" typeface="游ゴシック"/>
+        <a:font script="Hang" typeface="맑은 고딕"/>
+        <a:font script="Hans" typeface="等线"/>
+        <a:font script="Hant" typeface="新細明體"/>
+        <a:font script="Arab" typeface="Arial"/>
+        <a:font script="Hebr" typeface="Arial"/>
+        <a:font script="Thai" typeface="Cordia New"/>
+        <a:font script="Ethi" typeface="Nyala"/>
+        <a:font script="Beng" typeface="Vrinda"/>
+        <a:font script="Gujr" typeface="Shruti"/>
+        <a:font script="Khmr" typeface="DaunPenh"/>
+        <a:font script="Knda" typeface="Tunga"/>
+        <a:font script="Guru" typeface="Raavi"/>
+        <a:font script="Cans" typeface="Euphemia"/>
+        <a:font script="Cher" typeface="Plantagenet Cherokee"/>
+        <a:font script="Yiii" typeface="Microsoft Yi Baiti"/>
+        <a:font script="Tibt" typeface="Microsoft Himalaya"/>
+        <a:font script="Thaa" typeface="MV Boli"/>
+        <a:font script="Deva" typeface="Mangal"/>
+        <a:font script="Telu" typeface="Gautami"/>
+        <a:font script="Taml" typeface="Latha"/>
+        <a:font script="Syrc" typeface="Estrangelo Edessa"/>
+        <a:font script="Orya" typeface="Kalinga"/>
+        <a:font script="Mlym" typeface="Kartika"/>
+        <a:font script="Laoo" typeface="DokChampa"/>
+        <a:font script="Sinh" typeface="Iskoola Pota"/>
+        <a:font script="Mong" typeface="Mongolian Baiti"/>
+        <a:font script="Viet" typeface="Arial"/>
+        <a:font script="Uigh" typeface="Microsoft Uighur"/>
+        <a:font script="Geor" typeface="Sylfaen"/>
+        <a:font script="Armn" typeface="Arial"/>
+        <a:font script="Bugi" typeface="Leelawadee UI"/>
+        <a:font script="Bopo" typeface="Microsoft JhengHei"/>
+        <a:font script="Java" typeface="Javanese Text"/>
+        <a:font script="Lisu" typeface="Segoe UI"/>
+        <a:font script="Mymr" typeface="Myanmar Text"/>
+        <a:font script="Nkoo" typeface="Ebrima"/>
+        <a:font script="Olck" typeface="Nirmala UI"/>
+        <a:font script="Osma" typeface="Ebrima"/>
+        <a:font script="Phag" typeface="Phagspa"/>
+        <a:font script="Syrn" typeface="Estrangelo Edessa"/>
+        <a:font script="Syrj" typeface="Estrangelo Edessa"/>
+        <a:font script="Syre" typeface="Estrangelo Edessa"/>
+        <a:font script="Sora" typeface="Nirmala UI"/>
+        <a:font script="Tale" typeface="Microsoft Tai Le"/>
+        <a:font script="Talu" typeface="Microsoft New Tai Lue"/>
+        <a:font script="Tfng" typeface="Ebrima"/>
+      </a:minorFont>
+    </a:fontScheme>
+    <a:fmtScheme name="Office">
+      <a:fillStyleLst>
+        <a:solidFill>
+          <a:schemeClr val="phClr"/>
+        </a:solidFill>
+        <a:gradFill rotWithShape="1">
+          <a:gsLst>
+            <a:gs pos="0">
+              <a:schemeClr val="phClr">
+                <a:lumMod val="110000"/>
+                <a:satMod val="105000"/>
+                <a:tint val="67000"/>
+              </a:schemeClr>
+            </a:gs>
+            <a:gs pos="50000">
+              <a:schemeClr val="phClr">
+                <a:lumMod val="105000"/>
+                <a:satMod val="103000"/>
+                <a:tint val="73000"/>
+              </a:schemeClr>
+            </a:gs>
+            <a:gs pos="100000">
+              <a:schemeClr val="phClr">
+                <a:lumMod val="105000"/>
+                <a:satMod val="109000"/>
+                <a:tint val="81000"/>
+              </a:schemeClr>
+            </a:gs>
+          </a:gsLst>
+          <a:lin ang="5400000" scaled="0"/>
+        </a:gradFill>
+        <a:gradFill rotWithShape="1">
+          <a:gsLst>
+            <a:gs pos="0">
+              <a:schemeClr val="phClr">
+                <a:satMod val="103000"/>
+                <a:lumMod val="102000"/>
+                <a:tint val="94000"/>
+              </a:schemeClr>
+            </a:gs>
+            <a:gs pos="50000">
+              <a:schemeClr val="phClr">
+                <a:satMod val="110000"/>
+                <a:lumMod val="100000"/>
+                <a:shade val="100000"/>
+              </a:schemeClr>
+            </a:gs>
+            <a:gs pos="100000">
+              <a:schemeClr val="phClr">
+                <a:lumMod val="99000"/>
+                <a:satMod val="120000"/>
+                <a:shade val="78000"/>
+              </a:schemeClr>
+            </a:gs>
+          </a:gsLst>
+          <a:lin ang="5400000" scaled="0"/>
+        </a:gradFill>
+      </a:fillStyleLst>
+      <a:lnStyleLst>
+        <a:ln w="6350" cap="flat" cmpd="sng" algn="ctr">
+          <a:solidFill>
+            <a:schemeClr val="phClr"/>
+          </a:solidFill>
+          <a:prstDash val="solid"/>
+          <a:miter lim="800000"/>
+        </a:ln>
+        <a:ln w="12700" cap="flat" cmpd="sng" algn="ctr">
+          <a:solidFill>
+            <a:schemeClr val="phClr"/>
+          </a:solidFill>
+          <a:prstDash val="solid"/>
+          <a:miter lim="800000"/>
+        </a:ln>
+        <a:ln w="19050" cap="flat" cmpd="sng" algn="ctr">
+          <a:solidFill>
+            <a:schemeClr val="phClr"/>
+          </a:solidFill>
+          <a:prstDash val="solid"/>
+          <a:miter lim="800000"/>
+        </a:ln>
+      </a:lnStyleLst>
+      <a:effectStyleLst>
+        <a:effectStyle>
+          <a:effectLst/>
+        </a:effectStyle>
+        <a:effectStyle>
+          <a:effectLst/>
+        </a:effectStyle>
+        <a:effectStyle>
+          <a:effectLst>
+            <a:outerShdw blurRad="57150" dist="19050" dir="5400000" algn="ctr" rotWithShape="0">
+              <a:srgbClr val="000000">
+                <a:alpha val="63000"/>
+              </a:srgbClr>
+            </a:outerShdw>
+          </a:effectLst>
+        </a:effectStyle>
+      </a:effectStyleLst>
+      <a:bgFillStyleLst>
+        <a:solidFill>
+          <a:schemeClr val="phClr"/>
+        </a:solidFill>
+        <a:solidFill>
+          <a:schemeClr val="phClr">
+            <a:tint val="95000"/>
+            <a:satMod val="170000"/>
+          </a:schemeClr>
+        </a:solidFill>
+        <a:gradFill rotWithShape="1">
+          <a:gsLst>
+            <a:gs pos="0">
+              <a:schemeClr val="phClr">
+                <a:tint val="93000"/>
+                <a:satMod val="150000"/>
+                <a:shade val="98000"/>
+                <a:lumMod val="102000"/>
+              </a:schemeClr>
+            </a:gs>
+            <a:gs pos="50000">
+              <a:schemeClr val="phClr">
+                <a:tint val="98000"/>
+                <a:satMod val="130000"/>
+                <a:shade val="90000"/>
+                <a:lumMod val="103000"/>
+              </a:schemeClr>
+            </a:gs>
+            <a:gs pos="100000">
+              <a:schemeClr val="phClr">
+                <a:shade val="63000"/>
+                <a:satMod val="120000"/>
+              </a:schemeClr>
+            </a:gs>
+          </a:gsLst>
+          <a:lin ang="5400000" scaled="0"/>
+        </a:gradFill>
+      </a:bgFillStyleLst>
+    </a:fmtScheme>
+  </a:themeElements>
+  <a:objectDefaults/>
+  <a:extraClrSchemeLst/>
+  <a:extLst>
+    <a:ext uri="{05A4C25C-085E-4340-85A3-A5531E510DB2}">
+      <thm15:themeFamily xmlns:thm15="http://schemas.microsoft.com/office/thememl/2012/main" name="Office Theme" id="{62F939B6-93AF-4DB8-9C6B-D6C7DFDC589F}" vid="{4A3C46E8-61CC-4603-A589-7422A47A8E4A}"/>
+    </a:ext>
+  </a:extLst>
+</a:theme>
 </file>
--- a/ETC/프로젝트 제안서 7조.pptx
+++ b/ETC/프로젝트 제안서 7조.pptx
@@ -5,7 +5,7 @@
     <p:sldMasterId id="2147483648" r:id="rId1"/>
   </p:sldMasterIdLst>
   <p:notesMasterIdLst>
-    <p:notesMasterId r:id="rId15"/>
+    <p:notesMasterId r:id="rId14"/>
   </p:notesMasterIdLst>
   <p:sldIdLst>
     <p:sldId id="256" r:id="rId2"/>
@@ -20,7 +20,6 @@
     <p:sldId id="267" r:id="rId11"/>
     <p:sldId id="262" r:id="rId12"/>
     <p:sldId id="263" r:id="rId13"/>
-    <p:sldId id="268" r:id="rId14"/>
   </p:sldIdLst>
   <p:sldSz cx="12192000" cy="6858000"/>
   <p:notesSz cx="6858000" cy="9144000"/>
@@ -209,7 +208,7 @@
           <a:p>
             <a:fld id="{09B75D47-7581-4EC6-9DBA-51A73CFF6B9C}" type="datetimeFigureOut">
               <a:rPr lang="ko-KR" altLang="en-US" smtClean="0"/>
-              <a:t>2021-10-01</a:t>
+              <a:t>2021-10-02</a:t>
             </a:fld>
             <a:endParaRPr lang="ko-KR" altLang="en-US"/>
           </a:p>
@@ -884,6 +883,90 @@
           <a:p>
             <a:fld id="{62AE3B0C-D74A-45B0-AB75-3151BAD62F15}" type="slidenum">
               <a:rPr lang="ko-KR" altLang="en-US" smtClean="0"/>
+              <a:t>9</a:t>
+            </a:fld>
+            <a:endParaRPr lang="ko-KR" altLang="en-US"/>
+          </a:p>
+        </p:txBody>
+      </p:sp>
+    </p:spTree>
+    <p:extLst>
+      <p:ext uri="{BB962C8B-B14F-4D97-AF65-F5344CB8AC3E}">
+        <p14:creationId xmlns:p14="http://schemas.microsoft.com/office/powerpoint/2010/main" val="4048749222"/>
+      </p:ext>
+    </p:extLst>
+  </p:cSld>
+  <p:clrMapOvr>
+    <a:masterClrMapping/>
+  </p:clrMapOvr>
+</p:notes>
+</file>
+
+<file path=ppt/notesSlides/notesSlide4.xml><?xml version="1.0" encoding="utf-8"?>
+<p:notes xmlns:a="http://schemas.openxmlformats.org/drawingml/2006/main" xmlns:r="http://schemas.openxmlformats.org/officeDocument/2006/relationships" xmlns:p="http://schemas.openxmlformats.org/presentationml/2006/main">
+  <p:cSld>
+    <p:spTree>
+      <p:nvGrpSpPr>
+        <p:cNvPr id="1" name=""/>
+        <p:cNvGrpSpPr/>
+        <p:nvPr/>
+      </p:nvGrpSpPr>
+      <p:grpSpPr>
+        <a:xfrm>
+          <a:off x="0" y="0"/>
+          <a:ext cx="0" cy="0"/>
+          <a:chOff x="0" y="0"/>
+          <a:chExt cx="0" cy="0"/>
+        </a:xfrm>
+      </p:grpSpPr>
+      <p:sp>
+        <p:nvSpPr>
+          <p:cNvPr id="2" name="슬라이드 이미지 개체 틀 1"/>
+          <p:cNvSpPr>
+            <a:spLocks noGrp="1" noRot="1" noChangeAspect="1"/>
+          </p:cNvSpPr>
+          <p:nvPr>
+            <p:ph type="sldImg"/>
+          </p:nvPr>
+        </p:nvSpPr>
+        <p:spPr/>
+      </p:sp>
+      <p:sp>
+        <p:nvSpPr>
+          <p:cNvPr id="3" name="슬라이드 노트 개체 틀 2"/>
+          <p:cNvSpPr>
+            <a:spLocks noGrp="1"/>
+          </p:cNvSpPr>
+          <p:nvPr>
+            <p:ph type="body" idx="1"/>
+          </p:nvPr>
+        </p:nvSpPr>
+        <p:spPr/>
+        <p:txBody>
+          <a:bodyPr/>
+          <a:lstStyle/>
+          <a:p>
+            <a:endParaRPr lang="ko-KR" altLang="en-US" dirty="0"/>
+          </a:p>
+        </p:txBody>
+      </p:sp>
+      <p:sp>
+        <p:nvSpPr>
+          <p:cNvPr id="4" name="슬라이드 번호 개체 틀 3"/>
+          <p:cNvSpPr>
+            <a:spLocks noGrp="1"/>
+          </p:cNvSpPr>
+          <p:nvPr>
+            <p:ph type="sldNum" sz="quarter" idx="5"/>
+          </p:nvPr>
+        </p:nvSpPr>
+        <p:spPr/>
+        <p:txBody>
+          <a:bodyPr/>
+          <a:lstStyle/>
+          <a:p>
+            <a:fld id="{62AE3B0C-D74A-45B0-AB75-3151BAD62F15}" type="slidenum">
+              <a:rPr lang="ko-KR" altLang="en-US" smtClean="0"/>
               <a:t>10</a:t>
             </a:fld>
             <a:endParaRPr lang="ko-KR" altLang="en-US"/>
@@ -1050,7 +1133,7 @@
           <a:p>
             <a:fld id="{0C227048-AD30-4EB8-BFA5-CE5E90F25390}" type="datetimeFigureOut">
               <a:rPr lang="ko-KR" altLang="en-US" smtClean="0"/>
-              <a:t>2021-10-01</a:t>
+              <a:t>2021-10-02</a:t>
             </a:fld>
             <a:endParaRPr lang="ko-KR" altLang="en-US"/>
           </a:p>
@@ -1248,7 +1331,7 @@
           <a:p>
             <a:fld id="{0C227048-AD30-4EB8-BFA5-CE5E90F25390}" type="datetimeFigureOut">
               <a:rPr lang="ko-KR" altLang="en-US" smtClean="0"/>
-              <a:t>2021-10-01</a:t>
+              <a:t>2021-10-02</a:t>
             </a:fld>
             <a:endParaRPr lang="ko-KR" altLang="en-US"/>
           </a:p>
@@ -1456,7 +1539,7 @@
           <a:p>
             <a:fld id="{0C227048-AD30-4EB8-BFA5-CE5E90F25390}" type="datetimeFigureOut">
               <a:rPr lang="ko-KR" altLang="en-US" smtClean="0"/>
-              <a:t>2021-10-01</a:t>
+              <a:t>2021-10-02</a:t>
             </a:fld>
             <a:endParaRPr lang="ko-KR" altLang="en-US"/>
           </a:p>
@@ -1654,7 +1737,7 @@
           <a:p>
             <a:fld id="{0C227048-AD30-4EB8-BFA5-CE5E90F25390}" type="datetimeFigureOut">
               <a:rPr lang="ko-KR" altLang="en-US" smtClean="0"/>
-              <a:t>2021-10-01</a:t>
+              <a:t>2021-10-02</a:t>
             </a:fld>
             <a:endParaRPr lang="ko-KR" altLang="en-US"/>
           </a:p>
@@ -1929,7 +2012,7 @@
           <a:p>
             <a:fld id="{0C227048-AD30-4EB8-BFA5-CE5E90F25390}" type="datetimeFigureOut">
               <a:rPr lang="ko-KR" altLang="en-US" smtClean="0"/>
-              <a:t>2021-10-01</a:t>
+              <a:t>2021-10-02</a:t>
             </a:fld>
             <a:endParaRPr lang="ko-KR" altLang="en-US"/>
           </a:p>
@@ -2194,7 +2277,7 @@
           <a:p>
             <a:fld id="{0C227048-AD30-4EB8-BFA5-CE5E90F25390}" type="datetimeFigureOut">
               <a:rPr lang="ko-KR" altLang="en-US" smtClean="0"/>
-              <a:t>2021-10-01</a:t>
+              <a:t>2021-10-02</a:t>
             </a:fld>
             <a:endParaRPr lang="ko-KR" altLang="en-US"/>
           </a:p>
@@ -2606,7 +2689,7 @@
           <a:p>
             <a:fld id="{0C227048-AD30-4EB8-BFA5-CE5E90F25390}" type="datetimeFigureOut">
               <a:rPr lang="ko-KR" altLang="en-US" smtClean="0"/>
-              <a:t>2021-10-01</a:t>
+              <a:t>2021-10-02</a:t>
             </a:fld>
             <a:endParaRPr lang="ko-KR" altLang="en-US"/>
           </a:p>
@@ -2747,7 +2830,7 @@
           <a:p>
             <a:fld id="{0C227048-AD30-4EB8-BFA5-CE5E90F25390}" type="datetimeFigureOut">
               <a:rPr lang="ko-KR" altLang="en-US" smtClean="0"/>
-              <a:t>2021-10-01</a:t>
+              <a:t>2021-10-02</a:t>
             </a:fld>
             <a:endParaRPr lang="ko-KR" altLang="en-US"/>
           </a:p>
@@ -2860,7 +2943,7 @@
           <a:p>
             <a:fld id="{0C227048-AD30-4EB8-BFA5-CE5E90F25390}" type="datetimeFigureOut">
               <a:rPr lang="ko-KR" altLang="en-US" smtClean="0"/>
-              <a:t>2021-10-01</a:t>
+              <a:t>2021-10-02</a:t>
             </a:fld>
             <a:endParaRPr lang="ko-KR" altLang="en-US"/>
           </a:p>
@@ -3171,7 +3254,7 @@
           <a:p>
             <a:fld id="{0C227048-AD30-4EB8-BFA5-CE5E90F25390}" type="datetimeFigureOut">
               <a:rPr lang="ko-KR" altLang="en-US" smtClean="0"/>
-              <a:t>2021-10-01</a:t>
+              <a:t>2021-10-02</a:t>
             </a:fld>
             <a:endParaRPr lang="ko-KR" altLang="en-US"/>
           </a:p>
@@ -3459,7 +3542,7 @@
           <a:p>
             <a:fld id="{0C227048-AD30-4EB8-BFA5-CE5E90F25390}" type="datetimeFigureOut">
               <a:rPr lang="ko-KR" altLang="en-US" smtClean="0"/>
-              <a:t>2021-10-01</a:t>
+              <a:t>2021-10-02</a:t>
             </a:fld>
             <a:endParaRPr lang="ko-KR" altLang="en-US"/>
           </a:p>
@@ -3700,7 +3783,7 @@
           <a:p>
             <a:fld id="{0C227048-AD30-4EB8-BFA5-CE5E90F25390}" type="datetimeFigureOut">
               <a:rPr lang="ko-KR" altLang="en-US" smtClean="0"/>
-              <a:t>2021-10-01</a:t>
+              <a:t>2021-10-02</a:t>
             </a:fld>
             <a:endParaRPr lang="ko-KR" altLang="en-US"/>
           </a:p>
@@ -5081,8 +5164,8 @@
         </p:nvSpPr>
         <p:spPr>
           <a:xfrm>
-            <a:off x="618479" y="2830379"/>
-            <a:ext cx="219721" cy="2991685"/>
+            <a:off x="618478" y="2860237"/>
+            <a:ext cx="255981" cy="2973099"/>
           </a:xfrm>
           <a:prstGeom prst="roundRect">
             <a:avLst/>
@@ -5147,8 +5230,8 @@
         </p:nvSpPr>
         <p:spPr>
           <a:xfrm>
-            <a:off x="1518929" y="4235512"/>
-            <a:ext cx="875028" cy="598620"/>
+            <a:off x="1521087" y="4397741"/>
+            <a:ext cx="875028" cy="1436554"/>
           </a:xfrm>
           <a:prstGeom prst="roundRect">
             <a:avLst/>
@@ -5227,8 +5310,8 @@
         </p:nvSpPr>
         <p:spPr>
           <a:xfrm>
-            <a:off x="868680" y="3547396"/>
-            <a:ext cx="664326" cy="598620"/>
+            <a:off x="937587" y="2860238"/>
+            <a:ext cx="583596" cy="1367878"/>
           </a:xfrm>
           <a:prstGeom prst="roundRect">
             <a:avLst/>
@@ -5299,8 +5382,8 @@
         </p:nvSpPr>
         <p:spPr>
           <a:xfrm>
-            <a:off x="3535434" y="3547396"/>
-            <a:ext cx="1077206" cy="598620"/>
+            <a:off x="3342282" y="3629496"/>
+            <a:ext cx="1290175" cy="598620"/>
           </a:xfrm>
           <a:prstGeom prst="roundRect">
             <a:avLst/>
@@ -5382,8 +5465,8 @@
         </p:nvSpPr>
         <p:spPr>
           <a:xfrm>
-            <a:off x="2409079" y="4234554"/>
-            <a:ext cx="1338181" cy="598620"/>
+            <a:off x="2459243" y="4396783"/>
+            <a:ext cx="1290175" cy="1436554"/>
           </a:xfrm>
           <a:prstGeom prst="roundRect">
             <a:avLst/>
@@ -5605,7 +5688,7 @@
         </p:nvSpPr>
         <p:spPr>
           <a:xfrm>
-            <a:off x="4897120" y="4236761"/>
+            <a:off x="4912367" y="4396783"/>
             <a:ext cx="1094868" cy="598620"/>
           </a:xfrm>
           <a:prstGeom prst="roundRect">
@@ -5691,7 +5774,7 @@
         <p:spPr>
           <a:xfrm>
             <a:off x="9398418" y="2862208"/>
-            <a:ext cx="619340" cy="2959857"/>
+            <a:ext cx="619340" cy="2971127"/>
           </a:xfrm>
           <a:prstGeom prst="roundRect">
             <a:avLst/>
@@ -5752,7 +5835,7 @@
         <p:spPr>
           <a:xfrm>
             <a:off x="10080886" y="2862208"/>
-            <a:ext cx="619340" cy="2959857"/>
+            <a:ext cx="619340" cy="2971127"/>
           </a:xfrm>
           <a:prstGeom prst="roundRect">
             <a:avLst/>
@@ -5948,7 +6031,7 @@
                 <a:latin typeface="a천생연분" panose="02020600000000000000" pitchFamily="18" charset="-127"/>
                 <a:ea typeface="a천생연분" panose="02020600000000000000" pitchFamily="18" charset="-127"/>
               </a:rPr>
-              <a:t>의 인식률은 매우 낮은 편임</a:t>
+              <a:t>의 정확도가 높지 않음</a:t>
             </a:r>
             <a:r>
               <a:rPr lang="en-US" altLang="ko-KR" sz="2400" dirty="0">
@@ -6018,7 +6101,7 @@
                 <a:latin typeface="a천생연분" panose="02020600000000000000" pitchFamily="18" charset="-127"/>
                 <a:ea typeface="a천생연분" panose="02020600000000000000" pitchFamily="18" charset="-127"/>
               </a:rPr>
-              <a:t>모델 재학습으로 인식률 높이기</a:t>
+              <a:t>모델 재학습으로 정확도 높이기</a:t>
             </a:r>
             <a:endParaRPr lang="en-US" altLang="ko-KR" sz="2400" dirty="0">
               <a:latin typeface="a천생연분" panose="02020600000000000000" pitchFamily="18" charset="-127"/>
@@ -6050,7 +6133,7 @@
                 <a:latin typeface="a천생연분" panose="02020600000000000000" pitchFamily="18" charset="-127"/>
                 <a:ea typeface="a천생연분" panose="02020600000000000000" pitchFamily="18" charset="-127"/>
               </a:rPr>
-              <a:t>권장기한에 대한 정보부족</a:t>
+              <a:t>소비기한에 대한 정보부족</a:t>
             </a:r>
             <a:endParaRPr lang="en-US" altLang="ko-KR" dirty="0">
               <a:latin typeface="a천생연분" panose="02020600000000000000" pitchFamily="18" charset="-127"/>
@@ -6067,7 +6150,7 @@
                 <a:latin typeface="a천생연분" panose="02020600000000000000" pitchFamily="18" charset="-127"/>
                 <a:ea typeface="a천생연분" panose="02020600000000000000" pitchFamily="18" charset="-127"/>
               </a:rPr>
-              <a:t> 현재 우리나라에서는 권장기한에 대한 정확한 정보가 없음</a:t>
+              <a:t> 현재 우리나라에서는 소비기한에 대한 정확한 정보가 없음</a:t>
             </a:r>
             <a:endParaRPr lang="en-US" altLang="ko-KR" sz="2400" dirty="0">
               <a:latin typeface="a천생연분" panose="02020600000000000000" pitchFamily="18" charset="-127"/>
@@ -6116,7 +6199,7 @@
                 <a:latin typeface="a천생연분" panose="02020600000000000000" pitchFamily="18" charset="-127"/>
                 <a:ea typeface="a천생연분" panose="02020600000000000000" pitchFamily="18" charset="-127"/>
               </a:rPr>
-              <a:t>미국과 일본 등 이미 권장기한을 사용하고 있는 국가의 권장기한 데이터를 참고</a:t>
+              <a:t>미국과 일본 등 이미 소비기한을 사용하고 있는 국가의 소비기한 데이터를 참고</a:t>
             </a:r>
             <a:endParaRPr lang="en-US" altLang="ko-KR" sz="2400" dirty="0">
               <a:latin typeface="a천생연분" panose="02020600000000000000" pitchFamily="18" charset="-127"/>
@@ -6157,25 +6240,65 @@
       </p:grpSpPr>
       <p:sp>
         <p:nvSpPr>
-          <p:cNvPr id="2" name="제목 1">
-            <a:extLst>
-              <a:ext uri="{FF2B5EF4-FFF2-40B4-BE49-F238E27FC236}">
-                <a16:creationId xmlns:a16="http://schemas.microsoft.com/office/drawing/2014/main" id="{805C7EF9-5B1F-490A-97AE-FF6461246548}"/>
-              </a:ext>
-            </a:extLst>
-          </p:cNvPr>
-          <p:cNvSpPr>
-            <a:spLocks noGrp="1"/>
+          <p:cNvPr id="4" name="제목 1">
+            <a:extLst>
+              <a:ext uri="{FF2B5EF4-FFF2-40B4-BE49-F238E27FC236}">
+                <a16:creationId xmlns:a16="http://schemas.microsoft.com/office/drawing/2014/main" id="{EFA3A4AB-B849-4636-AF7F-B36D1EA1D845}"/>
+              </a:ext>
+            </a:extLst>
+          </p:cNvPr>
+          <p:cNvSpPr txBox="1">
+            <a:spLocks/>
           </p:cNvSpPr>
-          <p:nvPr>
-            <p:ph type="title"/>
-          </p:nvPr>
-        </p:nvSpPr>
-        <p:spPr/>
-        <p:txBody>
-          <a:bodyPr/>
-          <a:lstStyle/>
-          <a:p>
+          <p:nvPr/>
+        </p:nvSpPr>
+        <p:spPr>
+          <a:xfrm>
+            <a:off x="1524000" y="2235200"/>
+            <a:ext cx="9144000" cy="2387600"/>
+          </a:xfrm>
+          <a:prstGeom prst="rect">
+            <a:avLst/>
+          </a:prstGeom>
+        </p:spPr>
+        <p:txBody>
+          <a:bodyPr vert="horz" lIns="91440" tIns="45720" rIns="91440" bIns="45720" rtlCol="0" anchor="ctr">
+            <a:normAutofit/>
+          </a:bodyPr>
+          <a:lstStyle>
+            <a:lvl1pPr algn="l" defTabSz="914400" rtl="0" eaLnBrk="1" latinLnBrk="1" hangingPunct="1">
+              <a:lnSpc>
+                <a:spcPct val="90000"/>
+              </a:lnSpc>
+              <a:spcBef>
+                <a:spcPct val="0"/>
+              </a:spcBef>
+              <a:buNone/>
+              <a:defRPr sz="4400" kern="1200">
+                <a:solidFill>
+                  <a:schemeClr val="tx1"/>
+                </a:solidFill>
+                <a:latin typeface="+mj-lt"/>
+                <a:ea typeface="+mj-ea"/>
+                <a:cs typeface="+mj-cs"/>
+              </a:defRPr>
+            </a:lvl1pPr>
+          </a:lstStyle>
+          <a:p>
+            <a:r>
+              <a:rPr lang="ko-KR" altLang="en-US" dirty="0">
+                <a:latin typeface="a솜사탕" panose="02020600000000000000" pitchFamily="18" charset="-127"/>
+                <a:ea typeface="a솜사탕" panose="02020600000000000000" pitchFamily="18" charset="-127"/>
+              </a:rPr>
+              <a:t>감사합니다</a:t>
+            </a:r>
+            <a:r>
+              <a:rPr lang="en-US" altLang="ko-KR" dirty="0">
+                <a:latin typeface="a솜사탕" panose="02020600000000000000" pitchFamily="18" charset="-127"/>
+                <a:ea typeface="a솜사탕" panose="02020600000000000000" pitchFamily="18" charset="-127"/>
+              </a:rPr>
+              <a:t>:)</a:t>
+            </a:r>
             <a:endParaRPr lang="ko-KR" altLang="en-US" dirty="0">
               <a:latin typeface="a솜사탕" panose="02020600000000000000" pitchFamily="18" charset="-127"/>
               <a:ea typeface="a솜사탕" panose="02020600000000000000" pitchFamily="18" charset="-127"/>
@@ -6183,127 +6306,10 @@
           </a:p>
         </p:txBody>
       </p:sp>
-      <p:sp>
-        <p:nvSpPr>
-          <p:cNvPr id="3" name="내용 개체 틀 2">
-            <a:extLst>
-              <a:ext uri="{FF2B5EF4-FFF2-40B4-BE49-F238E27FC236}">
-                <a16:creationId xmlns:a16="http://schemas.microsoft.com/office/drawing/2014/main" id="{C1A20ADB-8DAC-44E3-9C5F-F82E8B550458}"/>
-              </a:ext>
-            </a:extLst>
-          </p:cNvPr>
-          <p:cNvSpPr>
-            <a:spLocks noGrp="1"/>
-          </p:cNvSpPr>
-          <p:nvPr>
-            <p:ph idx="1"/>
-          </p:nvPr>
-        </p:nvSpPr>
-        <p:spPr/>
-        <p:txBody>
-          <a:bodyPr/>
-          <a:lstStyle/>
-          <a:p>
-            <a:endParaRPr lang="ko-KR" altLang="en-US" dirty="0">
-              <a:latin typeface="a천생연분" panose="02020600000000000000" pitchFamily="18" charset="-127"/>
-              <a:ea typeface="a천생연분" panose="02020600000000000000" pitchFamily="18" charset="-127"/>
-            </a:endParaRPr>
-          </a:p>
-        </p:txBody>
-      </p:sp>
     </p:spTree>
     <p:extLst>
       <p:ext uri="{BB962C8B-B14F-4D97-AF65-F5344CB8AC3E}">
         <p14:creationId xmlns:p14="http://schemas.microsoft.com/office/powerpoint/2010/main" val="2000527618"/>
-      </p:ext>
-    </p:extLst>
-  </p:cSld>
-  <p:clrMapOvr>
-    <a:masterClrMapping/>
-  </p:clrMapOvr>
-</p:sld>
-</file>
-
-<file path=ppt/slides/slide13.xml><?xml version="1.0" encoding="utf-8"?>
-<p:sld xmlns:a="http://schemas.openxmlformats.org/drawingml/2006/main" xmlns:r="http://schemas.openxmlformats.org/officeDocument/2006/relationships" xmlns:p="http://schemas.openxmlformats.org/presentationml/2006/main">
-  <p:cSld>
-    <p:spTree>
-      <p:nvGrpSpPr>
-        <p:cNvPr id="1" name=""/>
-        <p:cNvGrpSpPr/>
-        <p:nvPr/>
-      </p:nvGrpSpPr>
-      <p:grpSpPr>
-        <a:xfrm>
-          <a:off x="0" y="0"/>
-          <a:ext cx="0" cy="0"/>
-          <a:chOff x="0" y="0"/>
-          <a:chExt cx="0" cy="0"/>
-        </a:xfrm>
-      </p:grpSpPr>
-      <p:sp>
-        <p:nvSpPr>
-          <p:cNvPr id="2" name="제목 1">
-            <a:extLst>
-              <a:ext uri="{FF2B5EF4-FFF2-40B4-BE49-F238E27FC236}">
-                <a16:creationId xmlns:a16="http://schemas.microsoft.com/office/drawing/2014/main" id="{805C7EF9-5B1F-490A-97AE-FF6461246548}"/>
-              </a:ext>
-            </a:extLst>
-          </p:cNvPr>
-          <p:cNvSpPr>
-            <a:spLocks noGrp="1"/>
-          </p:cNvSpPr>
-          <p:nvPr>
-            <p:ph type="title"/>
-          </p:nvPr>
-        </p:nvSpPr>
-        <p:spPr/>
-        <p:txBody>
-          <a:bodyPr/>
-          <a:lstStyle/>
-          <a:p>
-            <a:endParaRPr lang="ko-KR" altLang="en-US" dirty="0">
-              <a:latin typeface="a솜사탕" panose="02020600000000000000" pitchFamily="18" charset="-127"/>
-              <a:ea typeface="a솜사탕" panose="02020600000000000000" pitchFamily="18" charset="-127"/>
-            </a:endParaRPr>
-          </a:p>
-        </p:txBody>
-      </p:sp>
-      <p:sp>
-        <p:nvSpPr>
-          <p:cNvPr id="3" name="내용 개체 틀 2">
-            <a:extLst>
-              <a:ext uri="{FF2B5EF4-FFF2-40B4-BE49-F238E27FC236}">
-                <a16:creationId xmlns:a16="http://schemas.microsoft.com/office/drawing/2014/main" id="{C1A20ADB-8DAC-44E3-9C5F-F82E8B550458}"/>
-              </a:ext>
-            </a:extLst>
-          </p:cNvPr>
-          <p:cNvSpPr>
-            <a:spLocks noGrp="1"/>
-          </p:cNvSpPr>
-          <p:nvPr>
-            <p:ph idx="1"/>
-          </p:nvPr>
-        </p:nvSpPr>
-        <p:spPr/>
-        <p:txBody>
-          <a:bodyPr/>
-          <a:lstStyle/>
-          <a:p>
-            <a:pPr marL="0" indent="0">
-              <a:buNone/>
-            </a:pPr>
-            <a:endParaRPr lang="ko-KR" altLang="en-US" dirty="0">
-              <a:latin typeface="a천생연분" panose="02020600000000000000" pitchFamily="18" charset="-127"/>
-              <a:ea typeface="a천생연분" panose="02020600000000000000" pitchFamily="18" charset="-127"/>
-            </a:endParaRPr>
-          </a:p>
-        </p:txBody>
-      </p:sp>
-    </p:spTree>
-    <p:extLst>
-      <p:ext uri="{BB962C8B-B14F-4D97-AF65-F5344CB8AC3E}">
-        <p14:creationId xmlns:p14="http://schemas.microsoft.com/office/powerpoint/2010/main" val="2020527291"/>
       </p:ext>
     </p:extLst>
   </p:cSld>
@@ -6712,7 +6718,7 @@
                 <a:latin typeface="a천생연분" panose="02020600000000000000" pitchFamily="18" charset="-127"/>
                 <a:ea typeface="a천생연분" panose="02020600000000000000" pitchFamily="18" charset="-127"/>
               </a:rPr>
-              <a:t>연간 </a:t>
+              <a:t>현재 연간 </a:t>
             </a:r>
             <a:r>
               <a:rPr lang="en-US" altLang="ko-KR" dirty="0">
@@ -6801,7 +6807,12 @@
             <p:ph type="title"/>
           </p:nvPr>
         </p:nvSpPr>
-        <p:spPr/>
+        <p:spPr>
+          <a:xfrm>
+            <a:off x="838200" y="311962"/>
+            <a:ext cx="10515600" cy="1325563"/>
+          </a:xfrm>
+        </p:spPr>
         <p:txBody>
           <a:bodyPr/>
           <a:lstStyle/>
@@ -6816,35 +6827,305 @@
           </a:p>
         </p:txBody>
       </p:sp>
-      <p:pic>
-        <p:nvPicPr>
-          <p:cNvPr id="4" name="그림 3">
-            <a:extLst>
-              <a:ext uri="{FF2B5EF4-FFF2-40B4-BE49-F238E27FC236}">
-                <a16:creationId xmlns:a16="http://schemas.microsoft.com/office/drawing/2014/main" id="{26A531A6-C2A1-492B-87D1-FEC40DF9407A}"/>
-              </a:ext>
-            </a:extLst>
-          </p:cNvPr>
-          <p:cNvPicPr>
-            <a:picLocks noChangeAspect="1"/>
-          </p:cNvPicPr>
+      <p:grpSp>
+        <p:nvGrpSpPr>
+          <p:cNvPr id="11" name="그룹 10">
+            <a:extLst>
+              <a:ext uri="{FF2B5EF4-FFF2-40B4-BE49-F238E27FC236}">
+                <a16:creationId xmlns:a16="http://schemas.microsoft.com/office/drawing/2014/main" id="{0ED2ED96-705E-4424-B492-9FAEEDEB8FED}"/>
+              </a:ext>
+            </a:extLst>
+          </p:cNvPr>
+          <p:cNvGrpSpPr/>
           <p:nvPr/>
-        </p:nvPicPr>
-        <p:blipFill rotWithShape="1">
-          <a:blip r:embed="rId2"/>
-          <a:srcRect r="3705"/>
-          <a:stretch/>
-        </p:blipFill>
-        <p:spPr>
+        </p:nvGrpSpPr>
+        <p:grpSpPr>
           <a:xfrm>
-            <a:off x="689882" y="2370889"/>
+            <a:off x="689882" y="2424051"/>
             <a:ext cx="10812236" cy="2957925"/>
+            <a:chOff x="689882" y="2424051"/>
+            <a:chExt cx="10812236" cy="2957925"/>
           </a:xfrm>
-          <a:prstGeom prst="rect">
-            <a:avLst/>
-          </a:prstGeom>
-        </p:spPr>
-      </p:pic>
+        </p:grpSpPr>
+        <p:pic>
+          <p:nvPicPr>
+            <p:cNvPr id="4" name="그림 3">
+              <a:extLst>
+                <a:ext uri="{FF2B5EF4-FFF2-40B4-BE49-F238E27FC236}">
+                  <a16:creationId xmlns:a16="http://schemas.microsoft.com/office/drawing/2014/main" id="{26A531A6-C2A1-492B-87D1-FEC40DF9407A}"/>
+                </a:ext>
+              </a:extLst>
+            </p:cNvPr>
+            <p:cNvPicPr>
+              <a:picLocks noChangeAspect="1"/>
+            </p:cNvPicPr>
+            <p:nvPr/>
+          </p:nvPicPr>
+          <p:blipFill rotWithShape="1">
+            <a:blip r:embed="rId2"/>
+            <a:srcRect r="3705"/>
+            <a:stretch/>
+          </p:blipFill>
+          <p:spPr>
+            <a:xfrm>
+              <a:off x="689882" y="2424051"/>
+              <a:ext cx="10812236" cy="2957925"/>
+            </a:xfrm>
+            <a:prstGeom prst="rect">
+              <a:avLst/>
+            </a:prstGeom>
+          </p:spPr>
+        </p:pic>
+        <p:sp>
+          <p:nvSpPr>
+            <p:cNvPr id="5" name="TextBox 4">
+              <a:extLst>
+                <a:ext uri="{FF2B5EF4-FFF2-40B4-BE49-F238E27FC236}">
+                  <a16:creationId xmlns:a16="http://schemas.microsoft.com/office/drawing/2014/main" id="{C8B1CE2B-21B1-4421-A3DF-3514E6F9AAE7}"/>
+                </a:ext>
+              </a:extLst>
+            </p:cNvPr>
+            <p:cNvSpPr txBox="1"/>
+            <p:nvPr/>
+          </p:nvSpPr>
+          <p:spPr>
+            <a:xfrm>
+              <a:off x="4898571" y="3412671"/>
+              <a:ext cx="2645228" cy="584775"/>
+            </a:xfrm>
+            <a:prstGeom prst="rect">
+              <a:avLst/>
+            </a:prstGeom>
+            <a:solidFill>
+              <a:schemeClr val="bg1"/>
+            </a:solidFill>
+          </p:spPr>
+          <p:txBody>
+            <a:bodyPr wrap="square">
+              <a:spAutoFit/>
+            </a:bodyPr>
+            <a:lstStyle/>
+            <a:p>
+              <a:pPr algn="ctr"/>
+              <a:r>
+                <a:rPr lang="ko-KR" altLang="en-US" sz="3200" dirty="0">
+                  <a:latin typeface="a솜사탕" panose="02020600000000000000" pitchFamily="18" charset="-127"/>
+                  <a:ea typeface="a솜사탕" panose="02020600000000000000" pitchFamily="18" charset="-127"/>
+                </a:rPr>
+                <a:t>냉장고 관리</a:t>
+              </a:r>
+              <a:endParaRPr lang="ko-KR" altLang="en-US" sz="3200" dirty="0"/>
+            </a:p>
+          </p:txBody>
+        </p:sp>
+        <p:sp>
+          <p:nvSpPr>
+            <p:cNvPr id="7" name="TextBox 6">
+              <a:extLst>
+                <a:ext uri="{FF2B5EF4-FFF2-40B4-BE49-F238E27FC236}">
+                  <a16:creationId xmlns:a16="http://schemas.microsoft.com/office/drawing/2014/main" id="{6A7F1CFB-F6D7-416A-A912-50E0057C339E}"/>
+                </a:ext>
+              </a:extLst>
+            </p:cNvPr>
+            <p:cNvSpPr txBox="1"/>
+            <p:nvPr/>
+          </p:nvSpPr>
+          <p:spPr>
+            <a:xfrm>
+              <a:off x="2910667" y="3158333"/>
+              <a:ext cx="1331725" cy="338554"/>
+            </a:xfrm>
+            <a:prstGeom prst="rect">
+              <a:avLst/>
+            </a:prstGeom>
+            <a:solidFill>
+              <a:schemeClr val="bg1"/>
+            </a:solidFill>
+          </p:spPr>
+          <p:txBody>
+            <a:bodyPr wrap="square">
+              <a:spAutoFit/>
+            </a:bodyPr>
+            <a:lstStyle/>
+            <a:p>
+              <a:pPr algn="ctr"/>
+              <a:r>
+                <a:rPr lang="ko-KR" altLang="en-US" sz="1600" dirty="0">
+                  <a:latin typeface="a천생연분" panose="02020600000000000000" pitchFamily="18" charset="-127"/>
+                  <a:ea typeface="a천생연분" panose="02020600000000000000" pitchFamily="18" charset="-127"/>
+                </a:rPr>
+                <a:t>식품 소비기한</a:t>
+              </a:r>
+            </a:p>
+          </p:txBody>
+        </p:sp>
+        <p:sp>
+          <p:nvSpPr>
+            <p:cNvPr id="8" name="TextBox 7">
+              <a:extLst>
+                <a:ext uri="{FF2B5EF4-FFF2-40B4-BE49-F238E27FC236}">
+                  <a16:creationId xmlns:a16="http://schemas.microsoft.com/office/drawing/2014/main" id="{50AC1DFB-BF51-4BBE-91E2-F5210F2AAED8}"/>
+                </a:ext>
+              </a:extLst>
+            </p:cNvPr>
+            <p:cNvSpPr txBox="1"/>
+            <p:nvPr/>
+          </p:nvSpPr>
+          <p:spPr>
+            <a:xfrm>
+              <a:off x="2383033" y="4090244"/>
+              <a:ext cx="1331725" cy="338554"/>
+            </a:xfrm>
+            <a:prstGeom prst="rect">
+              <a:avLst/>
+            </a:prstGeom>
+            <a:solidFill>
+              <a:schemeClr val="bg1"/>
+            </a:solidFill>
+          </p:spPr>
+          <p:txBody>
+            <a:bodyPr wrap="square">
+              <a:spAutoFit/>
+            </a:bodyPr>
+            <a:lstStyle/>
+            <a:p>
+              <a:pPr algn="ctr"/>
+              <a:r>
+                <a:rPr lang="ko-KR" altLang="en-US" sz="1600" dirty="0">
+                  <a:latin typeface="a천생연분" panose="02020600000000000000" pitchFamily="18" charset="-127"/>
+                  <a:ea typeface="a천생연분" panose="02020600000000000000" pitchFamily="18" charset="-127"/>
+                </a:rPr>
+                <a:t>영수증 </a:t>
+              </a:r>
+              <a:r>
+                <a:rPr lang="en-US" altLang="ko-KR" sz="1100" dirty="0">
+                  <a:latin typeface="a천생연분" panose="02020600000000000000" pitchFamily="18" charset="-127"/>
+                  <a:ea typeface="a천생연분" panose="02020600000000000000" pitchFamily="18" charset="-127"/>
+                </a:rPr>
+                <a:t>or</a:t>
+              </a:r>
+              <a:r>
+                <a:rPr lang="en-US" altLang="ko-KR" sz="1600" dirty="0">
+                  <a:latin typeface="a천생연분" panose="02020600000000000000" pitchFamily="18" charset="-127"/>
+                  <a:ea typeface="a천생연분" panose="02020600000000000000" pitchFamily="18" charset="-127"/>
+                </a:rPr>
+                <a:t> </a:t>
+              </a:r>
+              <a:r>
+                <a:rPr lang="ko-KR" altLang="en-US" sz="1600" dirty="0">
+                  <a:latin typeface="a천생연분" panose="02020600000000000000" pitchFamily="18" charset="-127"/>
+                  <a:ea typeface="a천생연분" panose="02020600000000000000" pitchFamily="18" charset="-127"/>
+                </a:rPr>
+                <a:t>품목</a:t>
+              </a:r>
+            </a:p>
+          </p:txBody>
+        </p:sp>
+        <p:sp>
+          <p:nvSpPr>
+            <p:cNvPr id="9" name="TextBox 8">
+              <a:extLst>
+                <a:ext uri="{FF2B5EF4-FFF2-40B4-BE49-F238E27FC236}">
+                  <a16:creationId xmlns:a16="http://schemas.microsoft.com/office/drawing/2014/main" id="{2E5D447D-26B7-43A7-8F21-C89ABFDA8DEA}"/>
+                </a:ext>
+              </a:extLst>
+            </p:cNvPr>
+            <p:cNvSpPr txBox="1"/>
+            <p:nvPr/>
+          </p:nvSpPr>
+          <p:spPr>
+            <a:xfrm>
+              <a:off x="8660658" y="3147700"/>
+              <a:ext cx="1220084" cy="338554"/>
+            </a:xfrm>
+            <a:prstGeom prst="rect">
+              <a:avLst/>
+            </a:prstGeom>
+            <a:solidFill>
+              <a:schemeClr val="bg1"/>
+            </a:solidFill>
+          </p:spPr>
+          <p:txBody>
+            <a:bodyPr wrap="square">
+              <a:spAutoFit/>
+            </a:bodyPr>
+            <a:lstStyle/>
+            <a:p>
+              <a:pPr algn="ctr"/>
+              <a:r>
+                <a:rPr lang="ko-KR" altLang="en-US" sz="1600" dirty="0">
+                  <a:latin typeface="a천생연분" panose="02020600000000000000" pitchFamily="18" charset="-127"/>
+                  <a:ea typeface="a천생연분" panose="02020600000000000000" pitchFamily="18" charset="-127"/>
+                </a:rPr>
+                <a:t>소비기한 </a:t>
+              </a:r>
+              <a:r>
+                <a:rPr lang="en-US" altLang="ko-KR" sz="1600" dirty="0">
+                  <a:latin typeface="a천생연분" panose="02020600000000000000" pitchFamily="18" charset="-127"/>
+                  <a:ea typeface="a천생연분" panose="02020600000000000000" pitchFamily="18" charset="-127"/>
+                </a:rPr>
+                <a:t>DB</a:t>
+              </a:r>
+              <a:endParaRPr lang="ko-KR" altLang="en-US" sz="1600" dirty="0">
+                <a:latin typeface="a천생연분" panose="02020600000000000000" pitchFamily="18" charset="-127"/>
+                <a:ea typeface="a천생연분" panose="02020600000000000000" pitchFamily="18" charset="-127"/>
+              </a:endParaRPr>
+            </a:p>
+          </p:txBody>
+        </p:sp>
+        <p:sp>
+          <p:nvSpPr>
+            <p:cNvPr id="10" name="TextBox 9">
+              <a:extLst>
+                <a:ext uri="{FF2B5EF4-FFF2-40B4-BE49-F238E27FC236}">
+                  <a16:creationId xmlns:a16="http://schemas.microsoft.com/office/drawing/2014/main" id="{6ABD29ED-4D34-4EE7-B641-93E2512B5D58}"/>
+                </a:ext>
+              </a:extLst>
+            </p:cNvPr>
+            <p:cNvSpPr txBox="1"/>
+            <p:nvPr/>
+          </p:nvSpPr>
+          <p:spPr>
+            <a:xfrm>
+              <a:off x="8118849" y="4055347"/>
+              <a:ext cx="1227171" cy="338554"/>
+            </a:xfrm>
+            <a:prstGeom prst="rect">
+              <a:avLst/>
+            </a:prstGeom>
+            <a:solidFill>
+              <a:schemeClr val="bg1"/>
+            </a:solidFill>
+          </p:spPr>
+          <p:txBody>
+            <a:bodyPr wrap="square">
+              <a:spAutoFit/>
+            </a:bodyPr>
+            <a:lstStyle/>
+            <a:p>
+              <a:pPr algn="ctr"/>
+              <a:r>
+                <a:rPr lang="ko-KR" altLang="en-US" sz="1600">
+                  <a:latin typeface="a천생연분" panose="02020600000000000000" pitchFamily="18" charset="-127"/>
+                  <a:ea typeface="a천생연분" panose="02020600000000000000" pitchFamily="18" charset="-127"/>
+                </a:rPr>
+                <a:t>사용현황 </a:t>
+              </a:r>
+              <a:r>
+                <a:rPr lang="en-US" altLang="ko-KR" sz="1600" dirty="0">
+                  <a:latin typeface="a천생연분" panose="02020600000000000000" pitchFamily="18" charset="-127"/>
+                  <a:ea typeface="a천생연분" panose="02020600000000000000" pitchFamily="18" charset="-127"/>
+                </a:rPr>
+                <a:t>DB</a:t>
+              </a:r>
+              <a:endParaRPr lang="ko-KR" altLang="en-US" sz="1600" dirty="0">
+                <a:latin typeface="a천생연분" panose="02020600000000000000" pitchFamily="18" charset="-127"/>
+                <a:ea typeface="a천생연분" panose="02020600000000000000" pitchFamily="18" charset="-127"/>
+              </a:endParaRPr>
+            </a:p>
+          </p:txBody>
+        </p:sp>
+      </p:grpSp>
     </p:spTree>
     <p:extLst>
       <p:ext uri="{BB962C8B-B14F-4D97-AF65-F5344CB8AC3E}">
@@ -6924,7 +7205,7 @@
         </p:nvSpPr>
         <p:spPr>
           <a:xfrm>
-            <a:off x="617219" y="2097427"/>
+            <a:off x="617219" y="2162743"/>
             <a:ext cx="10957561" cy="3283631"/>
           </a:xfrm>
         </p:spPr>
@@ -8277,13 +8558,13 @@
         </p:nvSpPr>
         <p:spPr>
           <a:xfrm>
-            <a:off x="838200" y="1825625"/>
-            <a:ext cx="10515600" cy="4924310"/>
+            <a:off x="838200" y="1772466"/>
+            <a:ext cx="4084681" cy="3618246"/>
           </a:xfrm>
         </p:spPr>
         <p:txBody>
           <a:bodyPr>
-            <a:normAutofit fontScale="77500" lnSpcReduction="20000"/>
+            <a:normAutofit/>
           </a:bodyPr>
           <a:lstStyle/>
           <a:p>
@@ -8299,7 +8580,7 @@
             </a:r>
           </a:p>
           <a:p>
-            <a:pPr marL="0" indent="0">
+            <a:pPr marL="457200" lvl="1" indent="0">
               <a:buNone/>
             </a:pPr>
             <a:r>
@@ -8318,7 +8599,7 @@
             </a:r>
           </a:p>
           <a:p>
-            <a:pPr marL="0" indent="0">
+            <a:pPr marL="457200" lvl="1" indent="0">
               <a:buNone/>
             </a:pPr>
             <a:r>
@@ -8337,7 +8618,7 @@
             </a:r>
           </a:p>
           <a:p>
-            <a:pPr marL="0" indent="0">
+            <a:pPr marL="457200" lvl="1" indent="0">
               <a:buNone/>
             </a:pPr>
             <a:r>
@@ -8384,7 +8665,7 @@
             </a:r>
           </a:p>
           <a:p>
-            <a:pPr marL="0" indent="0">
+            <a:pPr marL="457200" lvl="1" indent="0">
               <a:buNone/>
             </a:pPr>
             <a:r>
@@ -8401,153 +8682,6 @@
               </a:rPr>
               <a:t>문장 분할</a:t>
             </a:r>
-          </a:p>
-          <a:p>
-            <a:pPr marL="0" indent="0">
-              <a:buNone/>
-            </a:pPr>
-            <a:endParaRPr lang="ko-KR" altLang="en-US" dirty="0">
-              <a:latin typeface="a천생연분" panose="02020600000000000000" pitchFamily="18" charset="-127"/>
-              <a:ea typeface="a천생연분" panose="02020600000000000000" pitchFamily="18" charset="-127"/>
-            </a:endParaRPr>
-          </a:p>
-          <a:p>
-            <a:pPr marL="0" indent="0">
-              <a:buNone/>
-            </a:pPr>
-            <a:r>
-              <a:rPr lang="ko-KR" altLang="en-US" dirty="0">
-                <a:latin typeface="a천생연분" panose="02020600000000000000" pitchFamily="18" charset="-127"/>
-                <a:ea typeface="a천생연분" panose="02020600000000000000" pitchFamily="18" charset="-127"/>
-              </a:rPr>
-              <a:t>이미지 </a:t>
-            </a:r>
-            <a:r>
-              <a:rPr lang="ko-KR" altLang="en-US" dirty="0" err="1">
-                <a:latin typeface="a천생연분" panose="02020600000000000000" pitchFamily="18" charset="-127"/>
-                <a:ea typeface="a천생연분" panose="02020600000000000000" pitchFamily="18" charset="-127"/>
-              </a:rPr>
-              <a:t>전처리</a:t>
-            </a:r>
-            <a:endParaRPr lang="ko-KR" altLang="en-US" dirty="0">
-              <a:latin typeface="a천생연분" panose="02020600000000000000" pitchFamily="18" charset="-127"/>
-              <a:ea typeface="a천생연분" panose="02020600000000000000" pitchFamily="18" charset="-127"/>
-            </a:endParaRPr>
-          </a:p>
-          <a:p>
-            <a:pPr marL="0" indent="0">
-              <a:buNone/>
-            </a:pPr>
-            <a:r>
-              <a:rPr lang="en-US" altLang="ko-KR" dirty="0">
-                <a:latin typeface="a천생연분" panose="02020600000000000000" pitchFamily="18" charset="-127"/>
-                <a:ea typeface="a천생연분" panose="02020600000000000000" pitchFamily="18" charset="-127"/>
-              </a:rPr>
-              <a:t>-</a:t>
-            </a:r>
-            <a:r>
-              <a:rPr lang="ko-KR" altLang="en-US" dirty="0">
-                <a:latin typeface="a천생연분" panose="02020600000000000000" pitchFamily="18" charset="-127"/>
-                <a:ea typeface="a천생연분" panose="02020600000000000000" pitchFamily="18" charset="-127"/>
-              </a:rPr>
-              <a:t>해상도 맞추기</a:t>
-            </a:r>
-          </a:p>
-          <a:p>
-            <a:pPr marL="0" indent="0">
-              <a:buNone/>
-            </a:pPr>
-            <a:r>
-              <a:rPr lang="en-US" altLang="ko-KR" dirty="0">
-                <a:latin typeface="a천생연분" panose="02020600000000000000" pitchFamily="18" charset="-127"/>
-                <a:ea typeface="a천생연분" panose="02020600000000000000" pitchFamily="18" charset="-127"/>
-              </a:rPr>
-              <a:t>-</a:t>
-            </a:r>
-            <a:r>
-              <a:rPr lang="ko-KR" altLang="en-US" dirty="0">
-                <a:latin typeface="a천생연분" panose="02020600000000000000" pitchFamily="18" charset="-127"/>
-                <a:ea typeface="a천생연분" panose="02020600000000000000" pitchFamily="18" charset="-127"/>
-              </a:rPr>
-              <a:t>적응형 이진화</a:t>
-            </a:r>
-          </a:p>
-          <a:p>
-            <a:pPr marL="0" indent="0">
-              <a:buNone/>
-            </a:pPr>
-            <a:r>
-              <a:rPr lang="en-US" altLang="ko-KR" dirty="0">
-                <a:latin typeface="a천생연분" panose="02020600000000000000" pitchFamily="18" charset="-127"/>
-                <a:ea typeface="a천생연분" panose="02020600000000000000" pitchFamily="18" charset="-127"/>
-              </a:rPr>
-              <a:t>-</a:t>
-            </a:r>
-            <a:r>
-              <a:rPr lang="ko-KR" altLang="en-US" dirty="0">
-                <a:latin typeface="a천생연분" panose="02020600000000000000" pitchFamily="18" charset="-127"/>
-                <a:ea typeface="a천생연분" panose="02020600000000000000" pitchFamily="18" charset="-127"/>
-              </a:rPr>
-              <a:t>이미지 기하학적 변환</a:t>
-            </a:r>
-            <a:r>
-              <a:rPr lang="en-US" altLang="ko-KR" dirty="0">
-                <a:latin typeface="a천생연분" panose="02020600000000000000" pitchFamily="18" charset="-127"/>
-                <a:ea typeface="a천생연분" panose="02020600000000000000" pitchFamily="18" charset="-127"/>
-              </a:rPr>
-              <a:t>(</a:t>
-            </a:r>
-            <a:r>
-              <a:rPr lang="ko-KR" altLang="en-US" dirty="0">
-                <a:latin typeface="a천생연분" panose="02020600000000000000" pitchFamily="18" charset="-127"/>
-                <a:ea typeface="a천생연분" panose="02020600000000000000" pitchFamily="18" charset="-127"/>
-              </a:rPr>
-              <a:t>추가설명</a:t>
-            </a:r>
-            <a:r>
-              <a:rPr lang="en-US" altLang="ko-KR" dirty="0">
-                <a:latin typeface="a천생연분" panose="02020600000000000000" pitchFamily="18" charset="-127"/>
-                <a:ea typeface="a천생연분" panose="02020600000000000000" pitchFamily="18" charset="-127"/>
-              </a:rPr>
-              <a:t>o)</a:t>
-            </a:r>
-          </a:p>
-          <a:p>
-            <a:pPr marL="0" indent="0">
-              <a:buNone/>
-            </a:pPr>
-            <a:r>
-              <a:rPr lang="en-US" altLang="ko-KR" dirty="0">
-                <a:latin typeface="a천생연분" panose="02020600000000000000" pitchFamily="18" charset="-127"/>
-                <a:ea typeface="a천생연분" panose="02020600000000000000" pitchFamily="18" charset="-127"/>
-              </a:rPr>
-              <a:t>-</a:t>
-            </a:r>
-            <a:r>
-              <a:rPr lang="ko-KR" altLang="en-US" dirty="0">
-                <a:latin typeface="a천생연분" panose="02020600000000000000" pitchFamily="18" charset="-127"/>
-                <a:ea typeface="a천생연분" panose="02020600000000000000" pitchFamily="18" charset="-127"/>
-              </a:rPr>
-              <a:t>이미지 노이즈 제거 </a:t>
-            </a:r>
-            <a:r>
-              <a:rPr lang="en-US" altLang="ko-KR" dirty="0">
-                <a:latin typeface="a천생연분" panose="02020600000000000000" pitchFamily="18" charset="-127"/>
-                <a:ea typeface="a천생연분" panose="02020600000000000000" pitchFamily="18" charset="-127"/>
-              </a:rPr>
-              <a:t>– image </a:t>
-            </a:r>
-            <a:r>
-              <a:rPr lang="en-US" altLang="ko-KR" dirty="0" err="1">
-                <a:latin typeface="a천생연분" panose="02020600000000000000" pitchFamily="18" charset="-127"/>
-                <a:ea typeface="a천생연분" panose="02020600000000000000" pitchFamily="18" charset="-127"/>
-              </a:rPr>
-              <a:t>despeckling</a:t>
-            </a:r>
-            <a:endParaRPr lang="en-US" altLang="ko-KR" dirty="0">
-              <a:latin typeface="a천생연분" panose="02020600000000000000" pitchFamily="18" charset="-127"/>
-              <a:ea typeface="a천생연분" panose="02020600000000000000" pitchFamily="18" charset="-127"/>
-            </a:endParaRPr>
           </a:p>
           <a:p>
             <a:pPr marL="0" indent="0">
@@ -8599,8 +8733,8 @@
         </p:blipFill>
         <p:spPr bwMode="auto">
           <a:xfrm>
-            <a:off x="6096000" y="3056990"/>
-            <a:ext cx="5220423" cy="2461580"/>
+            <a:off x="6376867" y="4031908"/>
+            <a:ext cx="4834276" cy="2319466"/>
           </a:xfrm>
           <a:prstGeom prst="rect">
             <a:avLst/>
@@ -8611,6 +8745,337 @@
           </a:ln>
         </p:spPr>
       </p:pic>
+      <p:sp>
+        <p:nvSpPr>
+          <p:cNvPr id="7" name="내용 개체 틀 2">
+            <a:extLst>
+              <a:ext uri="{FF2B5EF4-FFF2-40B4-BE49-F238E27FC236}">
+                <a16:creationId xmlns:a16="http://schemas.microsoft.com/office/drawing/2014/main" id="{32C191D7-02B4-4DDE-8F18-520D04AF4503}"/>
+              </a:ext>
+            </a:extLst>
+          </p:cNvPr>
+          <p:cNvSpPr txBox="1">
+            <a:spLocks/>
+          </p:cNvSpPr>
+          <p:nvPr/>
+        </p:nvSpPr>
+        <p:spPr>
+          <a:xfrm>
+            <a:off x="5830180" y="1772466"/>
+            <a:ext cx="6097772" cy="3618246"/>
+          </a:xfrm>
+          <a:prstGeom prst="rect">
+            <a:avLst/>
+          </a:prstGeom>
+        </p:spPr>
+        <p:txBody>
+          <a:bodyPr vert="horz" lIns="91440" tIns="45720" rIns="91440" bIns="45720" rtlCol="0">
+            <a:normAutofit/>
+          </a:bodyPr>
+          <a:lstStyle>
+            <a:lvl1pPr marL="228600" indent="-228600" algn="l" defTabSz="914400" rtl="0" eaLnBrk="1" latinLnBrk="1" hangingPunct="1">
+              <a:lnSpc>
+                <a:spcPct val="90000"/>
+              </a:lnSpc>
+              <a:spcBef>
+                <a:spcPts val="1000"/>
+              </a:spcBef>
+              <a:buFont typeface="Arial" panose="020B0604020202020204" pitchFamily="34" charset="0"/>
+              <a:buChar char="•"/>
+              <a:defRPr sz="2800" kern="1200">
+                <a:solidFill>
+                  <a:schemeClr val="tx1"/>
+                </a:solidFill>
+                <a:latin typeface="+mn-lt"/>
+                <a:ea typeface="+mn-ea"/>
+                <a:cs typeface="+mn-cs"/>
+              </a:defRPr>
+            </a:lvl1pPr>
+            <a:lvl2pPr marL="685800" indent="-228600" algn="l" defTabSz="914400" rtl="0" eaLnBrk="1" latinLnBrk="1" hangingPunct="1">
+              <a:lnSpc>
+                <a:spcPct val="90000"/>
+              </a:lnSpc>
+              <a:spcBef>
+                <a:spcPts val="500"/>
+              </a:spcBef>
+              <a:buFont typeface="Arial" panose="020B0604020202020204" pitchFamily="34" charset="0"/>
+              <a:buChar char="•"/>
+              <a:defRPr sz="2400" kern="1200">
+                <a:solidFill>
+                  <a:schemeClr val="tx1"/>
+                </a:solidFill>
+                <a:latin typeface="+mn-lt"/>
+                <a:ea typeface="+mn-ea"/>
+                <a:cs typeface="+mn-cs"/>
+              </a:defRPr>
+            </a:lvl2pPr>
+            <a:lvl3pPr marL="1143000" indent="-228600" algn="l" defTabSz="914400" rtl="0" eaLnBrk="1" latinLnBrk="1" hangingPunct="1">
+              <a:lnSpc>
+                <a:spcPct val="90000"/>
+              </a:lnSpc>
+              <a:spcBef>
+                <a:spcPts val="500"/>
+              </a:spcBef>
+              <a:buFont typeface="Arial" panose="020B0604020202020204" pitchFamily="34" charset="0"/>
+              <a:buChar char="•"/>
+              <a:defRPr sz="2000" kern="1200">
+                <a:solidFill>
+                  <a:schemeClr val="tx1"/>
+                </a:solidFill>
+                <a:latin typeface="+mn-lt"/>
+                <a:ea typeface="+mn-ea"/>
+                <a:cs typeface="+mn-cs"/>
+              </a:defRPr>
+            </a:lvl3pPr>
+            <a:lvl4pPr marL="1600200" indent="-228600" algn="l" defTabSz="914400" rtl="0" eaLnBrk="1" latinLnBrk="1" hangingPunct="1">
+              <a:lnSpc>
+                <a:spcPct val="90000"/>
+              </a:lnSpc>
+              <a:spcBef>
+                <a:spcPts val="500"/>
+              </a:spcBef>
+              <a:buFont typeface="Arial" panose="020B0604020202020204" pitchFamily="34" charset="0"/>
+              <a:buChar char="•"/>
+              <a:defRPr sz="1800" kern="1200">
+                <a:solidFill>
+                  <a:schemeClr val="tx1"/>
+                </a:solidFill>
+                <a:latin typeface="+mn-lt"/>
+                <a:ea typeface="+mn-ea"/>
+                <a:cs typeface="+mn-cs"/>
+              </a:defRPr>
+            </a:lvl4pPr>
+            <a:lvl5pPr marL="2057400" indent="-228600" algn="l" defTabSz="914400" rtl="0" eaLnBrk="1" latinLnBrk="1" hangingPunct="1">
+              <a:lnSpc>
+                <a:spcPct val="90000"/>
+              </a:lnSpc>
+              <a:spcBef>
+                <a:spcPts val="500"/>
+              </a:spcBef>
+              <a:buFont typeface="Arial" panose="020B0604020202020204" pitchFamily="34" charset="0"/>
+              <a:buChar char="•"/>
+              <a:defRPr sz="1800" kern="1200">
+                <a:solidFill>
+                  <a:schemeClr val="tx1"/>
+                </a:solidFill>
+                <a:latin typeface="+mn-lt"/>
+                <a:ea typeface="+mn-ea"/>
+                <a:cs typeface="+mn-cs"/>
+              </a:defRPr>
+            </a:lvl5pPr>
+            <a:lvl6pPr marL="2514600" indent="-228600" algn="l" defTabSz="914400" rtl="0" eaLnBrk="1" latinLnBrk="1" hangingPunct="1">
+              <a:lnSpc>
+                <a:spcPct val="90000"/>
+              </a:lnSpc>
+              <a:spcBef>
+                <a:spcPts val="500"/>
+              </a:spcBef>
+              <a:buFont typeface="Arial" panose="020B0604020202020204" pitchFamily="34" charset="0"/>
+              <a:buChar char="•"/>
+              <a:defRPr sz="1800" kern="1200">
+                <a:solidFill>
+                  <a:schemeClr val="tx1"/>
+                </a:solidFill>
+                <a:latin typeface="+mn-lt"/>
+                <a:ea typeface="+mn-ea"/>
+                <a:cs typeface="+mn-cs"/>
+              </a:defRPr>
+            </a:lvl6pPr>
+            <a:lvl7pPr marL="2971800" indent="-228600" algn="l" defTabSz="914400" rtl="0" eaLnBrk="1" latinLnBrk="1" hangingPunct="1">
+              <a:lnSpc>
+                <a:spcPct val="90000"/>
+              </a:lnSpc>
+              <a:spcBef>
+                <a:spcPts val="500"/>
+              </a:spcBef>
+              <a:buFont typeface="Arial" panose="020B0604020202020204" pitchFamily="34" charset="0"/>
+              <a:buChar char="•"/>
+              <a:defRPr sz="1800" kern="1200">
+                <a:solidFill>
+                  <a:schemeClr val="tx1"/>
+                </a:solidFill>
+                <a:latin typeface="+mn-lt"/>
+                <a:ea typeface="+mn-ea"/>
+                <a:cs typeface="+mn-cs"/>
+              </a:defRPr>
+            </a:lvl7pPr>
+            <a:lvl8pPr marL="3429000" indent="-228600" algn="l" defTabSz="914400" rtl="0" eaLnBrk="1" latinLnBrk="1" hangingPunct="1">
+              <a:lnSpc>
+                <a:spcPct val="90000"/>
+              </a:lnSpc>
+              <a:spcBef>
+                <a:spcPts val="500"/>
+              </a:spcBef>
+              <a:buFont typeface="Arial" panose="020B0604020202020204" pitchFamily="34" charset="0"/>
+              <a:buChar char="•"/>
+              <a:defRPr sz="1800" kern="1200">
+                <a:solidFill>
+                  <a:schemeClr val="tx1"/>
+                </a:solidFill>
+                <a:latin typeface="+mn-lt"/>
+                <a:ea typeface="+mn-ea"/>
+                <a:cs typeface="+mn-cs"/>
+              </a:defRPr>
+            </a:lvl8pPr>
+            <a:lvl9pPr marL="3886200" indent="-228600" algn="l" defTabSz="914400" rtl="0" eaLnBrk="1" latinLnBrk="1" hangingPunct="1">
+              <a:lnSpc>
+                <a:spcPct val="90000"/>
+              </a:lnSpc>
+              <a:spcBef>
+                <a:spcPts val="500"/>
+              </a:spcBef>
+              <a:buFont typeface="Arial" panose="020B0604020202020204" pitchFamily="34" charset="0"/>
+              <a:buChar char="•"/>
+              <a:defRPr sz="1800" kern="1200">
+                <a:solidFill>
+                  <a:schemeClr val="tx1"/>
+                </a:solidFill>
+                <a:latin typeface="+mn-lt"/>
+                <a:ea typeface="+mn-ea"/>
+                <a:cs typeface="+mn-cs"/>
+              </a:defRPr>
+            </a:lvl9pPr>
+          </a:lstStyle>
+          <a:p>
+            <a:pPr marL="0" indent="0">
+              <a:buNone/>
+            </a:pPr>
+            <a:r>
+              <a:rPr lang="ko-KR" altLang="en-US" dirty="0">
+                <a:latin typeface="a천생연분" panose="02020600000000000000" pitchFamily="18" charset="-127"/>
+                <a:ea typeface="a천생연분" panose="02020600000000000000" pitchFamily="18" charset="-127"/>
+              </a:rPr>
+              <a:t>이미지 </a:t>
+            </a:r>
+            <a:r>
+              <a:rPr lang="ko-KR" altLang="en-US" dirty="0" err="1">
+                <a:latin typeface="a천생연분" panose="02020600000000000000" pitchFamily="18" charset="-127"/>
+                <a:ea typeface="a천생연분" panose="02020600000000000000" pitchFamily="18" charset="-127"/>
+              </a:rPr>
+              <a:t>전처리</a:t>
+            </a:r>
+            <a:endParaRPr lang="ko-KR" altLang="en-US" dirty="0">
+              <a:latin typeface="a천생연분" panose="02020600000000000000" pitchFamily="18" charset="-127"/>
+              <a:ea typeface="a천생연분" panose="02020600000000000000" pitchFamily="18" charset="-127"/>
+            </a:endParaRPr>
+          </a:p>
+          <a:p>
+            <a:pPr marL="457200" lvl="1" indent="0">
+              <a:buNone/>
+            </a:pPr>
+            <a:r>
+              <a:rPr lang="en-US" altLang="ko-KR" dirty="0">
+                <a:latin typeface="a천생연분" panose="02020600000000000000" pitchFamily="18" charset="-127"/>
+                <a:ea typeface="a천생연분" panose="02020600000000000000" pitchFamily="18" charset="-127"/>
+              </a:rPr>
+              <a:t>-</a:t>
+            </a:r>
+            <a:r>
+              <a:rPr lang="ko-KR" altLang="en-US" dirty="0">
+                <a:latin typeface="a천생연분" panose="02020600000000000000" pitchFamily="18" charset="-127"/>
+                <a:ea typeface="a천생연분" panose="02020600000000000000" pitchFamily="18" charset="-127"/>
+              </a:rPr>
+              <a:t>해상도 맞추기</a:t>
+            </a:r>
+          </a:p>
+          <a:p>
+            <a:pPr marL="457200" lvl="1" indent="0">
+              <a:buNone/>
+            </a:pPr>
+            <a:r>
+              <a:rPr lang="en-US" altLang="ko-KR" dirty="0">
+                <a:latin typeface="a천생연분" panose="02020600000000000000" pitchFamily="18" charset="-127"/>
+                <a:ea typeface="a천생연분" panose="02020600000000000000" pitchFamily="18" charset="-127"/>
+              </a:rPr>
+              <a:t>-</a:t>
+            </a:r>
+            <a:r>
+              <a:rPr lang="ko-KR" altLang="en-US" dirty="0">
+                <a:latin typeface="a천생연분" panose="02020600000000000000" pitchFamily="18" charset="-127"/>
+                <a:ea typeface="a천생연분" panose="02020600000000000000" pitchFamily="18" charset="-127"/>
+              </a:rPr>
+              <a:t>적응형 이진화</a:t>
+            </a:r>
+          </a:p>
+          <a:p>
+            <a:pPr marL="457200" lvl="1" indent="0">
+              <a:buNone/>
+            </a:pPr>
+            <a:r>
+              <a:rPr lang="en-US" altLang="ko-KR" dirty="0">
+                <a:latin typeface="a천생연분" panose="02020600000000000000" pitchFamily="18" charset="-127"/>
+                <a:ea typeface="a천생연분" panose="02020600000000000000" pitchFamily="18" charset="-127"/>
+              </a:rPr>
+              <a:t>-</a:t>
+            </a:r>
+            <a:r>
+              <a:rPr lang="ko-KR" altLang="en-US" dirty="0">
+                <a:latin typeface="a천생연분" panose="02020600000000000000" pitchFamily="18" charset="-127"/>
+                <a:ea typeface="a천생연분" panose="02020600000000000000" pitchFamily="18" charset="-127"/>
+              </a:rPr>
+              <a:t>이미지 기하학적 변환</a:t>
+            </a:r>
+            <a:r>
+              <a:rPr lang="en-US" altLang="ko-KR" dirty="0">
+                <a:latin typeface="a천생연분" panose="02020600000000000000" pitchFamily="18" charset="-127"/>
+                <a:ea typeface="a천생연분" panose="02020600000000000000" pitchFamily="18" charset="-127"/>
+              </a:rPr>
+              <a:t>(</a:t>
+            </a:r>
+            <a:r>
+              <a:rPr lang="ko-KR" altLang="en-US" dirty="0">
+                <a:latin typeface="a천생연분" panose="02020600000000000000" pitchFamily="18" charset="-127"/>
+                <a:ea typeface="a천생연분" panose="02020600000000000000" pitchFamily="18" charset="-127"/>
+              </a:rPr>
+              <a:t>추가설명</a:t>
+            </a:r>
+            <a:r>
+              <a:rPr lang="en-US" altLang="ko-KR" dirty="0">
+                <a:latin typeface="a천생연분" panose="02020600000000000000" pitchFamily="18" charset="-127"/>
+                <a:ea typeface="a천생연분" panose="02020600000000000000" pitchFamily="18" charset="-127"/>
+              </a:rPr>
+              <a:t>o)</a:t>
+            </a:r>
+          </a:p>
+          <a:p>
+            <a:pPr marL="457200" lvl="1" indent="0">
+              <a:buNone/>
+            </a:pPr>
+            <a:r>
+              <a:rPr lang="en-US" altLang="ko-KR" dirty="0">
+                <a:latin typeface="a천생연분" panose="02020600000000000000" pitchFamily="18" charset="-127"/>
+                <a:ea typeface="a천생연분" panose="02020600000000000000" pitchFamily="18" charset="-127"/>
+              </a:rPr>
+              <a:t>-</a:t>
+            </a:r>
+            <a:r>
+              <a:rPr lang="ko-KR" altLang="en-US" dirty="0">
+                <a:latin typeface="a천생연분" panose="02020600000000000000" pitchFamily="18" charset="-127"/>
+                <a:ea typeface="a천생연분" panose="02020600000000000000" pitchFamily="18" charset="-127"/>
+              </a:rPr>
+              <a:t>이미지 노이즈 제거 </a:t>
+            </a:r>
+            <a:r>
+              <a:rPr lang="en-US" altLang="ko-KR" dirty="0">
+                <a:latin typeface="a천생연분" panose="02020600000000000000" pitchFamily="18" charset="-127"/>
+                <a:ea typeface="a천생연분" panose="02020600000000000000" pitchFamily="18" charset="-127"/>
+              </a:rPr>
+              <a:t>– image </a:t>
+            </a:r>
+            <a:r>
+              <a:rPr lang="en-US" altLang="ko-KR" dirty="0" err="1">
+                <a:latin typeface="a천생연분" panose="02020600000000000000" pitchFamily="18" charset="-127"/>
+                <a:ea typeface="a천생연분" panose="02020600000000000000" pitchFamily="18" charset="-127"/>
+              </a:rPr>
+              <a:t>despeckling</a:t>
+            </a:r>
+            <a:endParaRPr lang="en-US" altLang="ko-KR" dirty="0">
+              <a:latin typeface="a천생연분" panose="02020600000000000000" pitchFamily="18" charset="-127"/>
+              <a:ea typeface="a천생연분" panose="02020600000000000000" pitchFamily="18" charset="-127"/>
+            </a:endParaRPr>
+          </a:p>
+        </p:txBody>
+      </p:sp>
     </p:spTree>
     <p:extLst>
       <p:ext uri="{BB962C8B-B14F-4D97-AF65-F5344CB8AC3E}">
@@ -9355,7 +9820,7 @@
         </p:nvSpPr>
         <p:spPr>
           <a:xfrm>
-            <a:off x="3744666" y="2862209"/>
+            <a:off x="3715388" y="5106482"/>
             <a:ext cx="455510" cy="598620"/>
           </a:xfrm>
           <a:prstGeom prst="roundRect">
@@ -9448,8 +9913,8 @@
         </p:nvSpPr>
         <p:spPr>
           <a:xfrm>
-            <a:off x="3743315" y="4544250"/>
-            <a:ext cx="623748" cy="598620"/>
+            <a:off x="3736544" y="3661266"/>
+            <a:ext cx="623748" cy="1277815"/>
           </a:xfrm>
           <a:prstGeom prst="roundRect">
             <a:avLst/>
@@ -9485,7 +9950,7 @@
           <a:p>
             <a:pPr algn="ctr"/>
             <a:r>
-              <a:rPr lang="en-US" altLang="ko-KR" sz="800" dirty="0">
+              <a:rPr lang="en-US" altLang="ko-KR" sz="1000" dirty="0">
                 <a:solidFill>
                   <a:schemeClr val="tx1"/>
                 </a:solidFill>
@@ -9496,23 +9961,18 @@
           <a:p>
             <a:pPr algn="ctr"/>
             <a:r>
-              <a:rPr lang="ko-KR" altLang="en-US" sz="600" dirty="0">
+              <a:rPr lang="en-US" altLang="ko-KR" sz="1000" dirty="0">
                 <a:solidFill>
                   <a:schemeClr val="tx1"/>
                 </a:solidFill>
               </a:rPr>
-              <a:t>라이브러리</a:t>
-            </a:r>
-            <a:endParaRPr lang="en-US" altLang="ko-KR" sz="600" dirty="0">
-              <a:solidFill>
-                <a:schemeClr val="tx1"/>
-              </a:solidFill>
-            </a:endParaRPr>
+              <a:t>library</a:t>
+            </a:r>
           </a:p>
           <a:p>
             <a:pPr algn="ctr"/>
             <a:r>
-              <a:rPr lang="ko-KR" altLang="en-US" sz="800" dirty="0">
+              <a:rPr lang="ko-KR" altLang="en-US" sz="1000" dirty="0">
                 <a:solidFill>
                   <a:schemeClr val="tx1"/>
                 </a:solidFill>
@@ -9536,7 +9996,7 @@
         </p:nvSpPr>
         <p:spPr>
           <a:xfrm>
-            <a:off x="4200176" y="3547396"/>
+            <a:off x="4193776" y="2893979"/>
             <a:ext cx="1331117" cy="598620"/>
           </a:xfrm>
           <a:prstGeom prst="roundRect">
@@ -9626,7 +10086,7 @@
         </p:nvSpPr>
         <p:spPr>
           <a:xfrm>
-            <a:off x="4419823" y="2862209"/>
+            <a:off x="4390545" y="5106482"/>
             <a:ext cx="1343933" cy="598620"/>
           </a:xfrm>
           <a:prstGeom prst="roundRect">
@@ -9757,8 +10217,8 @@
         </p:nvSpPr>
         <p:spPr>
           <a:xfrm>
-            <a:off x="4426250" y="4544250"/>
-            <a:ext cx="2447625" cy="598620"/>
+            <a:off x="4419480" y="3661267"/>
+            <a:ext cx="2406810" cy="1277814"/>
           </a:xfrm>
           <a:prstGeom prst="roundRect">
             <a:avLst/>
@@ -9834,8 +10294,8 @@
         </p:nvSpPr>
         <p:spPr>
           <a:xfrm>
-            <a:off x="6883618" y="3547396"/>
-            <a:ext cx="2000986" cy="598620"/>
+            <a:off x="6880351" y="2880732"/>
+            <a:ext cx="2000986" cy="1277814"/>
           </a:xfrm>
           <a:prstGeom prst="roundRect">
             <a:avLst/>
@@ -9911,7 +10371,7 @@
         </p:nvSpPr>
         <p:spPr>
           <a:xfrm>
-            <a:off x="6646832" y="2868200"/>
+            <a:off x="6617554" y="5112473"/>
             <a:ext cx="1124878" cy="598620"/>
           </a:xfrm>
           <a:prstGeom prst="roundRect">
@@ -10001,7 +10461,7 @@
         </p:nvSpPr>
         <p:spPr>
           <a:xfrm>
-            <a:off x="7834839" y="2862209"/>
+            <a:off x="7805561" y="5106482"/>
             <a:ext cx="1266093" cy="598620"/>
           </a:xfrm>
           <a:prstGeom prst="roundRect">
@@ -10083,7 +10543,7 @@
         </p:nvSpPr>
         <p:spPr>
           <a:xfrm>
-            <a:off x="6887664" y="5223445"/>
+            <a:off x="6885478" y="4325947"/>
             <a:ext cx="2447625" cy="598620"/>
           </a:xfrm>
           <a:prstGeom prst="roundRect">
@@ -10152,8 +10612,8 @@
         </p:nvSpPr>
         <p:spPr>
           <a:xfrm>
-            <a:off x="9398418" y="2862208"/>
-            <a:ext cx="619340" cy="2959857"/>
+            <a:off x="9398418" y="2862209"/>
+            <a:ext cx="619340" cy="2809858"/>
           </a:xfrm>
           <a:prstGeom prst="roundRect">
             <a:avLst/>
@@ -10213,8 +10673,8 @@
         </p:nvSpPr>
         <p:spPr>
           <a:xfrm>
-            <a:off x="10080886" y="2862208"/>
-            <a:ext cx="619340" cy="2959857"/>
+            <a:off x="10080886" y="2862209"/>
+            <a:ext cx="619340" cy="2809858"/>
           </a:xfrm>
           <a:prstGeom prst="roundRect">
             <a:avLst/>
@@ -10257,6 +10717,162 @@
               </a:rPr>
               <a:t>중간 발표</a:t>
             </a:r>
+          </a:p>
+        </p:txBody>
+      </p:sp>
+      <p:sp>
+        <p:nvSpPr>
+          <p:cNvPr id="24" name="TextBox 23">
+            <a:extLst>
+              <a:ext uri="{FF2B5EF4-FFF2-40B4-BE49-F238E27FC236}">
+                <a16:creationId xmlns:a16="http://schemas.microsoft.com/office/drawing/2014/main" id="{3571FDFB-36D7-40EC-A1C9-16BA580E097C}"/>
+              </a:ext>
+            </a:extLst>
+          </p:cNvPr>
+          <p:cNvSpPr txBox="1"/>
+          <p:nvPr/>
+        </p:nvSpPr>
+        <p:spPr>
+          <a:xfrm>
+            <a:off x="582733" y="5251903"/>
+            <a:ext cx="778835" cy="307777"/>
+          </a:xfrm>
+          <a:prstGeom prst="rect">
+            <a:avLst/>
+          </a:prstGeom>
+          <a:noFill/>
+        </p:spPr>
+        <p:txBody>
+          <a:bodyPr wrap="square">
+            <a:spAutoFit/>
+          </a:bodyPr>
+          <a:lstStyle/>
+          <a:p>
+            <a:r>
+              <a:rPr lang="ko-KR" altLang="en-US" sz="1400" dirty="0">
+                <a:latin typeface="a솜사탕" panose="02020600000000000000" pitchFamily="18" charset="-127"/>
+                <a:ea typeface="a솜사탕" panose="02020600000000000000" pitchFamily="18" charset="-127"/>
+              </a:rPr>
+              <a:t>오민진</a:t>
+            </a:r>
+            <a:endParaRPr lang="ko-KR" altLang="en-US" sz="1400" dirty="0"/>
+          </a:p>
+        </p:txBody>
+      </p:sp>
+      <p:sp>
+        <p:nvSpPr>
+          <p:cNvPr id="25" name="TextBox 24">
+            <a:extLst>
+              <a:ext uri="{FF2B5EF4-FFF2-40B4-BE49-F238E27FC236}">
+                <a16:creationId xmlns:a16="http://schemas.microsoft.com/office/drawing/2014/main" id="{FE6CC79A-879B-43DD-951C-B5436D78A12B}"/>
+              </a:ext>
+            </a:extLst>
+          </p:cNvPr>
+          <p:cNvSpPr txBox="1"/>
+          <p:nvPr/>
+        </p:nvSpPr>
+        <p:spPr>
+          <a:xfrm>
+            <a:off x="620811" y="2945318"/>
+            <a:ext cx="778835" cy="307777"/>
+          </a:xfrm>
+          <a:prstGeom prst="rect">
+            <a:avLst/>
+          </a:prstGeom>
+          <a:noFill/>
+        </p:spPr>
+        <p:txBody>
+          <a:bodyPr wrap="square">
+            <a:spAutoFit/>
+          </a:bodyPr>
+          <a:lstStyle/>
+          <a:p>
+            <a:r>
+              <a:rPr lang="ko-KR" altLang="en-US" sz="1400">
+                <a:latin typeface="a솜사탕" panose="02020600000000000000" pitchFamily="18" charset="-127"/>
+                <a:ea typeface="a솜사탕" panose="02020600000000000000" pitchFamily="18" charset="-127"/>
+              </a:rPr>
+              <a:t>강한빛</a:t>
+            </a:r>
+            <a:endParaRPr lang="ko-KR" altLang="en-US" sz="1400" dirty="0"/>
+          </a:p>
+        </p:txBody>
+      </p:sp>
+      <p:sp>
+        <p:nvSpPr>
+          <p:cNvPr id="26" name="TextBox 25">
+            <a:extLst>
+              <a:ext uri="{FF2B5EF4-FFF2-40B4-BE49-F238E27FC236}">
+                <a16:creationId xmlns:a16="http://schemas.microsoft.com/office/drawing/2014/main" id="{687ABEBB-6C01-4B6C-AF0D-2B862D7AD25A}"/>
+              </a:ext>
+            </a:extLst>
+          </p:cNvPr>
+          <p:cNvSpPr txBox="1"/>
+          <p:nvPr/>
+        </p:nvSpPr>
+        <p:spPr>
+          <a:xfrm>
+            <a:off x="601564" y="4467478"/>
+            <a:ext cx="778836" cy="307777"/>
+          </a:xfrm>
+          <a:prstGeom prst="rect">
+            <a:avLst/>
+          </a:prstGeom>
+          <a:noFill/>
+        </p:spPr>
+        <p:txBody>
+          <a:bodyPr wrap="square">
+            <a:spAutoFit/>
+          </a:bodyPr>
+          <a:lstStyle/>
+          <a:p>
+            <a:r>
+              <a:rPr lang="ko-KR" altLang="en-US" sz="1400" dirty="0" err="1">
+                <a:latin typeface="a솜사탕" panose="02020600000000000000" pitchFamily="18" charset="-127"/>
+                <a:ea typeface="a솜사탕" panose="02020600000000000000" pitchFamily="18" charset="-127"/>
+              </a:rPr>
+              <a:t>손현석</a:t>
+            </a:r>
+            <a:endParaRPr lang="ko-KR" altLang="en-US" sz="1400" dirty="0"/>
+          </a:p>
+        </p:txBody>
+      </p:sp>
+      <p:sp>
+        <p:nvSpPr>
+          <p:cNvPr id="27" name="TextBox 26">
+            <a:extLst>
+              <a:ext uri="{FF2B5EF4-FFF2-40B4-BE49-F238E27FC236}">
+                <a16:creationId xmlns:a16="http://schemas.microsoft.com/office/drawing/2014/main" id="{24B96661-D5A1-484E-9F7E-5A8235AC1CE1}"/>
+              </a:ext>
+            </a:extLst>
+          </p:cNvPr>
+          <p:cNvSpPr txBox="1"/>
+          <p:nvPr/>
+        </p:nvSpPr>
+        <p:spPr>
+          <a:xfrm>
+            <a:off x="601564" y="3782291"/>
+            <a:ext cx="778836" cy="307777"/>
+          </a:xfrm>
+          <a:prstGeom prst="rect">
+            <a:avLst/>
+          </a:prstGeom>
+          <a:noFill/>
+        </p:spPr>
+        <p:txBody>
+          <a:bodyPr wrap="square">
+            <a:spAutoFit/>
+          </a:bodyPr>
+          <a:lstStyle/>
+          <a:p>
+            <a:r>
+              <a:rPr lang="ko-KR" altLang="en-US" sz="1400">
+                <a:latin typeface="a솜사탕" panose="02020600000000000000" pitchFamily="18" charset="-127"/>
+                <a:ea typeface="a솜사탕" panose="02020600000000000000" pitchFamily="18" charset="-127"/>
+              </a:rPr>
+              <a:t>정혜미</a:t>
+            </a:r>
+            <a:endParaRPr lang="ko-KR" altLang="en-US" sz="1400" dirty="0"/>
           </a:p>
         </p:txBody>
       </p:sp>

--- a/ETC/프로젝트 제안서 7조.pptx
+++ b/ETC/프로젝트 제안서 7조.pptx
@@ -6061,7 +6061,7 @@
                 <a:latin typeface="a천생연분" panose="02020600000000000000" pitchFamily="18" charset="-127"/>
                 <a:ea typeface="a천생연분" panose="02020600000000000000" pitchFamily="18" charset="-127"/>
               </a:rPr>
-              <a:t>SOLUTION?</a:t>
+              <a:t>SOLUTION</a:t>
             </a:r>
           </a:p>
           <a:p>
@@ -6177,7 +6177,7 @@
                 <a:latin typeface="a천생연분" panose="02020600000000000000" pitchFamily="18" charset="-127"/>
                 <a:ea typeface="a천생연분" panose="02020600000000000000" pitchFamily="18" charset="-127"/>
               </a:rPr>
-              <a:t>SOLUTION?</a:t>
+              <a:t>SOLUTION</a:t>
             </a:r>
           </a:p>
           <a:p>
@@ -6488,7 +6488,12 @@
             <p:ph type="title"/>
           </p:nvPr>
         </p:nvSpPr>
-        <p:spPr/>
+        <p:spPr>
+          <a:xfrm>
+            <a:off x="838200" y="311962"/>
+            <a:ext cx="10515600" cy="1325563"/>
+          </a:xfrm>
+        </p:spPr>
         <p:txBody>
           <a:bodyPr/>
           <a:lstStyle/>
@@ -6500,6 +6505,214 @@
               </a:rPr>
               <a:t>비즈니스 목표</a:t>
             </a:r>
+          </a:p>
+        </p:txBody>
+      </p:sp>
+      <p:sp>
+        <p:nvSpPr>
+          <p:cNvPr id="3" name="내용 개체 틀 2">
+            <a:extLst>
+              <a:ext uri="{FF2B5EF4-FFF2-40B4-BE49-F238E27FC236}">
+                <a16:creationId xmlns:a16="http://schemas.microsoft.com/office/drawing/2014/main" id="{C23BE003-D31A-4234-8169-309CBE6342FA}"/>
+              </a:ext>
+            </a:extLst>
+          </p:cNvPr>
+          <p:cNvSpPr>
+            <a:spLocks noGrp="1"/>
+          </p:cNvSpPr>
+          <p:nvPr>
+            <p:ph sz="half" idx="1"/>
+          </p:nvPr>
+        </p:nvSpPr>
+        <p:spPr>
+          <a:xfrm>
+            <a:off x="795667" y="1857524"/>
+            <a:ext cx="10708759" cy="2096269"/>
+          </a:xfrm>
+        </p:spPr>
+        <p:txBody>
+          <a:bodyPr/>
+          <a:lstStyle/>
+          <a:p>
+            <a:pPr marL="0" indent="0">
+              <a:buNone/>
+            </a:pPr>
+            <a:r>
+              <a:rPr lang="ko-KR" altLang="en-US" u="sng" dirty="0">
+                <a:latin typeface="a천생연분" panose="02020600000000000000" pitchFamily="18" charset="-127"/>
+                <a:ea typeface="a천생연분" panose="02020600000000000000" pitchFamily="18" charset="-127"/>
+              </a:rPr>
+              <a:t>유통기한에 따른 식품 폐기 감소</a:t>
+            </a:r>
+            <a:endParaRPr lang="en-US" altLang="ko-KR" u="sng" dirty="0">
+              <a:latin typeface="a천생연분" panose="02020600000000000000" pitchFamily="18" charset="-127"/>
+              <a:ea typeface="a천생연분" panose="02020600000000000000" pitchFamily="18" charset="-127"/>
+            </a:endParaRPr>
+          </a:p>
+          <a:p>
+            <a:pPr marL="0" indent="0">
+              <a:buNone/>
+            </a:pPr>
+            <a:endParaRPr lang="en-US" altLang="ko-KR" sz="2400" dirty="0">
+              <a:latin typeface="a천생연분" panose="02020600000000000000" pitchFamily="18" charset="-127"/>
+              <a:ea typeface="a천생연분" panose="02020600000000000000" pitchFamily="18" charset="-127"/>
+            </a:endParaRPr>
+          </a:p>
+          <a:p>
+            <a:pPr marL="0" indent="0">
+              <a:buNone/>
+            </a:pPr>
+            <a:r>
+              <a:rPr lang="en-US" altLang="ko-KR" sz="2400" dirty="0">
+                <a:latin typeface="a천생연분" panose="02020600000000000000" pitchFamily="18" charset="-127"/>
+                <a:ea typeface="a천생연분" panose="02020600000000000000" pitchFamily="18" charset="-127"/>
+              </a:rPr>
+              <a:t>- ‘</a:t>
+            </a:r>
+            <a:r>
+              <a:rPr lang="ko-KR" altLang="en-US" sz="2400" dirty="0">
+                <a:latin typeface="a천생연분" panose="02020600000000000000" pitchFamily="18" charset="-127"/>
+                <a:ea typeface="a천생연분" panose="02020600000000000000" pitchFamily="18" charset="-127"/>
+              </a:rPr>
+              <a:t>유통기한이 지난 식품은 먹을 수 없다</a:t>
+            </a:r>
+            <a:r>
+              <a:rPr lang="en-US" altLang="ko-KR" sz="2400" dirty="0">
+                <a:latin typeface="a천생연분" panose="02020600000000000000" pitchFamily="18" charset="-127"/>
+                <a:ea typeface="a천생연분" panose="02020600000000000000" pitchFamily="18" charset="-127"/>
+              </a:rPr>
+              <a:t>’</a:t>
+            </a:r>
+            <a:r>
+              <a:rPr lang="ko-KR" altLang="en-US" sz="2400" dirty="0">
+                <a:latin typeface="a천생연분" panose="02020600000000000000" pitchFamily="18" charset="-127"/>
+                <a:ea typeface="a천생연분" panose="02020600000000000000" pitchFamily="18" charset="-127"/>
+              </a:rPr>
+              <a:t>는 인식때문에 음식물이 불필요하게 </a:t>
+            </a:r>
+            <a:r>
+              <a:rPr lang="ko-KR" altLang="en-US" sz="2400" dirty="0" err="1">
+                <a:latin typeface="a천생연분" panose="02020600000000000000" pitchFamily="18" charset="-127"/>
+                <a:ea typeface="a천생연분" panose="02020600000000000000" pitchFamily="18" charset="-127"/>
+              </a:rPr>
+              <a:t>버려짐</a:t>
+            </a:r>
+            <a:endParaRPr lang="en-US" altLang="ko-KR" sz="2400" dirty="0">
+              <a:latin typeface="a천생연분" panose="02020600000000000000" pitchFamily="18" charset="-127"/>
+              <a:ea typeface="a천생연분" panose="02020600000000000000" pitchFamily="18" charset="-127"/>
+            </a:endParaRPr>
+          </a:p>
+          <a:p>
+            <a:pPr marL="0" indent="0">
+              <a:buNone/>
+            </a:pPr>
+            <a:r>
+              <a:rPr lang="en-US" altLang="ko-KR" sz="2400" dirty="0">
+                <a:latin typeface="a천생연분" panose="02020600000000000000" pitchFamily="18" charset="-127"/>
+                <a:ea typeface="a천생연분" panose="02020600000000000000" pitchFamily="18" charset="-127"/>
+              </a:rPr>
+              <a:t>- ‘</a:t>
+            </a:r>
+            <a:r>
+              <a:rPr lang="ko-KR" altLang="en-US" sz="2400" dirty="0">
+                <a:latin typeface="a천생연분" panose="02020600000000000000" pitchFamily="18" charset="-127"/>
+                <a:ea typeface="a천생연분" panose="02020600000000000000" pitchFamily="18" charset="-127"/>
+              </a:rPr>
+              <a:t>언제까지 먹어도 괜찮다</a:t>
+            </a:r>
+            <a:r>
+              <a:rPr lang="en-US" altLang="ko-KR" sz="2400" dirty="0">
+                <a:latin typeface="a천생연분" panose="02020600000000000000" pitchFamily="18" charset="-127"/>
+                <a:ea typeface="a천생연분" panose="02020600000000000000" pitchFamily="18" charset="-127"/>
+              </a:rPr>
+              <a:t>＇</a:t>
+            </a:r>
+            <a:r>
+              <a:rPr lang="ko-KR" altLang="en-US" sz="2400" dirty="0">
+                <a:latin typeface="a천생연분" panose="02020600000000000000" pitchFamily="18" charset="-127"/>
+                <a:ea typeface="a천생연분" panose="02020600000000000000" pitchFamily="18" charset="-127"/>
+              </a:rPr>
+              <a:t>를 의미하는 소비기한 사용함으로써 식품 폐기물 감소</a:t>
+            </a:r>
+            <a:endParaRPr lang="en-US" altLang="ko-KR" sz="2400" dirty="0">
+              <a:latin typeface="a천생연분" panose="02020600000000000000" pitchFamily="18" charset="-127"/>
+              <a:ea typeface="a천생연분" panose="02020600000000000000" pitchFamily="18" charset="-127"/>
+            </a:endParaRPr>
+          </a:p>
+        </p:txBody>
+      </p:sp>
+      <p:sp>
+        <p:nvSpPr>
+          <p:cNvPr id="5" name="내용 개체 틀 4">
+            <a:extLst>
+              <a:ext uri="{FF2B5EF4-FFF2-40B4-BE49-F238E27FC236}">
+                <a16:creationId xmlns:a16="http://schemas.microsoft.com/office/drawing/2014/main" id="{5FC8BCD3-B007-4961-A37B-38F9A6DF2890}"/>
+              </a:ext>
+            </a:extLst>
+          </p:cNvPr>
+          <p:cNvSpPr>
+            <a:spLocks noGrp="1"/>
+          </p:cNvSpPr>
+          <p:nvPr>
+            <p:ph sz="half" idx="2"/>
+          </p:nvPr>
+        </p:nvSpPr>
+        <p:spPr>
+          <a:xfrm>
+            <a:off x="795666" y="4411888"/>
+            <a:ext cx="10708759" cy="1499192"/>
+          </a:xfrm>
+        </p:spPr>
+        <p:txBody>
+          <a:bodyPr/>
+          <a:lstStyle/>
+          <a:p>
+            <a:pPr marL="0" indent="0">
+              <a:buNone/>
+            </a:pPr>
+            <a:r>
+              <a:rPr lang="ko-KR" altLang="en-US" u="sng" dirty="0">
+                <a:latin typeface="a천생연분" panose="02020600000000000000" pitchFamily="18" charset="-127"/>
+                <a:ea typeface="a천생연분" panose="02020600000000000000" pitchFamily="18" charset="-127"/>
+              </a:rPr>
+              <a:t>불필요한 지출 최소화</a:t>
+            </a:r>
+            <a:endParaRPr lang="en-US" altLang="ko-KR" u="sng" dirty="0">
+              <a:latin typeface="a천생연분" panose="02020600000000000000" pitchFamily="18" charset="-127"/>
+              <a:ea typeface="a천생연분" panose="02020600000000000000" pitchFamily="18" charset="-127"/>
+            </a:endParaRPr>
+          </a:p>
+          <a:p>
+            <a:pPr marL="0" indent="0">
+              <a:buNone/>
+            </a:pPr>
+            <a:endParaRPr lang="en-US" altLang="ko-KR" sz="2400" dirty="0">
+              <a:latin typeface="a천생연분" panose="02020600000000000000" pitchFamily="18" charset="-127"/>
+              <a:ea typeface="a천생연분" panose="02020600000000000000" pitchFamily="18" charset="-127"/>
+            </a:endParaRPr>
+          </a:p>
+          <a:p>
+            <a:pPr marL="0" indent="0">
+              <a:buNone/>
+            </a:pPr>
+            <a:r>
+              <a:rPr lang="en-US" altLang="ko-KR" sz="2400" dirty="0">
+                <a:latin typeface="a천생연분" panose="02020600000000000000" pitchFamily="18" charset="-127"/>
+                <a:ea typeface="a천생연분" panose="02020600000000000000" pitchFamily="18" charset="-127"/>
+              </a:rPr>
+              <a:t>- </a:t>
+            </a:r>
+            <a:r>
+              <a:rPr lang="ko-KR" altLang="en-US" sz="2400" dirty="0">
+                <a:latin typeface="a천생연분" panose="02020600000000000000" pitchFamily="18" charset="-127"/>
+                <a:ea typeface="a천생연분" panose="02020600000000000000" pitchFamily="18" charset="-127"/>
+              </a:rPr>
+              <a:t>유통기한보다 더 긴 소비기한을 사용하여 식품을 좀 더 오래 보관하고 먹을 수 있음</a:t>
+            </a:r>
+            <a:endParaRPr lang="en-US" altLang="ko-KR" sz="2400" dirty="0">
+              <a:latin typeface="a천생연분" panose="02020600000000000000" pitchFamily="18" charset="-127"/>
+              <a:ea typeface="a천생연분" panose="02020600000000000000" pitchFamily="18" charset="-127"/>
+            </a:endParaRPr>
           </a:p>
         </p:txBody>
       </p:sp>
@@ -6699,61 +6912,6 @@
               <a:buFontTx/>
               <a:buChar char="-"/>
             </a:pPr>
-            <a:r>
-              <a:rPr lang="ko-KR" altLang="en-US" dirty="0">
-                <a:latin typeface="a천생연분" panose="02020600000000000000" pitchFamily="18" charset="-127"/>
-                <a:ea typeface="a천생연분" panose="02020600000000000000" pitchFamily="18" charset="-127"/>
-              </a:rPr>
-              <a:t> 유통기한에 따른 식품 폐기 감소</a:t>
-            </a:r>
-            <a:r>
-              <a:rPr lang="en-US" altLang="ko-KR" dirty="0">
-                <a:latin typeface="a천생연분" panose="02020600000000000000" pitchFamily="18" charset="-127"/>
-                <a:ea typeface="a천생연분" panose="02020600000000000000" pitchFamily="18" charset="-127"/>
-              </a:rPr>
-              <a:t>(</a:t>
-            </a:r>
-            <a:r>
-              <a:rPr lang="ko-KR" altLang="en-US" dirty="0">
-                <a:latin typeface="a천생연분" panose="02020600000000000000" pitchFamily="18" charset="-127"/>
-                <a:ea typeface="a천생연분" panose="02020600000000000000" pitchFamily="18" charset="-127"/>
-              </a:rPr>
-              <a:t>현재 연간 </a:t>
-            </a:r>
-            <a:r>
-              <a:rPr lang="en-US" altLang="ko-KR" dirty="0">
-                <a:latin typeface="a천생연분" panose="02020600000000000000" pitchFamily="18" charset="-127"/>
-                <a:ea typeface="a천생연분" panose="02020600000000000000" pitchFamily="18" charset="-127"/>
-              </a:rPr>
-              <a:t>1</a:t>
-            </a:r>
-            <a:r>
-              <a:rPr lang="ko-KR" altLang="en-US" dirty="0">
-                <a:latin typeface="a천생연분" panose="02020600000000000000" pitchFamily="18" charset="-127"/>
-                <a:ea typeface="a천생연분" panose="02020600000000000000" pitchFamily="18" charset="-127"/>
-              </a:rPr>
-              <a:t>조원의 손실 발생</a:t>
-            </a:r>
-            <a:r>
-              <a:rPr lang="en-US" altLang="ko-KR" dirty="0">
-                <a:latin typeface="a천생연분" panose="02020600000000000000" pitchFamily="18" charset="-127"/>
-                <a:ea typeface="a천생연분" panose="02020600000000000000" pitchFamily="18" charset="-127"/>
-              </a:rPr>
-              <a:t>)</a:t>
-            </a:r>
-          </a:p>
-          <a:p>
-            <a:pPr>
-              <a:buFontTx/>
-              <a:buChar char="-"/>
-            </a:pPr>
-            <a:r>
-              <a:rPr lang="ko-KR" altLang="en-US" dirty="0">
-                <a:latin typeface="a천생연분" panose="02020600000000000000" pitchFamily="18" charset="-127"/>
-                <a:ea typeface="a천생연분" panose="02020600000000000000" pitchFamily="18" charset="-127"/>
-              </a:rPr>
-              <a:t> 불필요한 지출 최소화</a:t>
-            </a:r>
             <a:endParaRPr lang="en-US" altLang="ko-KR" dirty="0">
               <a:latin typeface="a천생연분" panose="02020600000000000000" pitchFamily="18" charset="-127"/>
               <a:ea typeface="a천생연분" panose="02020600000000000000" pitchFamily="18" charset="-127"/>

--- a/ETC/프로젝트 제안서 7조.pptx
+++ b/ETC/프로젝트 제안서 7조.pptx
@@ -208,7 +208,7 @@
           <a:p>
             <a:fld id="{09B75D47-7581-4EC6-9DBA-51A73CFF6B9C}" type="datetimeFigureOut">
               <a:rPr lang="ko-KR" altLang="en-US" smtClean="0"/>
-              <a:t>2021-10-02</a:t>
+              <a:t>2021-10-03</a:t>
             </a:fld>
             <a:endParaRPr lang="ko-KR" altLang="en-US"/>
           </a:p>
@@ -1133,7 +1133,7 @@
           <a:p>
             <a:fld id="{0C227048-AD30-4EB8-BFA5-CE5E90F25390}" type="datetimeFigureOut">
               <a:rPr lang="ko-KR" altLang="en-US" smtClean="0"/>
-              <a:t>2021-10-02</a:t>
+              <a:t>2021-10-03</a:t>
             </a:fld>
             <a:endParaRPr lang="ko-KR" altLang="en-US"/>
           </a:p>
@@ -1331,7 +1331,7 @@
           <a:p>
             <a:fld id="{0C227048-AD30-4EB8-BFA5-CE5E90F25390}" type="datetimeFigureOut">
               <a:rPr lang="ko-KR" altLang="en-US" smtClean="0"/>
-              <a:t>2021-10-02</a:t>
+              <a:t>2021-10-03</a:t>
             </a:fld>
             <a:endParaRPr lang="ko-KR" altLang="en-US"/>
           </a:p>
@@ -1539,7 +1539,7 @@
           <a:p>
             <a:fld id="{0C227048-AD30-4EB8-BFA5-CE5E90F25390}" type="datetimeFigureOut">
               <a:rPr lang="ko-KR" altLang="en-US" smtClean="0"/>
-              <a:t>2021-10-02</a:t>
+              <a:t>2021-10-03</a:t>
             </a:fld>
             <a:endParaRPr lang="ko-KR" altLang="en-US"/>
           </a:p>
@@ -1737,7 +1737,7 @@
           <a:p>
             <a:fld id="{0C227048-AD30-4EB8-BFA5-CE5E90F25390}" type="datetimeFigureOut">
               <a:rPr lang="ko-KR" altLang="en-US" smtClean="0"/>
-              <a:t>2021-10-02</a:t>
+              <a:t>2021-10-03</a:t>
             </a:fld>
             <a:endParaRPr lang="ko-KR" altLang="en-US"/>
           </a:p>
@@ -2012,7 +2012,7 @@
           <a:p>
             <a:fld id="{0C227048-AD30-4EB8-BFA5-CE5E90F25390}" type="datetimeFigureOut">
               <a:rPr lang="ko-KR" altLang="en-US" smtClean="0"/>
-              <a:t>2021-10-02</a:t>
+              <a:t>2021-10-03</a:t>
             </a:fld>
             <a:endParaRPr lang="ko-KR" altLang="en-US"/>
           </a:p>
@@ -2277,7 +2277,7 @@
           <a:p>
             <a:fld id="{0C227048-AD30-4EB8-BFA5-CE5E90F25390}" type="datetimeFigureOut">
               <a:rPr lang="ko-KR" altLang="en-US" smtClean="0"/>
-              <a:t>2021-10-02</a:t>
+              <a:t>2021-10-03</a:t>
             </a:fld>
             <a:endParaRPr lang="ko-KR" altLang="en-US"/>
           </a:p>
@@ -2689,7 +2689,7 @@
           <a:p>
             <a:fld id="{0C227048-AD30-4EB8-BFA5-CE5E90F25390}" type="datetimeFigureOut">
               <a:rPr lang="ko-KR" altLang="en-US" smtClean="0"/>
-              <a:t>2021-10-02</a:t>
+              <a:t>2021-10-03</a:t>
             </a:fld>
             <a:endParaRPr lang="ko-KR" altLang="en-US"/>
           </a:p>
@@ -2830,7 +2830,7 @@
           <a:p>
             <a:fld id="{0C227048-AD30-4EB8-BFA5-CE5E90F25390}" type="datetimeFigureOut">
               <a:rPr lang="ko-KR" altLang="en-US" smtClean="0"/>
-              <a:t>2021-10-02</a:t>
+              <a:t>2021-10-03</a:t>
             </a:fld>
             <a:endParaRPr lang="ko-KR" altLang="en-US"/>
           </a:p>
@@ -2943,7 +2943,7 @@
           <a:p>
             <a:fld id="{0C227048-AD30-4EB8-BFA5-CE5E90F25390}" type="datetimeFigureOut">
               <a:rPr lang="ko-KR" altLang="en-US" smtClean="0"/>
-              <a:t>2021-10-02</a:t>
+              <a:t>2021-10-03</a:t>
             </a:fld>
             <a:endParaRPr lang="ko-KR" altLang="en-US"/>
           </a:p>
@@ -3254,7 +3254,7 @@
           <a:p>
             <a:fld id="{0C227048-AD30-4EB8-BFA5-CE5E90F25390}" type="datetimeFigureOut">
               <a:rPr lang="ko-KR" altLang="en-US" smtClean="0"/>
-              <a:t>2021-10-02</a:t>
+              <a:t>2021-10-03</a:t>
             </a:fld>
             <a:endParaRPr lang="ko-KR" altLang="en-US"/>
           </a:p>
@@ -3542,7 +3542,7 @@
           <a:p>
             <a:fld id="{0C227048-AD30-4EB8-BFA5-CE5E90F25390}" type="datetimeFigureOut">
               <a:rPr lang="ko-KR" altLang="en-US" smtClean="0"/>
-              <a:t>2021-10-02</a:t>
+              <a:t>2021-10-03</a:t>
             </a:fld>
             <a:endParaRPr lang="ko-KR" altLang="en-US"/>
           </a:p>
@@ -3783,7 +3783,7 @@
           <a:p>
             <a:fld id="{0C227048-AD30-4EB8-BFA5-CE5E90F25390}" type="datetimeFigureOut">
               <a:rPr lang="ko-KR" altLang="en-US" smtClean="0"/>
-              <a:t>2021-10-02</a:t>
+              <a:t>2021-10-03</a:t>
             </a:fld>
             <a:endParaRPr lang="ko-KR" altLang="en-US"/>
           </a:p>
@@ -4289,11 +4289,18 @@
           <a:p>
             <a:pPr algn="r"/>
             <a:r>
+              <a:rPr lang="ko-KR" altLang="en-US" dirty="0" err="1">
+                <a:latin typeface="a천생연분" panose="02020600000000000000" pitchFamily="18" charset="-127"/>
+                <a:ea typeface="a천생연분" panose="02020600000000000000" pitchFamily="18" charset="-127"/>
+              </a:rPr>
+              <a:t>강한빛</a:t>
+            </a:r>
+            <a:r>
               <a:rPr lang="ko-KR" altLang="en-US" dirty="0">
                 <a:latin typeface="a천생연분" panose="02020600000000000000" pitchFamily="18" charset="-127"/>
                 <a:ea typeface="a천생연분" panose="02020600000000000000" pitchFamily="18" charset="-127"/>
               </a:rPr>
-              <a:t>강한빛 </a:t>
+              <a:t> </a:t>
             </a:r>
             <a:r>
               <a:rPr lang="en-US" altLang="ko-KR" dirty="0">
@@ -4329,6 +4336,13 @@
           </a:p>
           <a:p>
             <a:pPr algn="r"/>
+            <a:r>
+              <a:rPr lang="en-US" altLang="ko-KR" dirty="0">
+                <a:latin typeface="a천생연분" panose="02020600000000000000" pitchFamily="18" charset="-127"/>
+                <a:ea typeface="a천생연분" panose="02020600000000000000" pitchFamily="18" charset="-127"/>
+              </a:rPr>
+              <a:t>Presenter) </a:t>
+            </a:r>
             <a:r>
               <a:rPr lang="ko-KR" altLang="en-US" dirty="0">
                 <a:latin typeface="a천생연분" panose="02020600000000000000" pitchFamily="18" charset="-127"/>

--- a/ETC/프로젝트 제안서 7조.pptx
+++ b/ETC/프로젝트 제안서 7조.pptx
@@ -208,7 +208,7 @@
           <a:p>
             <a:fld id="{09B75D47-7581-4EC6-9DBA-51A73CFF6B9C}" type="datetimeFigureOut">
               <a:rPr lang="ko-KR" altLang="en-US" smtClean="0"/>
-              <a:t>2021-10-03</a:t>
+              <a:t>2021-10-05</a:t>
             </a:fld>
             <a:endParaRPr lang="ko-KR" altLang="en-US"/>
           </a:p>
@@ -1133,7 +1133,7 @@
           <a:p>
             <a:fld id="{0C227048-AD30-4EB8-BFA5-CE5E90F25390}" type="datetimeFigureOut">
               <a:rPr lang="ko-KR" altLang="en-US" smtClean="0"/>
-              <a:t>2021-10-03</a:t>
+              <a:t>2021-10-05</a:t>
             </a:fld>
             <a:endParaRPr lang="ko-KR" altLang="en-US"/>
           </a:p>
@@ -1331,7 +1331,7 @@
           <a:p>
             <a:fld id="{0C227048-AD30-4EB8-BFA5-CE5E90F25390}" type="datetimeFigureOut">
               <a:rPr lang="ko-KR" altLang="en-US" smtClean="0"/>
-              <a:t>2021-10-03</a:t>
+              <a:t>2021-10-05</a:t>
             </a:fld>
             <a:endParaRPr lang="ko-KR" altLang="en-US"/>
           </a:p>
@@ -1539,7 +1539,7 @@
           <a:p>
             <a:fld id="{0C227048-AD30-4EB8-BFA5-CE5E90F25390}" type="datetimeFigureOut">
               <a:rPr lang="ko-KR" altLang="en-US" smtClean="0"/>
-              <a:t>2021-10-03</a:t>
+              <a:t>2021-10-05</a:t>
             </a:fld>
             <a:endParaRPr lang="ko-KR" altLang="en-US"/>
           </a:p>
@@ -1737,7 +1737,7 @@
           <a:p>
             <a:fld id="{0C227048-AD30-4EB8-BFA5-CE5E90F25390}" type="datetimeFigureOut">
               <a:rPr lang="ko-KR" altLang="en-US" smtClean="0"/>
-              <a:t>2021-10-03</a:t>
+              <a:t>2021-10-05</a:t>
             </a:fld>
             <a:endParaRPr lang="ko-KR" altLang="en-US"/>
           </a:p>
@@ -2012,7 +2012,7 @@
           <a:p>
             <a:fld id="{0C227048-AD30-4EB8-BFA5-CE5E90F25390}" type="datetimeFigureOut">
               <a:rPr lang="ko-KR" altLang="en-US" smtClean="0"/>
-              <a:t>2021-10-03</a:t>
+              <a:t>2021-10-05</a:t>
             </a:fld>
             <a:endParaRPr lang="ko-KR" altLang="en-US"/>
           </a:p>
@@ -2277,7 +2277,7 @@
           <a:p>
             <a:fld id="{0C227048-AD30-4EB8-BFA5-CE5E90F25390}" type="datetimeFigureOut">
               <a:rPr lang="ko-KR" altLang="en-US" smtClean="0"/>
-              <a:t>2021-10-03</a:t>
+              <a:t>2021-10-05</a:t>
             </a:fld>
             <a:endParaRPr lang="ko-KR" altLang="en-US"/>
           </a:p>
@@ -2689,7 +2689,7 @@
           <a:p>
             <a:fld id="{0C227048-AD30-4EB8-BFA5-CE5E90F25390}" type="datetimeFigureOut">
               <a:rPr lang="ko-KR" altLang="en-US" smtClean="0"/>
-              <a:t>2021-10-03</a:t>
+              <a:t>2021-10-05</a:t>
             </a:fld>
             <a:endParaRPr lang="ko-KR" altLang="en-US"/>
           </a:p>
@@ -2830,7 +2830,7 @@
           <a:p>
             <a:fld id="{0C227048-AD30-4EB8-BFA5-CE5E90F25390}" type="datetimeFigureOut">
               <a:rPr lang="ko-KR" altLang="en-US" smtClean="0"/>
-              <a:t>2021-10-03</a:t>
+              <a:t>2021-10-05</a:t>
             </a:fld>
             <a:endParaRPr lang="ko-KR" altLang="en-US"/>
           </a:p>
@@ -2943,7 +2943,7 @@
           <a:p>
             <a:fld id="{0C227048-AD30-4EB8-BFA5-CE5E90F25390}" type="datetimeFigureOut">
               <a:rPr lang="ko-KR" altLang="en-US" smtClean="0"/>
-              <a:t>2021-10-03</a:t>
+              <a:t>2021-10-05</a:t>
             </a:fld>
             <a:endParaRPr lang="ko-KR" altLang="en-US"/>
           </a:p>
@@ -3254,7 +3254,7 @@
           <a:p>
             <a:fld id="{0C227048-AD30-4EB8-BFA5-CE5E90F25390}" type="datetimeFigureOut">
               <a:rPr lang="ko-KR" altLang="en-US" smtClean="0"/>
-              <a:t>2021-10-03</a:t>
+              <a:t>2021-10-05</a:t>
             </a:fld>
             <a:endParaRPr lang="ko-KR" altLang="en-US"/>
           </a:p>
@@ -3542,7 +3542,7 @@
           <a:p>
             <a:fld id="{0C227048-AD30-4EB8-BFA5-CE5E90F25390}" type="datetimeFigureOut">
               <a:rPr lang="ko-KR" altLang="en-US" smtClean="0"/>
-              <a:t>2021-10-03</a:t>
+              <a:t>2021-10-05</a:t>
             </a:fld>
             <a:endParaRPr lang="ko-KR" altLang="en-US"/>
           </a:p>
@@ -3783,7 +3783,7 @@
           <a:p>
             <a:fld id="{0C227048-AD30-4EB8-BFA5-CE5E90F25390}" type="datetimeFigureOut">
               <a:rPr lang="ko-KR" altLang="en-US" smtClean="0"/>
-              <a:t>2021-10-03</a:t>
+              <a:t>2021-10-05</a:t>
             </a:fld>
             <a:endParaRPr lang="ko-KR" altLang="en-US"/>
           </a:p>
@@ -4218,16 +4218,29 @@
         </p:nvSpPr>
         <p:spPr/>
         <p:txBody>
-          <a:bodyPr/>
+          <a:bodyPr>
+            <a:normAutofit/>
+          </a:bodyPr>
           <a:lstStyle/>
           <a:p>
             <a:r>
-              <a:rPr lang="ko-KR" altLang="en-US" dirty="0">
+              <a:rPr lang="ko-KR" altLang="en-US" sz="4500" dirty="0">
                 <a:latin typeface="a솜사탕" panose="02020600000000000000" pitchFamily="18" charset="-127"/>
                 <a:ea typeface="a솜사탕" panose="02020600000000000000" pitchFamily="18" charset="-127"/>
               </a:rPr>
-              <a:t>영수증을 부탁해</a:t>
-            </a:r>
+              <a:t>식품 소비기한 정보를 알려주는 </a:t>
+            </a:r>
+            <a:r>
+              <a:rPr lang="en-US" altLang="ko-KR" sz="4500" dirty="0">
+                <a:latin typeface="a솜사탕" panose="02020600000000000000" pitchFamily="18" charset="-127"/>
+                <a:ea typeface="a솜사탕" panose="02020600000000000000" pitchFamily="18" charset="-127"/>
+              </a:rPr>
+              <a:t>APP</a:t>
+            </a:r>
+            <a:endParaRPr lang="ko-KR" altLang="en-US" sz="4500" dirty="0">
+              <a:latin typeface="a솜사탕" panose="02020600000000000000" pitchFamily="18" charset="-127"/>
+              <a:ea typeface="a솜사탕" panose="02020600000000000000" pitchFamily="18" charset="-127"/>
+            </a:endParaRPr>
           </a:p>
         </p:txBody>
       </p:sp>
@@ -4249,7 +4262,7 @@
         </p:nvSpPr>
         <p:spPr>
           <a:xfrm>
-            <a:off x="2687782" y="4898824"/>
+            <a:off x="2687782" y="4751866"/>
             <a:ext cx="9144000" cy="1655762"/>
           </a:xfrm>
         </p:spPr>
@@ -4261,27 +4274,13 @@
           <a:p>
             <a:pPr algn="r"/>
             <a:r>
-              <a:rPr lang="ko-KR" altLang="en-US" dirty="0">
+              <a:rPr lang="ko-KR" altLang="en-US" sz="2600" dirty="0">
                 <a:latin typeface="a천생연분" panose="02020600000000000000" pitchFamily="18" charset="-127"/>
                 <a:ea typeface="a천생연분" panose="02020600000000000000" pitchFamily="18" charset="-127"/>
               </a:rPr>
-              <a:t>소프트웨어 개발론 </a:t>
-            </a:r>
-            <a:r>
-              <a:rPr lang="en-US" altLang="ko-KR" dirty="0">
-                <a:latin typeface="a천생연분" panose="02020600000000000000" pitchFamily="18" charset="-127"/>
-                <a:ea typeface="a천생연분" panose="02020600000000000000" pitchFamily="18" charset="-127"/>
-              </a:rPr>
-              <a:t>7</a:t>
-            </a:r>
-            <a:r>
-              <a:rPr lang="ko-KR" altLang="en-US" dirty="0">
-                <a:latin typeface="a천생연분" panose="02020600000000000000" pitchFamily="18" charset="-127"/>
-                <a:ea typeface="a천생연분" panose="02020600000000000000" pitchFamily="18" charset="-127"/>
-              </a:rPr>
-              <a:t>조</a:t>
-            </a:r>
-            <a:endParaRPr lang="en-US" altLang="ko-KR" dirty="0">
+              <a:t>영수증을 부탁해</a:t>
+            </a:r>
+            <a:endParaRPr lang="en-US" altLang="ko-KR" sz="2600" dirty="0">
               <a:latin typeface="a천생연분" panose="02020600000000000000" pitchFamily="18" charset="-127"/>
               <a:ea typeface="a천생연분" panose="02020600000000000000" pitchFamily="18" charset="-127"/>
             </a:endParaRPr>
@@ -10168,8 +10167,8 @@
         </p:nvSpPr>
         <p:spPr>
           <a:xfrm>
-            <a:off x="4193776" y="2893979"/>
-            <a:ext cx="1331117" cy="598620"/>
+            <a:off x="4165774" y="2893979"/>
+            <a:ext cx="1568704" cy="598620"/>
           </a:xfrm>
           <a:prstGeom prst="roundRect">
             <a:avLst/>
